--- a/Ecommerce_Analysis_Project_IBM/Documentations/E-Commerce Sales Performance Analysis and Visualization using Python.pptx
+++ b/Ecommerce_Analysis_Project_IBM/Documentations/E-Commerce Sales Performance Analysis and Visualization using Python.pptx
@@ -5,26 +5,31 @@
     <p:sldMasterId id="2147483648" r:id="rId4"/>
   </p:sldMasterIdLst>
   <p:notesMasterIdLst>
-    <p:notesMasterId r:id="rId22"/>
+    <p:notesMasterId r:id="rId27"/>
   </p:notesMasterIdLst>
   <p:sldIdLst>
     <p:sldId id="530" r:id="rId5"/>
     <p:sldId id="531" r:id="rId6"/>
     <p:sldId id="533" r:id="rId7"/>
     <p:sldId id="534" r:id="rId8"/>
-    <p:sldId id="535" r:id="rId9"/>
-    <p:sldId id="536" r:id="rId10"/>
-    <p:sldId id="547" r:id="rId11"/>
-    <p:sldId id="537" r:id="rId12"/>
-    <p:sldId id="548" r:id="rId13"/>
-    <p:sldId id="549" r:id="rId14"/>
-    <p:sldId id="550" r:id="rId15"/>
-    <p:sldId id="546" r:id="rId16"/>
-    <p:sldId id="551" r:id="rId17"/>
-    <p:sldId id="538" r:id="rId18"/>
-    <p:sldId id="539" r:id="rId19"/>
-    <p:sldId id="543" r:id="rId20"/>
-    <p:sldId id="544" r:id="rId21"/>
+    <p:sldId id="552" r:id="rId9"/>
+    <p:sldId id="556" r:id="rId10"/>
+    <p:sldId id="553" r:id="rId11"/>
+    <p:sldId id="554" r:id="rId12"/>
+    <p:sldId id="555" r:id="rId13"/>
+    <p:sldId id="535" r:id="rId14"/>
+    <p:sldId id="536" r:id="rId15"/>
+    <p:sldId id="547" r:id="rId16"/>
+    <p:sldId id="537" r:id="rId17"/>
+    <p:sldId id="548" r:id="rId18"/>
+    <p:sldId id="549" r:id="rId19"/>
+    <p:sldId id="550" r:id="rId20"/>
+    <p:sldId id="546" r:id="rId21"/>
+    <p:sldId id="551" r:id="rId22"/>
+    <p:sldId id="538" r:id="rId23"/>
+    <p:sldId id="539" r:id="rId24"/>
+    <p:sldId id="543" r:id="rId25"/>
+    <p:sldId id="544" r:id="rId26"/>
   </p:sldIdLst>
   <p:sldSz cx="12192000" cy="6858000"/>
   <p:notesSz cx="6858000" cy="9144000"/>
@@ -225,7 +230,7 @@
           <a:p>
             <a:fld id="{3F00BCFC-AFFD-334C-A183-6116BAFDF92B}" type="datetimeFigureOut">
               <a:rPr lang="en-US" smtClean="0"/>
-              <a:t>11/9/2025</a:t>
+              <a:t>11/21/2025</a:t>
             </a:fld>
             <a:endParaRPr lang="en-US" dirty="0"/>
           </a:p>
@@ -17257,7 +17262,7 @@
           <p:cNvPr id="2" name="Title 1">
             <a:extLst>
               <a:ext uri="{FF2B5EF4-FFF2-40B4-BE49-F238E27FC236}">
-                <a16:creationId xmlns:a16="http://schemas.microsoft.com/office/drawing/2014/main" id="{BF3CD953-A635-D345-3BF1-AD1A948B69EE}"/>
+                <a16:creationId xmlns:a16="http://schemas.microsoft.com/office/drawing/2014/main" id="{C8152FE8-2F9C-9C12-4EB3-9742EA91D653}"/>
               </a:ext>
             </a:extLst>
           </p:cNvPr>
@@ -17273,172 +17278,147 @@
           <a:bodyPr/>
           <a:lstStyle/>
           <a:p>
-            <a:pPr algn="ctr"/>
-            <a:r>
-              <a:rPr lang="en-GB" sz="3600" b="0" i="0" dirty="0">
+            <a:r>
+              <a:rPr lang="en-US" i="0" dirty="0">
+                <a:effectLst/>
+                <a:latin typeface="fkGrotesk"/>
+              </a:rPr>
+              <a:t>Key Visualizations</a:t>
+            </a:r>
+          </a:p>
+        </p:txBody>
+      </p:sp>
+      <p:sp>
+        <p:nvSpPr>
+          <p:cNvPr id="5" name="Slide Number Placeholder 4">
+            <a:extLst>
+              <a:ext uri="{FF2B5EF4-FFF2-40B4-BE49-F238E27FC236}">
+                <a16:creationId xmlns:a16="http://schemas.microsoft.com/office/drawing/2014/main" id="{2A8E318B-D756-6C57-8657-96C836320839}"/>
+              </a:ext>
+            </a:extLst>
+          </p:cNvPr>
+          <p:cNvSpPr>
+            <a:spLocks noGrp="1"/>
+          </p:cNvSpPr>
+          <p:nvPr>
+            <p:ph type="sldNum" sz="quarter" idx="11"/>
+          </p:nvPr>
+        </p:nvSpPr>
+        <p:spPr/>
+        <p:txBody>
+          <a:bodyPr/>
+          <a:lstStyle/>
+          <a:p>
+            <a:fld id="{294A09A9-5501-47C1-A89A-A340965A2BE2}" type="slidenum">
+              <a:rPr lang="en-US" smtClean="0"/>
+              <a:pPr/>
+              <a:t>10</a:t>
+            </a:fld>
+            <a:endParaRPr lang="en-US" dirty="0"/>
+          </a:p>
+        </p:txBody>
+      </p:sp>
+      <p:sp>
+        <p:nvSpPr>
+          <p:cNvPr id="7" name="Content Placeholder 6">
+            <a:extLst>
+              <a:ext uri="{FF2B5EF4-FFF2-40B4-BE49-F238E27FC236}">
+                <a16:creationId xmlns:a16="http://schemas.microsoft.com/office/drawing/2014/main" id="{EB9E9746-B11F-C28B-3409-D2DD4C7103E7}"/>
+              </a:ext>
+            </a:extLst>
+          </p:cNvPr>
+          <p:cNvSpPr>
+            <a:spLocks noGrp="1"/>
+          </p:cNvSpPr>
+          <p:nvPr>
+            <p:ph idx="1"/>
+          </p:nvPr>
+        </p:nvSpPr>
+        <p:spPr/>
+        <p:txBody>
+          <a:bodyPr/>
+          <a:lstStyle/>
+          <a:p>
+            <a:pPr algn="l">
+              <a:buFont typeface="Arial" panose="020B0604020202020204" pitchFamily="34" charset="0"/>
+              <a:buChar char="•"/>
+            </a:pPr>
+            <a:endParaRPr lang="en-GB" b="0" i="0" dirty="0">
+              <a:effectLst/>
+              <a:latin typeface="fkGroteskNeue"/>
+            </a:endParaRPr>
+          </a:p>
+          <a:p>
+            <a:pPr algn="l">
+              <a:buFont typeface="Arial" panose="020B0604020202020204" pitchFamily="34" charset="0"/>
+              <a:buChar char="•"/>
+            </a:pPr>
+            <a:r>
+              <a:rPr lang="en-GB" b="0" i="0" dirty="0">
+                <a:effectLst/>
+                <a:latin typeface="fkGroteskNeue"/>
+              </a:rPr>
+              <a:t>Monthly Sales Trend (Line)</a:t>
+            </a:r>
+          </a:p>
+          <a:p>
+            <a:pPr algn="l">
+              <a:buFont typeface="Arial" panose="020B0604020202020204" pitchFamily="34" charset="0"/>
+              <a:buChar char="•"/>
+            </a:pPr>
+            <a:r>
+              <a:rPr lang="en-GB" b="0" i="0" dirty="0">
+                <a:effectLst/>
+                <a:latin typeface="fkGroteskNeue"/>
+              </a:rPr>
+              <a:t>Top Products (Bar)</a:t>
+            </a:r>
+          </a:p>
+          <a:p>
+            <a:pPr algn="l">
+              <a:buFont typeface="Arial" panose="020B0604020202020204" pitchFamily="34" charset="0"/>
+              <a:buChar char="•"/>
+            </a:pPr>
+            <a:r>
+              <a:rPr lang="en-GB" b="0" i="0" dirty="0">
+                <a:effectLst/>
+                <a:latin typeface="fkGroteskNeue"/>
+              </a:rPr>
+              <a:t>Sales Distribution (Histogram)</a:t>
+            </a:r>
+          </a:p>
+          <a:p>
+            <a:pPr algn="l">
+              <a:buFont typeface="Arial" panose="020B0604020202020204" pitchFamily="34" charset="0"/>
+              <a:buChar char="•"/>
+            </a:pPr>
+            <a:r>
+              <a:rPr lang="en-GB" b="0" i="0" dirty="0">
+                <a:effectLst/>
+                <a:latin typeface="fkGroteskNeue"/>
+              </a:rPr>
+              <a:t>Correlation Matrix (Heatmap)</a:t>
+            </a:r>
+          </a:p>
+          <a:p>
+            <a:pPr algn="l">
+              <a:buFont typeface="Arial" panose="020B0604020202020204" pitchFamily="34" charset="0"/>
+              <a:buChar char="•"/>
+            </a:pPr>
+            <a:r>
+              <a:rPr lang="en-GB" b="0" i="0" dirty="0">
                 <a:effectLst/>
                 <a:latin typeface="fkGroteskNeue"/>
               </a:rPr>
               <a:t>Boxplot (spread by product/country)</a:t>
             </a:r>
-            <a:endParaRPr lang="en-US" sz="3600" dirty="0"/>
-          </a:p>
-        </p:txBody>
-      </p:sp>
-      <p:sp>
-        <p:nvSpPr>
-          <p:cNvPr id="4" name="Slide Number Placeholder 3">
-            <a:extLst>
-              <a:ext uri="{FF2B5EF4-FFF2-40B4-BE49-F238E27FC236}">
-                <a16:creationId xmlns:a16="http://schemas.microsoft.com/office/drawing/2014/main" id="{28E9B418-7A8B-8A30-2437-C15D0EDCD6E5}"/>
-              </a:ext>
-            </a:extLst>
-          </p:cNvPr>
-          <p:cNvSpPr>
-            <a:spLocks noGrp="1"/>
-          </p:cNvSpPr>
-          <p:nvPr>
-            <p:ph type="sldNum" sz="quarter" idx="12"/>
-          </p:nvPr>
-        </p:nvSpPr>
-        <p:spPr/>
-        <p:txBody>
-          <a:bodyPr/>
-          <a:lstStyle/>
-          <a:p>
-            <a:fld id="{294A09A9-5501-47C1-A89A-A340965A2BE2}" type="slidenum">
-              <a:rPr lang="en-US" smtClean="0"/>
-              <a:t>10</a:t>
-            </a:fld>
-            <a:endParaRPr lang="en-US" dirty="0"/>
-          </a:p>
-        </p:txBody>
-      </p:sp>
-      <p:pic>
-        <p:nvPicPr>
-          <p:cNvPr id="10" name="Picture 9" descr="A graph with blue and purple squares&#10;&#10;AI-generated content may be incorrect.">
-            <a:extLst>
-              <a:ext uri="{FF2B5EF4-FFF2-40B4-BE49-F238E27FC236}">
-                <a16:creationId xmlns:a16="http://schemas.microsoft.com/office/drawing/2014/main" id="{E9936247-EA4A-8C83-DA84-A4BCA64B3B61}"/>
-              </a:ext>
-            </a:extLst>
-          </p:cNvPr>
-          <p:cNvPicPr>
-            <a:picLocks noChangeAspect="1"/>
-          </p:cNvPicPr>
-          <p:nvPr/>
-        </p:nvPicPr>
-        <p:blipFill>
-          <a:blip r:embed="rId2"/>
-          <a:stretch>
-            <a:fillRect/>
-          </a:stretch>
-        </p:blipFill>
-        <p:spPr>
-          <a:xfrm>
-            <a:off x="965193" y="2120900"/>
-            <a:ext cx="5461007" cy="4343406"/>
-          </a:xfrm>
-          <a:prstGeom prst="rect">
-            <a:avLst/>
-          </a:prstGeom>
-        </p:spPr>
-      </p:pic>
-      <p:pic>
-        <p:nvPicPr>
-          <p:cNvPr id="14" name="Picture 13">
-            <a:extLst>
-              <a:ext uri="{FF2B5EF4-FFF2-40B4-BE49-F238E27FC236}">
-                <a16:creationId xmlns:a16="http://schemas.microsoft.com/office/drawing/2014/main" id="{20F99099-5A60-033A-2D25-9BAEE2AB2CEC}"/>
-              </a:ext>
-            </a:extLst>
-          </p:cNvPr>
-          <p:cNvPicPr>
-            <a:picLocks noChangeAspect="1"/>
-          </p:cNvPicPr>
-          <p:nvPr/>
-        </p:nvPicPr>
-        <p:blipFill>
-          <a:blip r:embed="rId3"/>
-          <a:stretch>
-            <a:fillRect/>
-          </a:stretch>
-        </p:blipFill>
-        <p:spPr>
-          <a:xfrm>
-            <a:off x="6565900" y="3827179"/>
-            <a:ext cx="5461006" cy="2257740"/>
-          </a:xfrm>
-          <a:prstGeom prst="rect">
-            <a:avLst/>
-          </a:prstGeom>
-        </p:spPr>
-      </p:pic>
-      <p:sp>
-        <p:nvSpPr>
-          <p:cNvPr id="3" name="Callout: Bent Line with No Border 2">
-            <a:extLst>
-              <a:ext uri="{FF2B5EF4-FFF2-40B4-BE49-F238E27FC236}">
-                <a16:creationId xmlns:a16="http://schemas.microsoft.com/office/drawing/2014/main" id="{C5BC132A-69A7-418F-D69E-A182EE26D60A}"/>
-              </a:ext>
-            </a:extLst>
-          </p:cNvPr>
-          <p:cNvSpPr/>
-          <p:nvPr/>
-        </p:nvSpPr>
-        <p:spPr>
-          <a:xfrm>
-            <a:off x="7899400" y="2120900"/>
-            <a:ext cx="3225800" cy="1069848"/>
-          </a:xfrm>
-          <a:prstGeom prst="callout2">
-            <a:avLst>
-              <a:gd name="adj1" fmla="val 38932"/>
-              <a:gd name="adj2" fmla="val 3871"/>
-              <a:gd name="adj3" fmla="val 36556"/>
-              <a:gd name="adj4" fmla="val -16667"/>
-              <a:gd name="adj5" fmla="val 110126"/>
-              <a:gd name="adj6" fmla="val -45880"/>
-            </a:avLst>
-          </a:prstGeom>
-          <a:noFill/>
-        </p:spPr>
-        <p:style>
-          <a:lnRef idx="2">
-            <a:schemeClr val="accent1">
-              <a:shade val="15000"/>
-            </a:schemeClr>
-          </a:lnRef>
-          <a:fillRef idx="1">
-            <a:schemeClr val="accent1"/>
-          </a:fillRef>
-          <a:effectRef idx="0">
-            <a:schemeClr val="accent1"/>
-          </a:effectRef>
-          <a:fontRef idx="minor">
-            <a:schemeClr val="lt1"/>
-          </a:fontRef>
-        </p:style>
-        <p:txBody>
-          <a:bodyPr rtlCol="0" anchor="ctr"/>
-          <a:lstStyle/>
-          <a:p>
-            <a:pPr algn="ctr"/>
-            <a:r>
-              <a:rPr lang="en-GB" b="0" i="0" spc="300" dirty="0">
-                <a:effectLst/>
-                <a:latin typeface="fkGroteskNeue"/>
-              </a:rPr>
-              <a:t>Illustrates the spread and variability of sales in each product or region group</a:t>
-            </a:r>
-            <a:endParaRPr lang="en-US" spc="300" dirty="0"/>
           </a:p>
         </p:txBody>
       </p:sp>
     </p:spTree>
     <p:extLst>
       <p:ext uri="{BB962C8B-B14F-4D97-AF65-F5344CB8AC3E}">
-        <p14:creationId xmlns:p14="http://schemas.microsoft.com/office/powerpoint/2010/main" val="802820097"/>
+        <p14:creationId xmlns:p14="http://schemas.microsoft.com/office/powerpoint/2010/main" val="1372651910"/>
       </p:ext>
     </p:extLst>
   </p:cSld>
@@ -17467,10 +17447,10 @@
       </p:grpSpPr>
       <p:sp>
         <p:nvSpPr>
-          <p:cNvPr id="2" name="Title 1">
-            <a:extLst>
-              <a:ext uri="{FF2B5EF4-FFF2-40B4-BE49-F238E27FC236}">
-                <a16:creationId xmlns:a16="http://schemas.microsoft.com/office/drawing/2014/main" id="{65340DAA-3369-2D76-3F94-CA94FF10E261}"/>
+          <p:cNvPr id="10" name="Title 9">
+            <a:extLst>
+              <a:ext uri="{FF2B5EF4-FFF2-40B4-BE49-F238E27FC236}">
+                <a16:creationId xmlns:a16="http://schemas.microsoft.com/office/drawing/2014/main" id="{A518BC33-C29D-9A47-94BA-8DDABCFAC9C3}"/>
               </a:ext>
             </a:extLst>
           </p:cNvPr>
@@ -17481,54 +17461,34 @@
             <p:ph type="title"/>
           </p:nvPr>
         </p:nvSpPr>
-        <p:spPr/>
+        <p:spPr>
+          <a:xfrm>
+            <a:off x="773420" y="358136"/>
+            <a:ext cx="11136651" cy="1069848"/>
+          </a:xfrm>
+        </p:spPr>
         <p:txBody>
           <a:bodyPr/>
           <a:lstStyle/>
           <a:p>
             <a:pPr algn="ctr"/>
             <a:r>
-              <a:rPr lang="en-US" dirty="0"/>
-              <a:t>Time Trend Decomposition</a:t>
-            </a:r>
-          </a:p>
-        </p:txBody>
-      </p:sp>
-      <p:sp>
-        <p:nvSpPr>
-          <p:cNvPr id="4" name="Slide Number Placeholder 3">
-            <a:extLst>
-              <a:ext uri="{FF2B5EF4-FFF2-40B4-BE49-F238E27FC236}">
-                <a16:creationId xmlns:a16="http://schemas.microsoft.com/office/drawing/2014/main" id="{A1B9B891-8FAC-BE73-C1A8-BD08C03FAC1F}"/>
-              </a:ext>
-            </a:extLst>
-          </p:cNvPr>
-          <p:cNvSpPr>
-            <a:spLocks noGrp="1"/>
-          </p:cNvSpPr>
-          <p:nvPr>
-            <p:ph type="sldNum" sz="quarter" idx="12"/>
-          </p:nvPr>
-        </p:nvSpPr>
-        <p:spPr/>
-        <p:txBody>
-          <a:bodyPr/>
-          <a:lstStyle/>
-          <a:p>
-            <a:fld id="{294A09A9-5501-47C1-A89A-A340965A2BE2}" type="slidenum">
-              <a:rPr lang="en-US" smtClean="0"/>
-              <a:t>11</a:t>
-            </a:fld>
-            <a:endParaRPr lang="en-US" dirty="0"/>
+              <a:rPr lang="en-US" sz="3200" i="0" dirty="0">
+                <a:effectLst/>
+                <a:latin typeface="fkGroteskNeue"/>
+              </a:rPr>
+              <a:t>Monthly Sales Trend (Line)</a:t>
+            </a:r>
+            <a:endParaRPr lang="en-US" sz="3200" dirty="0"/>
           </a:p>
         </p:txBody>
       </p:sp>
       <p:pic>
         <p:nvPicPr>
-          <p:cNvPr id="6" name="Picture 5" descr="A graph of different types of data&#10;&#10;AI-generated content may be incorrect.">
-            <a:extLst>
-              <a:ext uri="{FF2B5EF4-FFF2-40B4-BE49-F238E27FC236}">
-                <a16:creationId xmlns:a16="http://schemas.microsoft.com/office/drawing/2014/main" id="{8A62D7F0-F92A-3822-A771-1E45927612C1}"/>
+          <p:cNvPr id="12" name="Picture 11" descr="A graph with purple lines and a line&#10;&#10;AI-generated content may be incorrect.">
+            <a:extLst>
+              <a:ext uri="{FF2B5EF4-FFF2-40B4-BE49-F238E27FC236}">
+                <a16:creationId xmlns:a16="http://schemas.microsoft.com/office/drawing/2014/main" id="{6D7C0869-F5A1-0F94-AC76-A326664C898C}"/>
               </a:ext>
             </a:extLst>
           </p:cNvPr>
@@ -17545,8 +17505,8 @@
         </p:blipFill>
         <p:spPr>
           <a:xfrm>
-            <a:off x="850392" y="2644135"/>
-            <a:ext cx="5339086" cy="3591565"/>
+            <a:off x="900421" y="2110735"/>
+            <a:ext cx="4966979" cy="4389129"/>
           </a:xfrm>
           <a:prstGeom prst="rect">
             <a:avLst/>
@@ -17555,10 +17515,10 @@
       </p:pic>
       <p:pic>
         <p:nvPicPr>
-          <p:cNvPr id="8" name="Picture 7">
-            <a:extLst>
-              <a:ext uri="{FF2B5EF4-FFF2-40B4-BE49-F238E27FC236}">
-                <a16:creationId xmlns:a16="http://schemas.microsoft.com/office/drawing/2014/main" id="{BFB035D4-712C-29EF-56D3-6D231F981F0F}"/>
+          <p:cNvPr id="17" name="Picture 16">
+            <a:extLst>
+              <a:ext uri="{FF2B5EF4-FFF2-40B4-BE49-F238E27FC236}">
+                <a16:creationId xmlns:a16="http://schemas.microsoft.com/office/drawing/2014/main" id="{0DD733BE-69F9-FB63-2C77-C1396EB7E31F}"/>
               </a:ext>
             </a:extLst>
           </p:cNvPr>
@@ -17575,8 +17535,8 @@
         </p:blipFill>
         <p:spPr>
           <a:xfrm>
-            <a:off x="6367271" y="3984504"/>
-            <a:ext cx="5630061" cy="1733792"/>
+            <a:off x="6096000" y="2809235"/>
+            <a:ext cx="5941072" cy="3485896"/>
           </a:xfrm>
           <a:prstGeom prst="rect">
             <a:avLst/>
@@ -17585,10 +17545,10 @@
       </p:pic>
       <p:sp>
         <p:nvSpPr>
-          <p:cNvPr id="5" name="Callout: Bent Line with No Border 4">
-            <a:extLst>
-              <a:ext uri="{FF2B5EF4-FFF2-40B4-BE49-F238E27FC236}">
-                <a16:creationId xmlns:a16="http://schemas.microsoft.com/office/drawing/2014/main" id="{20A5DD19-431B-751D-D215-A690B4A2339A}"/>
+          <p:cNvPr id="2" name="Callout: Bent Line with No Border 1">
+            <a:extLst>
+              <a:ext uri="{FF2B5EF4-FFF2-40B4-BE49-F238E27FC236}">
+                <a16:creationId xmlns:a16="http://schemas.microsoft.com/office/drawing/2014/main" id="{1E4ACC9D-B6A7-7E0A-F476-C35C242CB66D}"/>
               </a:ext>
             </a:extLst>
           </p:cNvPr>
@@ -17597,17 +17557,17 @@
         </p:nvSpPr>
         <p:spPr>
           <a:xfrm>
-            <a:off x="7532623" y="1901952"/>
-            <a:ext cx="4199129" cy="1527048"/>
+            <a:off x="7617471" y="1308100"/>
+            <a:ext cx="4292600" cy="1295400"/>
           </a:xfrm>
           <a:prstGeom prst="callout2">
             <a:avLst>
-              <a:gd name="adj1" fmla="val 33720"/>
-              <a:gd name="adj2" fmla="val 14350"/>
-              <a:gd name="adj3" fmla="val 35383"/>
-              <a:gd name="adj4" fmla="val -12433"/>
-              <a:gd name="adj5" fmla="val 72580"/>
-              <a:gd name="adj6" fmla="val -31847"/>
+              <a:gd name="adj1" fmla="val 23652"/>
+              <a:gd name="adj2" fmla="val 4389"/>
+              <a:gd name="adj3" fmla="val 18750"/>
+              <a:gd name="adj4" fmla="val -16667"/>
+              <a:gd name="adj5" fmla="val 112500"/>
+              <a:gd name="adj6" fmla="val -46667"/>
             </a:avLst>
           </a:prstGeom>
           <a:noFill/>
@@ -17634,23 +17594,30 @@
           <a:p>
             <a:pPr algn="ctr"/>
             <a:r>
-              <a:rPr lang="en-GB" b="0" i="0" spc="300" dirty="0">
+              <a:rPr lang="en-GB" sz="1600" b="0" i="0" spc="300" dirty="0">
+                <a:solidFill>
+                  <a:schemeClr val="bg1"/>
+                </a:solidFill>
                 <a:effectLst/>
                 <a:latin typeface="fkGroteskNeue"/>
               </a:rPr>
-              <a:t>Separates sales data into trend, seasonality, and residuals to reveal underlying business patterns.</a:t>
+              <a:t>Plots total sales for each month to highlight seasonality and business cycles.</a:t>
             </a:r>
           </a:p>
           <a:p>
             <a:pPr algn="ctr"/>
-            <a:endParaRPr lang="en-US" spc="300" dirty="0"/>
+            <a:endParaRPr lang="en-US" sz="1600" spc="300" dirty="0">
+              <a:solidFill>
+                <a:schemeClr val="bg1"/>
+              </a:solidFill>
+            </a:endParaRPr>
           </a:p>
         </p:txBody>
       </p:sp>
     </p:spTree>
     <p:extLst>
       <p:ext uri="{BB962C8B-B14F-4D97-AF65-F5344CB8AC3E}">
-        <p14:creationId xmlns:p14="http://schemas.microsoft.com/office/powerpoint/2010/main" val="2973226804"/>
+        <p14:creationId xmlns:p14="http://schemas.microsoft.com/office/powerpoint/2010/main" val="1208724409"/>
       </p:ext>
     </p:extLst>
   </p:cSld>
@@ -17677,12 +17644,93 @@
           <a:chExt cx="0" cy="0"/>
         </a:xfrm>
       </p:grpSpPr>
+      <p:sp>
+        <p:nvSpPr>
+          <p:cNvPr id="4" name="Slide Number Placeholder 3">
+            <a:extLst>
+              <a:ext uri="{FF2B5EF4-FFF2-40B4-BE49-F238E27FC236}">
+                <a16:creationId xmlns:a16="http://schemas.microsoft.com/office/drawing/2014/main" id="{5892D4D3-B35F-AB84-F0CE-8519140B9B0A}"/>
+              </a:ext>
+            </a:extLst>
+          </p:cNvPr>
+          <p:cNvSpPr>
+            <a:spLocks noGrp="1"/>
+          </p:cNvSpPr>
+          <p:nvPr>
+            <p:ph type="sldNum" sz="quarter" idx="12"/>
+          </p:nvPr>
+        </p:nvSpPr>
+        <p:spPr/>
+        <p:txBody>
+          <a:bodyPr/>
+          <a:lstStyle/>
+          <a:p>
+            <a:fld id="{294A09A9-5501-47C1-A89A-A340965A2BE2}" type="slidenum">
+              <a:rPr lang="en-US" smtClean="0"/>
+              <a:t>12</a:t>
+            </a:fld>
+            <a:endParaRPr lang="en-US" dirty="0"/>
+          </a:p>
+        </p:txBody>
+      </p:sp>
+      <p:sp>
+        <p:nvSpPr>
+          <p:cNvPr id="13" name="Title 12">
+            <a:extLst>
+              <a:ext uri="{FF2B5EF4-FFF2-40B4-BE49-F238E27FC236}">
+                <a16:creationId xmlns:a16="http://schemas.microsoft.com/office/drawing/2014/main" id="{C5567DCC-4651-8918-CDDB-16B442DC86BA}"/>
+              </a:ext>
+            </a:extLst>
+          </p:cNvPr>
+          <p:cNvSpPr txBox="1">
+            <a:spLocks noGrp="1"/>
+          </p:cNvSpPr>
+          <p:nvPr>
+            <p:ph type="title"/>
+          </p:nvPr>
+        </p:nvSpPr>
+        <p:spPr>
+          <a:xfrm>
+            <a:off x="850392" y="566928"/>
+            <a:ext cx="10880725" cy="1069975"/>
+          </a:xfrm>
+          <a:prstGeom prst="rect">
+            <a:avLst/>
+          </a:prstGeom>
+          <a:noFill/>
+        </p:spPr>
+        <p:txBody>
+          <a:bodyPr wrap="square" rtlCol="0">
+            <a:spAutoFit/>
+          </a:bodyPr>
+          <a:lstStyle/>
+          <a:p>
+            <a:pPr algn="ctr"/>
+            <a:r>
+              <a:rPr lang="en-US" sz="3200" b="1" i="0" spc="600" dirty="0">
+                <a:solidFill>
+                  <a:schemeClr val="bg1"/>
+                </a:solidFill>
+                <a:effectLst/>
+                <a:latin typeface="fkGroteskNeue"/>
+              </a:rPr>
+              <a:t>Top Products (Bar)</a:t>
+            </a:r>
+            <a:endParaRPr lang="en-US" sz="3200" b="1" spc="600" dirty="0">
+              <a:solidFill>
+                <a:schemeClr val="bg1"/>
+              </a:solidFill>
+              <a:latin typeface="fkGroteskNeue"/>
+            </a:endParaRPr>
+          </a:p>
+        </p:txBody>
+      </p:sp>
       <p:pic>
         <p:nvPicPr>
-          <p:cNvPr id="12" name="Picture 11">
-            <a:extLst>
-              <a:ext uri="{FF2B5EF4-FFF2-40B4-BE49-F238E27FC236}">
-                <a16:creationId xmlns:a16="http://schemas.microsoft.com/office/drawing/2014/main" id="{D748286D-8AD0-7416-A94F-9D867D50CFC3}"/>
+          <p:cNvPr id="15" name="Picture 14" descr="A chart with colorful bars">
+            <a:extLst>
+              <a:ext uri="{FF2B5EF4-FFF2-40B4-BE49-F238E27FC236}">
+                <a16:creationId xmlns:a16="http://schemas.microsoft.com/office/drawing/2014/main" id="{681505B3-9C7A-0549-6CA8-AE2358F9A2DE}"/>
               </a:ext>
             </a:extLst>
           </p:cNvPr>
@@ -17699,8 +17747,8 @@
         </p:blipFill>
         <p:spPr>
           <a:xfrm>
-            <a:off x="250443" y="2917734"/>
-            <a:ext cx="5845557" cy="3698966"/>
+            <a:off x="748021" y="1882776"/>
+            <a:ext cx="4497079" cy="4408296"/>
           </a:xfrm>
           <a:prstGeom prst="rect">
             <a:avLst/>
@@ -17709,10 +17757,10 @@
       </p:pic>
       <p:pic>
         <p:nvPicPr>
-          <p:cNvPr id="14" name="Picture 13">
-            <a:extLst>
-              <a:ext uri="{FF2B5EF4-FFF2-40B4-BE49-F238E27FC236}">
-                <a16:creationId xmlns:a16="http://schemas.microsoft.com/office/drawing/2014/main" id="{E3AADE42-A72B-A15E-9A08-1448DCBA8245}"/>
+          <p:cNvPr id="6" name="Picture 5">
+            <a:extLst>
+              <a:ext uri="{FF2B5EF4-FFF2-40B4-BE49-F238E27FC236}">
+                <a16:creationId xmlns:a16="http://schemas.microsoft.com/office/drawing/2014/main" id="{45956C8D-EE5D-937F-3541-EDA68B2506C4}"/>
               </a:ext>
             </a:extLst>
           </p:cNvPr>
@@ -17729,8 +17777,8 @@
         </p:blipFill>
         <p:spPr>
           <a:xfrm>
-            <a:off x="6623320" y="1422400"/>
-            <a:ext cx="5124180" cy="4064307"/>
+            <a:off x="5422900" y="3187700"/>
+            <a:ext cx="6654800" cy="2436964"/>
           </a:xfrm>
           <a:prstGeom prst="rect">
             <a:avLst/>
@@ -17739,783 +17787,32 @@
       </p:pic>
       <p:sp>
         <p:nvSpPr>
-          <p:cNvPr id="15" name="TextBox 14">
-            <a:extLst>
-              <a:ext uri="{FF2B5EF4-FFF2-40B4-BE49-F238E27FC236}">
-                <a16:creationId xmlns:a16="http://schemas.microsoft.com/office/drawing/2014/main" id="{AD03366F-D6D3-5F09-8B23-E3341C9D124D}"/>
-              </a:ext>
-            </a:extLst>
-          </p:cNvPr>
-          <p:cNvSpPr txBox="1"/>
+          <p:cNvPr id="2" name="Callout: Bent Line with No Border 1">
+            <a:extLst>
+              <a:ext uri="{FF2B5EF4-FFF2-40B4-BE49-F238E27FC236}">
+                <a16:creationId xmlns:a16="http://schemas.microsoft.com/office/drawing/2014/main" id="{96E34149-CC88-384A-0E83-D93C24A59B0D}"/>
+              </a:ext>
+            </a:extLst>
+          </p:cNvPr>
+          <p:cNvSpPr/>
           <p:nvPr/>
         </p:nvSpPr>
         <p:spPr>
           <a:xfrm>
-            <a:off x="3606800" y="241300"/>
-            <a:ext cx="5422900" cy="707886"/>
-          </a:xfrm>
-          <a:prstGeom prst="rect">
-            <a:avLst/>
+            <a:off x="7176326" y="1877314"/>
+            <a:ext cx="3911600" cy="1069975"/>
+          </a:xfrm>
+          <a:prstGeom prst="callout2">
+            <a:avLst>
+              <a:gd name="adj1" fmla="val 23498"/>
+              <a:gd name="adj2" fmla="val 6602"/>
+              <a:gd name="adj3" fmla="val 17563"/>
+              <a:gd name="adj4" fmla="val -18290"/>
+              <a:gd name="adj5" fmla="val 89948"/>
+              <a:gd name="adj6" fmla="val -48290"/>
+            </a:avLst>
           </a:prstGeom>
           <a:noFill/>
-        </p:spPr>
-        <p:txBody>
-          <a:bodyPr wrap="square" rtlCol="0">
-            <a:spAutoFit/>
-          </a:bodyPr>
-          <a:lstStyle/>
-          <a:p>
-            <a:pPr algn="ctr"/>
-            <a:r>
-              <a:rPr lang="en-US" sz="4000" b="0" i="0" spc="300" dirty="0">
-                <a:solidFill>
-                  <a:schemeClr val="bg1"/>
-                </a:solidFill>
-                <a:effectLst/>
-                <a:latin typeface="fkGrotesk"/>
-              </a:rPr>
-              <a:t>Dashboard Highlights</a:t>
-            </a:r>
-          </a:p>
-        </p:txBody>
-      </p:sp>
-      <p:sp>
-        <p:nvSpPr>
-          <p:cNvPr id="16" name="TextBox 15">
-            <a:extLst>
-              <a:ext uri="{FF2B5EF4-FFF2-40B4-BE49-F238E27FC236}">
-                <a16:creationId xmlns:a16="http://schemas.microsoft.com/office/drawing/2014/main" id="{BEA76A5C-8549-3650-0C00-188C348C54AC}"/>
-              </a:ext>
-            </a:extLst>
-          </p:cNvPr>
-          <p:cNvSpPr txBox="1"/>
-          <p:nvPr/>
-        </p:nvSpPr>
-        <p:spPr>
-          <a:xfrm>
-            <a:off x="860043" y="1485900"/>
-            <a:ext cx="5235957" cy="1200329"/>
-          </a:xfrm>
-          <a:prstGeom prst="rect">
-            <a:avLst/>
-          </a:prstGeom>
-          <a:noFill/>
-        </p:spPr>
-        <p:txBody>
-          <a:bodyPr wrap="square" rtlCol="0">
-            <a:spAutoFit/>
-          </a:bodyPr>
-          <a:lstStyle/>
-          <a:p>
-            <a:r>
-              <a:rPr lang="en-GB" b="0" i="0" spc="300" dirty="0">
-                <a:solidFill>
-                  <a:schemeClr val="bg1"/>
-                </a:solidFill>
-                <a:effectLst/>
-                <a:latin typeface="fkGroteskNeue"/>
-              </a:rPr>
-              <a:t>Easily filter sales by country or month using slicers.</a:t>
-            </a:r>
-          </a:p>
-          <a:p>
-            <a:r>
-              <a:rPr lang="en-GB" b="0" i="0" spc="300" dirty="0">
-                <a:solidFill>
-                  <a:schemeClr val="bg1"/>
-                </a:solidFill>
-                <a:effectLst/>
-                <a:latin typeface="fkGroteskNeue"/>
-              </a:rPr>
-              <a:t>Axis formats set to Lakhs; charts update automatically</a:t>
-            </a:r>
-            <a:endParaRPr lang="en-US" spc="300" dirty="0">
-              <a:solidFill>
-                <a:schemeClr val="bg1"/>
-              </a:solidFill>
-            </a:endParaRPr>
-          </a:p>
-        </p:txBody>
-      </p:sp>
-      <p:sp>
-        <p:nvSpPr>
-          <p:cNvPr id="17" name="TextBox 16">
-            <a:extLst>
-              <a:ext uri="{FF2B5EF4-FFF2-40B4-BE49-F238E27FC236}">
-                <a16:creationId xmlns:a16="http://schemas.microsoft.com/office/drawing/2014/main" id="{BCA1DFDE-82C7-504A-C546-B39A319149E3}"/>
-              </a:ext>
-            </a:extLst>
-          </p:cNvPr>
-          <p:cNvSpPr txBox="1"/>
-          <p:nvPr/>
-        </p:nvSpPr>
-        <p:spPr>
-          <a:xfrm>
-            <a:off x="6623320" y="5780176"/>
-            <a:ext cx="5318237" cy="923330"/>
-          </a:xfrm>
-          <a:prstGeom prst="rect">
-            <a:avLst/>
-          </a:prstGeom>
-          <a:noFill/>
-        </p:spPr>
-        <p:txBody>
-          <a:bodyPr wrap="square" rtlCol="0">
-            <a:spAutoFit/>
-          </a:bodyPr>
-          <a:lstStyle/>
-          <a:p>
-            <a:r>
-              <a:rPr lang="en-GB" b="0" i="0" spc="300" dirty="0">
-                <a:solidFill>
-                  <a:schemeClr val="bg1"/>
-                </a:solidFill>
-                <a:effectLst/>
-                <a:latin typeface="fkGroteskNeue"/>
-              </a:rPr>
-              <a:t>Managers can identify monthly trends, top products, and regional performance at a glance</a:t>
-            </a:r>
-            <a:endParaRPr lang="en-US" spc="300" dirty="0">
-              <a:solidFill>
-                <a:schemeClr val="bg1"/>
-              </a:solidFill>
-            </a:endParaRPr>
-          </a:p>
-        </p:txBody>
-      </p:sp>
-      <p:cxnSp>
-        <p:nvCxnSpPr>
-          <p:cNvPr id="20" name="Connector: Curved 19">
-            <a:extLst>
-              <a:ext uri="{FF2B5EF4-FFF2-40B4-BE49-F238E27FC236}">
-                <a16:creationId xmlns:a16="http://schemas.microsoft.com/office/drawing/2014/main" id="{50338565-0F9E-AFD7-2933-D2445DBB8266}"/>
-              </a:ext>
-            </a:extLst>
-          </p:cNvPr>
-          <p:cNvCxnSpPr>
-            <a:cxnSpLocks/>
-          </p:cNvCxnSpPr>
-          <p:nvPr/>
-        </p:nvCxnSpPr>
-        <p:spPr>
-          <a:xfrm rot="5400000" flipH="1" flipV="1">
-            <a:off x="430021" y="3532379"/>
-            <a:ext cx="533400" cy="326643"/>
-          </a:xfrm>
-          <a:prstGeom prst="curvedConnector3">
-            <a:avLst/>
-          </a:prstGeom>
-          <a:ln>
-            <a:solidFill>
-              <a:schemeClr val="tx1"/>
-            </a:solidFill>
-            <a:headEnd type="triangle"/>
-            <a:tailEnd type="triangle"/>
-          </a:ln>
-        </p:spPr>
-        <p:style>
-          <a:lnRef idx="1">
-            <a:schemeClr val="accent1"/>
-          </a:lnRef>
-          <a:fillRef idx="0">
-            <a:schemeClr val="accent1"/>
-          </a:fillRef>
-          <a:effectRef idx="0">
-            <a:schemeClr val="accent1"/>
-          </a:effectRef>
-          <a:fontRef idx="minor">
-            <a:schemeClr val="tx1"/>
-          </a:fontRef>
-        </p:style>
-      </p:cxnSp>
-      <p:grpSp>
-        <p:nvGrpSpPr>
-          <p:cNvPr id="26" name="Group 25">
-            <a:extLst>
-              <a:ext uri="{FF2B5EF4-FFF2-40B4-BE49-F238E27FC236}">
-                <a16:creationId xmlns:a16="http://schemas.microsoft.com/office/drawing/2014/main" id="{817FC84D-E6D8-69B7-D627-B62847B598D6}"/>
-              </a:ext>
-            </a:extLst>
-          </p:cNvPr>
-          <p:cNvGrpSpPr/>
-          <p:nvPr/>
-        </p:nvGrpSpPr>
-        <p:grpSpPr>
-          <a:xfrm>
-            <a:off x="533399" y="3066439"/>
-            <a:ext cx="1280922" cy="376103"/>
-            <a:chOff x="533399" y="3066439"/>
-            <a:chExt cx="1280922" cy="376103"/>
-          </a:xfrm>
-        </p:grpSpPr>
-        <p:sp>
-          <p:nvSpPr>
-            <p:cNvPr id="25" name="Scroll: Horizontal 24">
-              <a:extLst>
-                <a:ext uri="{FF2B5EF4-FFF2-40B4-BE49-F238E27FC236}">
-                  <a16:creationId xmlns:a16="http://schemas.microsoft.com/office/drawing/2014/main" id="{96E466A1-E600-CA7A-4182-193C5215E609}"/>
-                </a:ext>
-              </a:extLst>
-            </p:cNvPr>
-            <p:cNvSpPr/>
-            <p:nvPr/>
-          </p:nvSpPr>
-          <p:spPr>
-            <a:xfrm>
-              <a:off x="533399" y="3073210"/>
-              <a:ext cx="1117600" cy="369332"/>
-            </a:xfrm>
-            <a:prstGeom prst="horizontalScroll">
-              <a:avLst/>
-            </a:prstGeom>
-            <a:solidFill>
-              <a:schemeClr val="tx1">
-                <a:lumMod val="75000"/>
-                <a:lumOff val="25000"/>
-              </a:schemeClr>
-            </a:solidFill>
-            <a:ln>
-              <a:solidFill>
-                <a:schemeClr val="tx1"/>
-              </a:solidFill>
-            </a:ln>
-          </p:spPr>
-          <p:style>
-            <a:lnRef idx="2">
-              <a:schemeClr val="accent6"/>
-            </a:lnRef>
-            <a:fillRef idx="1">
-              <a:schemeClr val="lt1"/>
-            </a:fillRef>
-            <a:effectRef idx="0">
-              <a:schemeClr val="accent6"/>
-            </a:effectRef>
-            <a:fontRef idx="minor">
-              <a:schemeClr val="dk1"/>
-            </a:fontRef>
-          </p:style>
-          <p:txBody>
-            <a:bodyPr rtlCol="0" anchor="ctr"/>
-            <a:lstStyle/>
-            <a:p>
-              <a:pPr algn="ctr"/>
-              <a:endParaRPr lang="en-US" dirty="0"/>
-            </a:p>
-          </p:txBody>
-        </p:sp>
-        <p:sp>
-          <p:nvSpPr>
-            <p:cNvPr id="21" name="TextBox 20">
-              <a:extLst>
-                <a:ext uri="{FF2B5EF4-FFF2-40B4-BE49-F238E27FC236}">
-                  <a16:creationId xmlns:a16="http://schemas.microsoft.com/office/drawing/2014/main" id="{74F0320E-CA86-A264-0841-75A3BB88AD70}"/>
-                </a:ext>
-              </a:extLst>
-            </p:cNvPr>
-            <p:cNvSpPr txBox="1"/>
-            <p:nvPr/>
-          </p:nvSpPr>
-          <p:spPr>
-            <a:xfrm>
-              <a:off x="696721" y="3066439"/>
-              <a:ext cx="1117600" cy="369332"/>
-            </a:xfrm>
-            <a:prstGeom prst="rect">
-              <a:avLst/>
-            </a:prstGeom>
-            <a:noFill/>
-          </p:spPr>
-          <p:txBody>
-            <a:bodyPr wrap="square" rtlCol="0">
-              <a:spAutoFit/>
-            </a:bodyPr>
-            <a:lstStyle/>
-            <a:p>
-              <a:r>
-                <a:rPr lang="en-US" dirty="0">
-                  <a:solidFill>
-                    <a:schemeClr val="bg1"/>
-                  </a:solidFill>
-                  <a:latin typeface="fkGrotesk"/>
-                </a:rPr>
-                <a:t>Slicers</a:t>
-              </a:r>
-              <a:r>
-                <a:rPr lang="en-US" dirty="0">
-                  <a:latin typeface="fkGrotesk"/>
-                </a:rPr>
-                <a:t>	</a:t>
-              </a:r>
-            </a:p>
-          </p:txBody>
-        </p:sp>
-      </p:grpSp>
-      <p:grpSp>
-        <p:nvGrpSpPr>
-          <p:cNvPr id="27" name="Group 26">
-            <a:extLst>
-              <a:ext uri="{FF2B5EF4-FFF2-40B4-BE49-F238E27FC236}">
-                <a16:creationId xmlns:a16="http://schemas.microsoft.com/office/drawing/2014/main" id="{90CA8DBB-1704-2CEB-F54A-B1110D4F97CF}"/>
-              </a:ext>
-            </a:extLst>
-          </p:cNvPr>
-          <p:cNvGrpSpPr/>
-          <p:nvPr/>
-        </p:nvGrpSpPr>
-        <p:grpSpPr>
-          <a:xfrm>
-            <a:off x="10673334" y="5298655"/>
-            <a:ext cx="1280922" cy="376103"/>
-            <a:chOff x="533399" y="3066439"/>
-            <a:chExt cx="1280922" cy="376103"/>
-          </a:xfrm>
-        </p:grpSpPr>
-        <p:sp>
-          <p:nvSpPr>
-            <p:cNvPr id="28" name="Scroll: Horizontal 27">
-              <a:extLst>
-                <a:ext uri="{FF2B5EF4-FFF2-40B4-BE49-F238E27FC236}">
-                  <a16:creationId xmlns:a16="http://schemas.microsoft.com/office/drawing/2014/main" id="{DB4590AC-3DB9-5EE6-7152-E833DE8EC27F}"/>
-                </a:ext>
-              </a:extLst>
-            </p:cNvPr>
-            <p:cNvSpPr/>
-            <p:nvPr/>
-          </p:nvSpPr>
-          <p:spPr>
-            <a:xfrm>
-              <a:off x="533399" y="3073210"/>
-              <a:ext cx="1117600" cy="369332"/>
-            </a:xfrm>
-            <a:prstGeom prst="horizontalScroll">
-              <a:avLst/>
-            </a:prstGeom>
-            <a:solidFill>
-              <a:schemeClr val="tx1">
-                <a:lumMod val="75000"/>
-                <a:lumOff val="25000"/>
-              </a:schemeClr>
-            </a:solidFill>
-            <a:ln>
-              <a:solidFill>
-                <a:schemeClr val="tx1"/>
-              </a:solidFill>
-            </a:ln>
-          </p:spPr>
-          <p:style>
-            <a:lnRef idx="2">
-              <a:schemeClr val="accent6"/>
-            </a:lnRef>
-            <a:fillRef idx="1">
-              <a:schemeClr val="lt1"/>
-            </a:fillRef>
-            <a:effectRef idx="0">
-              <a:schemeClr val="accent6"/>
-            </a:effectRef>
-            <a:fontRef idx="minor">
-              <a:schemeClr val="dk1"/>
-            </a:fontRef>
-          </p:style>
-          <p:txBody>
-            <a:bodyPr rtlCol="0" anchor="ctr"/>
-            <a:lstStyle/>
-            <a:p>
-              <a:pPr algn="ctr"/>
-              <a:endParaRPr lang="en-US" dirty="0"/>
-            </a:p>
-          </p:txBody>
-        </p:sp>
-        <p:sp>
-          <p:nvSpPr>
-            <p:cNvPr id="29" name="TextBox 28">
-              <a:extLst>
-                <a:ext uri="{FF2B5EF4-FFF2-40B4-BE49-F238E27FC236}">
-                  <a16:creationId xmlns:a16="http://schemas.microsoft.com/office/drawing/2014/main" id="{43426169-D1F5-B856-1837-A682E773ED7B}"/>
-                </a:ext>
-              </a:extLst>
-            </p:cNvPr>
-            <p:cNvSpPr txBox="1"/>
-            <p:nvPr/>
-          </p:nvSpPr>
-          <p:spPr>
-            <a:xfrm>
-              <a:off x="696721" y="3066439"/>
-              <a:ext cx="1117600" cy="369332"/>
-            </a:xfrm>
-            <a:prstGeom prst="rect">
-              <a:avLst/>
-            </a:prstGeom>
-            <a:noFill/>
-          </p:spPr>
-          <p:txBody>
-            <a:bodyPr wrap="square" rtlCol="0">
-              <a:spAutoFit/>
-            </a:bodyPr>
-            <a:lstStyle/>
-            <a:p>
-              <a:r>
-                <a:rPr lang="en-US" dirty="0">
-                  <a:solidFill>
-                    <a:schemeClr val="bg1"/>
-                  </a:solidFill>
-                  <a:latin typeface="fkGrotesk"/>
-                </a:rPr>
-                <a:t>Slicers</a:t>
-              </a:r>
-              <a:r>
-                <a:rPr lang="en-US" dirty="0">
-                  <a:latin typeface="fkGrotesk"/>
-                </a:rPr>
-                <a:t>	</a:t>
-              </a:r>
-            </a:p>
-          </p:txBody>
-        </p:sp>
-      </p:grpSp>
-      <p:cxnSp>
-        <p:nvCxnSpPr>
-          <p:cNvPr id="31" name="Connector: Curved 30">
-            <a:extLst>
-              <a:ext uri="{FF2B5EF4-FFF2-40B4-BE49-F238E27FC236}">
-                <a16:creationId xmlns:a16="http://schemas.microsoft.com/office/drawing/2014/main" id="{51A0557F-9345-6A94-EC12-3D8B7D186A5A}"/>
-              </a:ext>
-            </a:extLst>
-          </p:cNvPr>
-          <p:cNvCxnSpPr>
-            <a:endCxn id="29" idx="0"/>
-          </p:cNvCxnSpPr>
-          <p:nvPr/>
-        </p:nvCxnSpPr>
-        <p:spPr>
-          <a:xfrm rot="16200000" flipH="1">
-            <a:off x="10884301" y="4787499"/>
-            <a:ext cx="650455" cy="371856"/>
-          </a:xfrm>
-          <a:prstGeom prst="curvedConnector3">
-            <a:avLst/>
-          </a:prstGeom>
-          <a:ln>
-            <a:solidFill>
-              <a:schemeClr val="tx1"/>
-            </a:solidFill>
-            <a:headEnd type="triangle"/>
-            <a:tailEnd type="triangle"/>
-          </a:ln>
-        </p:spPr>
-        <p:style>
-          <a:lnRef idx="1">
-            <a:schemeClr val="accent1"/>
-          </a:lnRef>
-          <a:fillRef idx="0">
-            <a:schemeClr val="accent1"/>
-          </a:fillRef>
-          <a:effectRef idx="0">
-            <a:schemeClr val="accent1"/>
-          </a:effectRef>
-          <a:fontRef idx="minor">
-            <a:schemeClr val="tx1"/>
-          </a:fontRef>
-        </p:style>
-      </p:cxnSp>
-    </p:spTree>
-    <p:extLst>
-      <p:ext uri="{BB962C8B-B14F-4D97-AF65-F5344CB8AC3E}">
-        <p14:creationId xmlns:p14="http://schemas.microsoft.com/office/powerpoint/2010/main" val="1430138192"/>
-      </p:ext>
-    </p:extLst>
-  </p:cSld>
-  <p:clrMapOvr>
-    <a:masterClrMapping/>
-  </p:clrMapOvr>
-</p:sld>
-</file>
-
-<file path=ppt/slides/slide13.xml><?xml version="1.0" encoding="utf-8"?>
-<p:sld xmlns:a="http://schemas.openxmlformats.org/drawingml/2006/main" xmlns:r="http://schemas.openxmlformats.org/officeDocument/2006/relationships" xmlns:p="http://schemas.openxmlformats.org/presentationml/2006/main">
-  <p:cSld>
-    <p:spTree>
-      <p:nvGrpSpPr>
-        <p:cNvPr id="1" name=""/>
-        <p:cNvGrpSpPr/>
-        <p:nvPr/>
-      </p:nvGrpSpPr>
-      <p:grpSpPr>
-        <a:xfrm>
-          <a:off x="0" y="0"/>
-          <a:ext cx="0" cy="0"/>
-          <a:chOff x="0" y="0"/>
-          <a:chExt cx="0" cy="0"/>
-        </a:xfrm>
-      </p:grpSpPr>
-      <p:sp>
-        <p:nvSpPr>
-          <p:cNvPr id="3" name="Slide Number Placeholder 2">
-            <a:extLst>
-              <a:ext uri="{FF2B5EF4-FFF2-40B4-BE49-F238E27FC236}">
-                <a16:creationId xmlns:a16="http://schemas.microsoft.com/office/drawing/2014/main" id="{539DD27D-5505-F099-894A-A1FA645ECA13}"/>
-              </a:ext>
-            </a:extLst>
-          </p:cNvPr>
-          <p:cNvSpPr>
-            <a:spLocks noGrp="1"/>
-          </p:cNvSpPr>
-          <p:nvPr>
-            <p:ph type="sldNum" sz="quarter" idx="12"/>
-          </p:nvPr>
-        </p:nvSpPr>
-        <p:spPr/>
-        <p:txBody>
-          <a:bodyPr/>
-          <a:lstStyle/>
-          <a:p>
-            <a:fld id="{294A09A9-5501-47C1-A89A-A340965A2BE2}" type="slidenum">
-              <a:rPr lang="en-US" smtClean="0"/>
-              <a:t>13</a:t>
-            </a:fld>
-            <a:endParaRPr lang="en-US" dirty="0"/>
-          </a:p>
-        </p:txBody>
-      </p:sp>
-      <p:sp>
-        <p:nvSpPr>
-          <p:cNvPr id="4" name="Title 105">
-            <a:extLst>
-              <a:ext uri="{FF2B5EF4-FFF2-40B4-BE49-F238E27FC236}">
-                <a16:creationId xmlns:a16="http://schemas.microsoft.com/office/drawing/2014/main" id="{B11C4AB7-DCA7-A6E1-3C56-C2FCF9196225}"/>
-              </a:ext>
-            </a:extLst>
-          </p:cNvPr>
-          <p:cNvSpPr txBox="1">
-            <a:spLocks/>
-          </p:cNvSpPr>
-          <p:nvPr/>
-        </p:nvSpPr>
-        <p:spPr>
-          <a:xfrm>
-            <a:off x="1104900" y="832104"/>
-            <a:ext cx="10096500" cy="713074"/>
-          </a:xfrm>
-          <a:prstGeom prst="rect">
-            <a:avLst/>
-          </a:prstGeom>
-        </p:spPr>
-        <p:txBody>
-          <a:bodyPr/>
-          <a:lstStyle>
-            <a:lvl1pPr algn="l" defTabSz="914400" rtl="0" eaLnBrk="1" latinLnBrk="0" hangingPunct="1">
-              <a:lnSpc>
-                <a:spcPct val="90000"/>
-              </a:lnSpc>
-              <a:spcBef>
-                <a:spcPct val="0"/>
-              </a:spcBef>
-              <a:buNone/>
-              <a:defRPr sz="4000" b="1" kern="1200" cap="all" spc="600" baseline="0">
-                <a:solidFill>
-                  <a:schemeClr val="bg1"/>
-                </a:solidFill>
-                <a:latin typeface="+mj-lt"/>
-                <a:ea typeface="+mj-ea"/>
-                <a:cs typeface="+mj-cs"/>
-              </a:defRPr>
-            </a:lvl1pPr>
-          </a:lstStyle>
-          <a:p>
-            <a:r>
-              <a:rPr lang="en-US" b="0">
-                <a:latin typeface="fkGrotesk"/>
-              </a:rPr>
-              <a:t>Insights &amp; Recommendations</a:t>
-            </a:r>
-            <a:endParaRPr lang="en-US" b="0" dirty="0">
-              <a:latin typeface="fkGrotesk"/>
-            </a:endParaRPr>
-          </a:p>
-        </p:txBody>
-      </p:sp>
-      <p:sp>
-        <p:nvSpPr>
-          <p:cNvPr id="5" name="TextBox 4">
-            <a:extLst>
-              <a:ext uri="{FF2B5EF4-FFF2-40B4-BE49-F238E27FC236}">
-                <a16:creationId xmlns:a16="http://schemas.microsoft.com/office/drawing/2014/main" id="{A447BCD3-D578-36A4-F3EC-1C643E50B006}"/>
-              </a:ext>
-            </a:extLst>
-          </p:cNvPr>
-          <p:cNvSpPr txBox="1"/>
-          <p:nvPr/>
-        </p:nvSpPr>
-        <p:spPr>
-          <a:xfrm>
-            <a:off x="850392" y="1816100"/>
-            <a:ext cx="8344408" cy="3364704"/>
-          </a:xfrm>
-          <a:prstGeom prst="rect">
-            <a:avLst/>
-          </a:prstGeom>
-          <a:noFill/>
-        </p:spPr>
-        <p:txBody>
-          <a:bodyPr wrap="square" rtlCol="0">
-            <a:spAutoFit/>
-          </a:bodyPr>
-          <a:lstStyle/>
-          <a:p>
-            <a:pPr algn="l">
-              <a:lnSpc>
-                <a:spcPct val="150000"/>
-              </a:lnSpc>
-              <a:buFont typeface="Arial" panose="020B0604020202020204" pitchFamily="34" charset="0"/>
-              <a:buChar char="•"/>
-            </a:pPr>
-            <a:r>
-              <a:rPr lang="en-GB" b="0" i="0" spc="300" dirty="0">
-                <a:solidFill>
-                  <a:schemeClr val="bg1"/>
-                </a:solidFill>
-                <a:effectLst/>
-                <a:latin typeface="fkGroteskNeue"/>
-              </a:rPr>
-              <a:t> </a:t>
-            </a:r>
-            <a:r>
-              <a:rPr lang="en-GB" b="1" i="0" spc="300" dirty="0">
-                <a:solidFill>
-                  <a:schemeClr val="bg1"/>
-                </a:solidFill>
-                <a:effectLst/>
-                <a:latin typeface="fkGroteskNeue"/>
-              </a:rPr>
-              <a:t>Strong seasonality </a:t>
-            </a:r>
-            <a:r>
-              <a:rPr lang="en-GB" b="0" i="0" spc="300" dirty="0">
-                <a:solidFill>
-                  <a:schemeClr val="bg1"/>
-                </a:solidFill>
-                <a:effectLst/>
-                <a:latin typeface="fkGroteskNeue"/>
-              </a:rPr>
-              <a:t>– "Sales peak in holiday months; recommend targeted marketing during these periods."</a:t>
-            </a:r>
-          </a:p>
-          <a:p>
-            <a:pPr algn="l">
-              <a:lnSpc>
-                <a:spcPct val="150000"/>
-              </a:lnSpc>
-              <a:buFont typeface="Arial" panose="020B0604020202020204" pitchFamily="34" charset="0"/>
-              <a:buChar char="•"/>
-            </a:pPr>
-            <a:r>
-              <a:rPr lang="en-GB" b="0" i="0" spc="300" dirty="0">
-                <a:solidFill>
-                  <a:schemeClr val="bg1"/>
-                </a:solidFill>
-                <a:effectLst/>
-                <a:latin typeface="fkGroteskNeue"/>
-              </a:rPr>
-              <a:t> </a:t>
-            </a:r>
-            <a:r>
-              <a:rPr lang="en-GB" b="1" i="0" spc="300" dirty="0">
-                <a:solidFill>
-                  <a:schemeClr val="bg1"/>
-                </a:solidFill>
-                <a:effectLst/>
-                <a:latin typeface="fkGroteskNeue"/>
-              </a:rPr>
-              <a:t>Inventory optimization for top products </a:t>
-            </a:r>
-            <a:r>
-              <a:rPr lang="en-GB" b="0" i="0" spc="300" dirty="0">
-                <a:solidFill>
-                  <a:schemeClr val="bg1"/>
-                </a:solidFill>
-                <a:effectLst/>
-                <a:latin typeface="fkGroteskNeue"/>
-              </a:rPr>
-              <a:t>– "High-selling items identified for stock prioritization."</a:t>
-            </a:r>
-          </a:p>
-          <a:p>
-            <a:pPr algn="l">
-              <a:lnSpc>
-                <a:spcPct val="150000"/>
-              </a:lnSpc>
-              <a:buFont typeface="Arial" panose="020B0604020202020204" pitchFamily="34" charset="0"/>
-              <a:buChar char="•"/>
-            </a:pPr>
-            <a:r>
-              <a:rPr lang="en-GB" b="0" i="0" spc="300" dirty="0">
-                <a:solidFill>
-                  <a:schemeClr val="bg1"/>
-                </a:solidFill>
-                <a:effectLst/>
-                <a:latin typeface="fkGroteskNeue"/>
-              </a:rPr>
-              <a:t> </a:t>
-            </a:r>
-            <a:r>
-              <a:rPr lang="en-GB" b="1" i="0" spc="300" dirty="0">
-                <a:solidFill>
-                  <a:schemeClr val="bg1"/>
-                </a:solidFill>
-                <a:effectLst/>
-                <a:latin typeface="fkGroteskNeue"/>
-              </a:rPr>
-              <a:t>Emerging opportunities in non-UK regions </a:t>
-            </a:r>
-            <a:r>
-              <a:rPr lang="en-GB" b="0" i="0" spc="300" dirty="0">
-                <a:solidFill>
-                  <a:schemeClr val="bg1"/>
-                </a:solidFill>
-                <a:effectLst/>
-                <a:latin typeface="fkGroteskNeue"/>
-              </a:rPr>
-              <a:t>– "Significant sales growth seen in [Top 2] growing countries; suggest regional campaigns."</a:t>
-            </a:r>
-          </a:p>
-          <a:p>
-            <a:pPr>
-              <a:lnSpc>
-                <a:spcPct val="150000"/>
-              </a:lnSpc>
-            </a:pPr>
-            <a:endParaRPr lang="en-US" spc="300" dirty="0">
-              <a:solidFill>
-                <a:schemeClr val="bg1"/>
-              </a:solidFill>
-            </a:endParaRPr>
-          </a:p>
-        </p:txBody>
-      </p:sp>
-      <p:sp>
-        <p:nvSpPr>
-          <p:cNvPr id="6" name="Speech Bubble: Oval 5">
-            <a:extLst>
-              <a:ext uri="{FF2B5EF4-FFF2-40B4-BE49-F238E27FC236}">
-                <a16:creationId xmlns:a16="http://schemas.microsoft.com/office/drawing/2014/main" id="{87D30EE1-0470-C1F2-8BD3-B263139722EF}"/>
-              </a:ext>
-            </a:extLst>
-          </p:cNvPr>
-          <p:cNvSpPr/>
-          <p:nvPr/>
-        </p:nvSpPr>
-        <p:spPr>
-          <a:xfrm>
-            <a:off x="7391400" y="4254500"/>
-            <a:ext cx="4550156" cy="2210308"/>
-          </a:xfrm>
-          <a:prstGeom prst="wedgeEllipseCallout">
-            <a:avLst/>
-          </a:prstGeom>
-          <a:solidFill>
-            <a:schemeClr val="bg1">
-              <a:lumMod val="95000"/>
-            </a:schemeClr>
-          </a:solidFill>
         </p:spPr>
         <p:style>
           <a:lnRef idx="2">
@@ -18540,2321 +17837,6 @@
             <a:pPr algn="ctr"/>
             <a:r>
               <a:rPr lang="en-GB" b="0" i="0" spc="300" dirty="0">
-                <a:solidFill>
-                  <a:schemeClr val="tx1"/>
-                </a:solidFill>
-                <a:effectLst/>
-                <a:latin typeface="fkGroteskNeue"/>
-              </a:rPr>
-              <a:t>“Optimize marketing spend toward identified season peaks and invest in growing international markets”</a:t>
-            </a:r>
-            <a:endParaRPr lang="en-US" spc="300" dirty="0">
-              <a:solidFill>
-                <a:schemeClr val="tx1"/>
-              </a:solidFill>
-            </a:endParaRPr>
-          </a:p>
-        </p:txBody>
-      </p:sp>
-    </p:spTree>
-    <p:extLst>
-      <p:ext uri="{BB962C8B-B14F-4D97-AF65-F5344CB8AC3E}">
-        <p14:creationId xmlns:p14="http://schemas.microsoft.com/office/powerpoint/2010/main" val="4247235845"/>
-      </p:ext>
-    </p:extLst>
-  </p:cSld>
-  <p:clrMapOvr>
-    <a:masterClrMapping/>
-  </p:clrMapOvr>
-</p:sld>
-</file>
-
-<file path=ppt/slides/slide14.xml><?xml version="1.0" encoding="utf-8"?>
-<p:sld xmlns:a="http://schemas.openxmlformats.org/drawingml/2006/main" xmlns:r="http://schemas.openxmlformats.org/officeDocument/2006/relationships" xmlns:p="http://schemas.openxmlformats.org/presentationml/2006/main">
-  <p:cSld>
-    <p:spTree>
-      <p:nvGrpSpPr>
-        <p:cNvPr id="1" name=""/>
-        <p:cNvGrpSpPr/>
-        <p:nvPr/>
-      </p:nvGrpSpPr>
-      <p:grpSpPr>
-        <a:xfrm>
-          <a:off x="0" y="0"/>
-          <a:ext cx="0" cy="0"/>
-          <a:chOff x="0" y="0"/>
-          <a:chExt cx="0" cy="0"/>
-        </a:xfrm>
-      </p:grpSpPr>
-      <p:sp>
-        <p:nvSpPr>
-          <p:cNvPr id="19" name="Title 18">
-            <a:extLst>
-              <a:ext uri="{FF2B5EF4-FFF2-40B4-BE49-F238E27FC236}">
-                <a16:creationId xmlns:a16="http://schemas.microsoft.com/office/drawing/2014/main" id="{27648E56-F655-A57F-3CBA-F72B6E6F7449}"/>
-              </a:ext>
-            </a:extLst>
-          </p:cNvPr>
-          <p:cNvSpPr>
-            <a:spLocks noGrp="1"/>
-          </p:cNvSpPr>
-          <p:nvPr>
-            <p:ph type="title"/>
-          </p:nvPr>
-        </p:nvSpPr>
-        <p:spPr>
-          <a:xfrm>
-            <a:off x="1354836" y="238760"/>
-            <a:ext cx="8878824" cy="1069848"/>
-          </a:xfrm>
-        </p:spPr>
-        <p:txBody>
-          <a:bodyPr>
-            <a:normAutofit/>
-          </a:bodyPr>
-          <a:lstStyle/>
-          <a:p>
-            <a:pPr algn="ctr"/>
-            <a:r>
-              <a:rPr lang="en-US" sz="4400" b="0" i="0" dirty="0">
-                <a:effectLst/>
-                <a:latin typeface="fkGrotesk"/>
-              </a:rPr>
-              <a:t>Challenges &amp; Solutions</a:t>
-            </a:r>
-            <a:endParaRPr lang="en-US" sz="4400" dirty="0"/>
-          </a:p>
-        </p:txBody>
-      </p:sp>
-      <p:sp>
-        <p:nvSpPr>
-          <p:cNvPr id="22" name="Text Placeholder 21">
-            <a:extLst>
-              <a:ext uri="{FF2B5EF4-FFF2-40B4-BE49-F238E27FC236}">
-                <a16:creationId xmlns:a16="http://schemas.microsoft.com/office/drawing/2014/main" id="{DDDFD3CF-653B-D434-FCE6-68E993AA4F9C}"/>
-              </a:ext>
-            </a:extLst>
-          </p:cNvPr>
-          <p:cNvSpPr>
-            <a:spLocks noGrp="1"/>
-          </p:cNvSpPr>
-          <p:nvPr>
-            <p:ph type="body" idx="1"/>
-          </p:nvPr>
-        </p:nvSpPr>
-        <p:spPr/>
-        <p:txBody>
-          <a:bodyPr/>
-          <a:lstStyle/>
-          <a:p>
-            <a:r>
-              <a:rPr lang="en-US" dirty="0"/>
-              <a:t>Challenges</a:t>
-            </a:r>
-          </a:p>
-        </p:txBody>
-      </p:sp>
-      <p:sp>
-        <p:nvSpPr>
-          <p:cNvPr id="23" name="Content Placeholder 22">
-            <a:extLst>
-              <a:ext uri="{FF2B5EF4-FFF2-40B4-BE49-F238E27FC236}">
-                <a16:creationId xmlns:a16="http://schemas.microsoft.com/office/drawing/2014/main" id="{864B0DC4-5EBB-0231-88C0-652DF0D683BC}"/>
-              </a:ext>
-            </a:extLst>
-          </p:cNvPr>
-          <p:cNvSpPr>
-            <a:spLocks noGrp="1"/>
-          </p:cNvSpPr>
-          <p:nvPr>
-            <p:ph sz="half" idx="2"/>
-          </p:nvPr>
-        </p:nvSpPr>
-        <p:spPr>
-          <a:xfrm>
-            <a:off x="1536192" y="2743200"/>
-            <a:ext cx="3621024" cy="3876040"/>
-          </a:xfrm>
-        </p:spPr>
-        <p:txBody>
-          <a:bodyPr/>
-          <a:lstStyle/>
-          <a:p>
-            <a:r>
-              <a:rPr lang="en-GB" b="0" i="0" dirty="0">
-                <a:effectLst/>
-                <a:latin typeface="fkGroteskNeue"/>
-              </a:rPr>
-              <a:t>Outliers and missing values introduced noise.</a:t>
-            </a:r>
-          </a:p>
-          <a:p>
-            <a:r>
-              <a:rPr lang="en-GB" b="0" i="0" dirty="0">
-                <a:effectLst/>
-                <a:latin typeface="fkGroteskNeue"/>
-              </a:rPr>
-              <a:t>Visual mismatch between Python graphs and Excel charts</a:t>
-            </a:r>
-          </a:p>
-          <a:p>
-            <a:r>
-              <a:rPr lang="en-GB" b="0" i="0" dirty="0">
-                <a:effectLst/>
-                <a:latin typeface="fkGroteskNeue"/>
-              </a:rPr>
-              <a:t>Slicers only controlled one chart or table; unable to filter across multiple data visualizations.</a:t>
-            </a:r>
-          </a:p>
-          <a:p>
-            <a:r>
-              <a:rPr lang="en-GB" b="0" i="0" dirty="0">
-                <a:effectLst/>
-                <a:latin typeface="fkGroteskNeue"/>
-              </a:rPr>
-              <a:t>Box-and-whisker chart rendered as “X marks” due to single-value or identical data points in some groups</a:t>
-            </a:r>
-            <a:endParaRPr lang="en-US" dirty="0"/>
-          </a:p>
-        </p:txBody>
-      </p:sp>
-      <p:sp>
-        <p:nvSpPr>
-          <p:cNvPr id="24" name="Text Placeholder 23">
-            <a:extLst>
-              <a:ext uri="{FF2B5EF4-FFF2-40B4-BE49-F238E27FC236}">
-                <a16:creationId xmlns:a16="http://schemas.microsoft.com/office/drawing/2014/main" id="{6028831D-D702-B02F-25AA-03D6A363401D}"/>
-              </a:ext>
-            </a:extLst>
-          </p:cNvPr>
-          <p:cNvSpPr>
-            <a:spLocks noGrp="1"/>
-          </p:cNvSpPr>
-          <p:nvPr>
-            <p:ph type="body" sz="quarter" idx="3"/>
-          </p:nvPr>
-        </p:nvSpPr>
-        <p:spPr/>
-        <p:txBody>
-          <a:bodyPr/>
-          <a:lstStyle/>
-          <a:p>
-            <a:r>
-              <a:rPr lang="en-US" dirty="0"/>
-              <a:t>Solutions/Actions</a:t>
-            </a:r>
-          </a:p>
-        </p:txBody>
-      </p:sp>
-      <p:sp>
-        <p:nvSpPr>
-          <p:cNvPr id="25" name="Content Placeholder 24">
-            <a:extLst>
-              <a:ext uri="{FF2B5EF4-FFF2-40B4-BE49-F238E27FC236}">
-                <a16:creationId xmlns:a16="http://schemas.microsoft.com/office/drawing/2014/main" id="{F2307055-3FB0-C1C2-C717-C2B2044E7A9F}"/>
-              </a:ext>
-            </a:extLst>
-          </p:cNvPr>
-          <p:cNvSpPr>
-            <a:spLocks noGrp="1"/>
-          </p:cNvSpPr>
-          <p:nvPr>
-            <p:ph sz="quarter" idx="4"/>
-          </p:nvPr>
-        </p:nvSpPr>
-        <p:spPr>
-          <a:xfrm>
-            <a:off x="5541264" y="2743200"/>
-            <a:ext cx="3621024" cy="3771900"/>
-          </a:xfrm>
-        </p:spPr>
-        <p:txBody>
-          <a:bodyPr/>
-          <a:lstStyle/>
-          <a:p>
-            <a:r>
-              <a:rPr lang="en-GB" b="0" i="0" dirty="0">
-                <a:effectLst/>
-                <a:latin typeface="fkGroteskNeue"/>
-              </a:rPr>
-              <a:t>Applied rigorous filtering and imputation using Python Pandas.</a:t>
-            </a:r>
-          </a:p>
-          <a:p>
-            <a:r>
-              <a:rPr lang="en-GB" b="0" i="0" dirty="0">
-                <a:effectLst/>
-                <a:latin typeface="fkGroteskNeue"/>
-              </a:rPr>
-              <a:t>Matched bin widths, axis scales, and custom </a:t>
-            </a:r>
-            <a:r>
-              <a:rPr lang="en-GB" b="0" i="0" dirty="0" err="1">
-                <a:effectLst/>
-                <a:latin typeface="fkGroteskNeue"/>
-              </a:rPr>
-              <a:t>color</a:t>
-            </a:r>
-            <a:r>
-              <a:rPr lang="en-GB" b="0" i="0" dirty="0">
-                <a:effectLst/>
-                <a:latin typeface="fkGroteskNeue"/>
-              </a:rPr>
-              <a:t> palettes for consistency</a:t>
-            </a:r>
-          </a:p>
-          <a:p>
-            <a:r>
-              <a:rPr lang="en-GB" b="0" i="0" dirty="0">
-                <a:effectLst/>
-                <a:latin typeface="fkGroteskNeue"/>
-              </a:rPr>
-              <a:t>Manually configured slicer connections using "Report Connections" in Excel, enabling coordinated dashboard interactivity.</a:t>
-            </a:r>
-          </a:p>
-          <a:p>
-            <a:r>
-              <a:rPr lang="en-GB" b="0" i="0" dirty="0">
-                <a:effectLst/>
-                <a:latin typeface="fkGroteskNeue"/>
-              </a:rPr>
-              <a:t> Increased data points and/or limited boxplot analysis to groups with sufficient data variation. </a:t>
-            </a:r>
-            <a:endParaRPr lang="en-US" dirty="0"/>
-          </a:p>
-        </p:txBody>
-      </p:sp>
-    </p:spTree>
-    <p:extLst>
-      <p:ext uri="{BB962C8B-B14F-4D97-AF65-F5344CB8AC3E}">
-        <p14:creationId xmlns:p14="http://schemas.microsoft.com/office/powerpoint/2010/main" val="765210901"/>
-      </p:ext>
-    </p:extLst>
-  </p:cSld>
-  <p:clrMapOvr>
-    <a:masterClrMapping/>
-  </p:clrMapOvr>
-</p:sld>
-</file>
-
-<file path=ppt/slides/slide15.xml><?xml version="1.0" encoding="utf-8"?>
-<p:sld xmlns:a="http://schemas.openxmlformats.org/drawingml/2006/main" xmlns:r="http://schemas.openxmlformats.org/officeDocument/2006/relationships" xmlns:p="http://schemas.openxmlformats.org/presentationml/2006/main">
-  <p:cSld>
-    <p:spTree>
-      <p:nvGrpSpPr>
-        <p:cNvPr id="1" name=""/>
-        <p:cNvGrpSpPr/>
-        <p:nvPr/>
-      </p:nvGrpSpPr>
-      <p:grpSpPr>
-        <a:xfrm>
-          <a:off x="0" y="0"/>
-          <a:ext cx="0" cy="0"/>
-          <a:chOff x="0" y="0"/>
-          <a:chExt cx="0" cy="0"/>
-        </a:xfrm>
-      </p:grpSpPr>
-      <p:sp>
-        <p:nvSpPr>
-          <p:cNvPr id="8" name="Title 7">
-            <a:extLst>
-              <a:ext uri="{FF2B5EF4-FFF2-40B4-BE49-F238E27FC236}">
-                <a16:creationId xmlns:a16="http://schemas.microsoft.com/office/drawing/2014/main" id="{3F43E31B-BD9E-8868-C0A8-F763FB6E5B4B}"/>
-              </a:ext>
-            </a:extLst>
-          </p:cNvPr>
-          <p:cNvSpPr>
-            <a:spLocks noGrp="1"/>
-          </p:cNvSpPr>
-          <p:nvPr>
-            <p:ph type="title"/>
-          </p:nvPr>
-        </p:nvSpPr>
-        <p:spPr>
-          <a:xfrm>
-            <a:off x="1452372" y="885444"/>
-            <a:ext cx="8878824" cy="1069848"/>
-          </a:xfrm>
-        </p:spPr>
-        <p:txBody>
-          <a:bodyPr/>
-          <a:lstStyle/>
-          <a:p>
-            <a:pPr algn="ctr"/>
-            <a:r>
-              <a:rPr lang="en-US" b="0" i="0" dirty="0">
-                <a:effectLst/>
-                <a:latin typeface="fkGrotesk"/>
-              </a:rPr>
-              <a:t>Conclusion &amp; Next Steps</a:t>
-            </a:r>
-            <a:endParaRPr lang="en-US" dirty="0"/>
-          </a:p>
-        </p:txBody>
-      </p:sp>
-      <p:sp>
-        <p:nvSpPr>
-          <p:cNvPr id="16" name="Content Placeholder 15">
-            <a:extLst>
-              <a:ext uri="{FF2B5EF4-FFF2-40B4-BE49-F238E27FC236}">
-                <a16:creationId xmlns:a16="http://schemas.microsoft.com/office/drawing/2014/main" id="{C5F55EAE-0A55-62E3-5FB0-A73D25AD723C}"/>
-              </a:ext>
-            </a:extLst>
-          </p:cNvPr>
-          <p:cNvSpPr>
-            <a:spLocks noGrp="1"/>
-          </p:cNvSpPr>
-          <p:nvPr>
-            <p:ph sz="half" idx="2"/>
-          </p:nvPr>
-        </p:nvSpPr>
-        <p:spPr>
-          <a:xfrm>
-            <a:off x="1447292" y="2743200"/>
-            <a:ext cx="2953512" cy="2578608"/>
-          </a:xfrm>
-        </p:spPr>
-        <p:txBody>
-          <a:bodyPr/>
-          <a:lstStyle/>
-          <a:p>
-            <a:r>
-              <a:rPr lang="en-GB" b="0" i="0" spc="300" dirty="0">
-                <a:effectLst/>
-                <a:latin typeface="fkGroteskNeue"/>
-              </a:rPr>
-              <a:t>This workflow combines advanced Python analytics and Excel dashboards to deliver actionable business intelligence from large e-commerce datasets.</a:t>
-            </a:r>
-            <a:endParaRPr lang="en-US" spc="300" dirty="0"/>
-          </a:p>
-        </p:txBody>
-      </p:sp>
-      <p:sp>
-        <p:nvSpPr>
-          <p:cNvPr id="20" name="Content Placeholder 19">
-            <a:extLst>
-              <a:ext uri="{FF2B5EF4-FFF2-40B4-BE49-F238E27FC236}">
-                <a16:creationId xmlns:a16="http://schemas.microsoft.com/office/drawing/2014/main" id="{A4ADA267-0AE3-24EB-48C1-A248FE82794B}"/>
-              </a:ext>
-            </a:extLst>
-          </p:cNvPr>
-          <p:cNvSpPr>
-            <a:spLocks noGrp="1"/>
-          </p:cNvSpPr>
-          <p:nvPr>
-            <p:ph sz="quarter" idx="4"/>
-          </p:nvPr>
-        </p:nvSpPr>
-        <p:spPr>
-          <a:xfrm>
-            <a:off x="4754880" y="2743200"/>
-            <a:ext cx="2953512" cy="3505200"/>
-          </a:xfrm>
-        </p:spPr>
-        <p:txBody>
-          <a:bodyPr/>
-          <a:lstStyle/>
-          <a:p>
-            <a:pPr algn="l">
-              <a:buFont typeface="Arial" panose="020B0604020202020204" pitchFamily="34" charset="0"/>
-              <a:buChar char="•"/>
-            </a:pPr>
-            <a:r>
-              <a:rPr lang="en-GB" b="0" i="0" spc="300" dirty="0">
-                <a:effectLst/>
-                <a:latin typeface="fkGroteskNeue"/>
-              </a:rPr>
-              <a:t>The provided templates can be expanded for other retail datasets or adapted to include machine learning forecasts.</a:t>
-            </a:r>
-          </a:p>
-          <a:p>
-            <a:pPr algn="l">
-              <a:buFont typeface="Arial" panose="020B0604020202020204" pitchFamily="34" charset="0"/>
-              <a:buChar char="•"/>
-            </a:pPr>
-            <a:r>
-              <a:rPr lang="en-GB" b="0" i="0" spc="300" dirty="0">
-                <a:effectLst/>
-                <a:latin typeface="fkGroteskNeue"/>
-              </a:rPr>
-              <a:t>Dashboards can be deployed for real-time monitoring or extended to cloud-based analytics platforms.</a:t>
-            </a:r>
-          </a:p>
-          <a:p>
-            <a:endParaRPr lang="en-US" spc="300" dirty="0"/>
-          </a:p>
-        </p:txBody>
-      </p:sp>
-      <p:sp>
-        <p:nvSpPr>
-          <p:cNvPr id="24" name="Content Placeholder 23">
-            <a:extLst>
-              <a:ext uri="{FF2B5EF4-FFF2-40B4-BE49-F238E27FC236}">
-                <a16:creationId xmlns:a16="http://schemas.microsoft.com/office/drawing/2014/main" id="{9ABBDFCC-4B9C-B4EE-EA7B-A08E50967C0D}"/>
-              </a:ext>
-            </a:extLst>
-          </p:cNvPr>
-          <p:cNvSpPr>
-            <a:spLocks noGrp="1"/>
-          </p:cNvSpPr>
-          <p:nvPr>
-            <p:ph sz="quarter" idx="14"/>
-          </p:nvPr>
-        </p:nvSpPr>
-        <p:spPr/>
-        <p:txBody>
-          <a:bodyPr/>
-          <a:lstStyle/>
-          <a:p>
-            <a:r>
-              <a:rPr lang="en-GB" b="0" i="0" spc="300" dirty="0">
-                <a:effectLst/>
-                <a:latin typeface="fkGroteskNeue"/>
-              </a:rPr>
-              <a:t>Enables data-driven decisions and aligns with industry reporting standards.</a:t>
-            </a:r>
-            <a:endParaRPr lang="en-US" spc="300" dirty="0"/>
-          </a:p>
-        </p:txBody>
-      </p:sp>
-    </p:spTree>
-    <p:extLst>
-      <p:ext uri="{BB962C8B-B14F-4D97-AF65-F5344CB8AC3E}">
-        <p14:creationId xmlns:p14="http://schemas.microsoft.com/office/powerpoint/2010/main" val="1877080978"/>
-      </p:ext>
-    </p:extLst>
-  </p:cSld>
-  <p:clrMapOvr>
-    <a:masterClrMapping/>
-  </p:clrMapOvr>
-</p:sld>
-</file>
-
-<file path=ppt/slides/slide16.xml><?xml version="1.0" encoding="utf-8"?>
-<p:sld xmlns:a="http://schemas.openxmlformats.org/drawingml/2006/main" xmlns:r="http://schemas.openxmlformats.org/officeDocument/2006/relationships" xmlns:p="http://schemas.openxmlformats.org/presentationml/2006/main">
-  <p:cSld>
-    <p:spTree>
-      <p:nvGrpSpPr>
-        <p:cNvPr id="1" name=""/>
-        <p:cNvGrpSpPr/>
-        <p:nvPr/>
-      </p:nvGrpSpPr>
-      <p:grpSpPr>
-        <a:xfrm>
-          <a:off x="0" y="0"/>
-          <a:ext cx="0" cy="0"/>
-          <a:chOff x="0" y="0"/>
-          <a:chExt cx="0" cy="0"/>
-        </a:xfrm>
-      </p:grpSpPr>
-      <p:sp>
-        <p:nvSpPr>
-          <p:cNvPr id="9" name="Title 1">
-            <a:extLst>
-              <a:ext uri="{FF2B5EF4-FFF2-40B4-BE49-F238E27FC236}">
-                <a16:creationId xmlns:a16="http://schemas.microsoft.com/office/drawing/2014/main" id="{48C5BC92-868A-26B2-CBC0-C9D94E65F1A4}"/>
-              </a:ext>
-            </a:extLst>
-          </p:cNvPr>
-          <p:cNvSpPr txBox="1">
-            <a:spLocks/>
-          </p:cNvSpPr>
-          <p:nvPr/>
-        </p:nvSpPr>
-        <p:spPr>
-          <a:xfrm>
-            <a:off x="2062988" y="1040383"/>
-            <a:ext cx="7735824" cy="1348927"/>
-          </a:xfrm>
-          <a:prstGeom prst="rect">
-            <a:avLst/>
-          </a:prstGeom>
-        </p:spPr>
-        <p:txBody>
-          <a:bodyPr vert="horz" lIns="91440" tIns="45720" rIns="91440" bIns="45720" rtlCol="0" anchor="ctr">
-            <a:noAutofit/>
-          </a:bodyPr>
-          <a:lstStyle>
-            <a:lvl1pPr algn="l" defTabSz="914400" rtl="0" eaLnBrk="1" latinLnBrk="0" hangingPunct="1">
-              <a:lnSpc>
-                <a:spcPct val="90000"/>
-              </a:lnSpc>
-              <a:spcBef>
-                <a:spcPct val="0"/>
-              </a:spcBef>
-              <a:buNone/>
-              <a:defRPr sz="4000" b="1" kern="1200" cap="all" spc="600" baseline="0">
-                <a:solidFill>
-                  <a:schemeClr val="bg1"/>
-                </a:solidFill>
-                <a:latin typeface="+mj-lt"/>
-                <a:ea typeface="+mj-ea"/>
-                <a:cs typeface="+mj-cs"/>
-              </a:defRPr>
-            </a:lvl1pPr>
-          </a:lstStyle>
-          <a:p>
-            <a:pPr algn="ctr"/>
-            <a:r>
-              <a:rPr lang="en-US" sz="4400" dirty="0">
-                <a:ln w="28575">
-                  <a:noFill/>
-                  <a:prstDash val="solid"/>
-                </a:ln>
-                <a:latin typeface="Tw Cen MT" panose="020B0602020104020603" pitchFamily="34" charset="77"/>
-                <a:ea typeface="Verdana" panose="020B0604030504040204" pitchFamily="34" charset="0"/>
-                <a:cs typeface="Verdana" panose="020B0604030504040204" pitchFamily="34" charset="0"/>
-              </a:rPr>
-              <a:t>SUMMARY</a:t>
-            </a:r>
-            <a:endParaRPr lang="en-US" sz="4400" dirty="0"/>
-          </a:p>
-        </p:txBody>
-      </p:sp>
-      <p:sp>
-        <p:nvSpPr>
-          <p:cNvPr id="10" name="Subtitle 2">
-            <a:extLst>
-              <a:ext uri="{FF2B5EF4-FFF2-40B4-BE49-F238E27FC236}">
-                <a16:creationId xmlns:a16="http://schemas.microsoft.com/office/drawing/2014/main" id="{6F9C1627-7A56-025E-482D-E2AB014EDF92}"/>
-              </a:ext>
-            </a:extLst>
-          </p:cNvPr>
-          <p:cNvSpPr txBox="1">
-            <a:spLocks/>
-          </p:cNvSpPr>
-          <p:nvPr/>
-        </p:nvSpPr>
-        <p:spPr>
-          <a:xfrm>
-            <a:off x="1701800" y="2616200"/>
-            <a:ext cx="8623300" cy="2857500"/>
-          </a:xfrm>
-          <a:prstGeom prst="rect">
-            <a:avLst/>
-          </a:prstGeom>
-        </p:spPr>
-        <p:txBody>
-          <a:bodyPr/>
-          <a:lstStyle>
-            <a:lvl1pPr marL="228600" indent="-347472" algn="l" defTabSz="914400" rtl="0" eaLnBrk="1" latinLnBrk="0" hangingPunct="1">
-              <a:lnSpc>
-                <a:spcPct val="90000"/>
-              </a:lnSpc>
-              <a:spcBef>
-                <a:spcPts val="1000"/>
-              </a:spcBef>
-              <a:buClr>
-                <a:schemeClr val="accent6"/>
-              </a:buClr>
-              <a:buFont typeface="Courier New" panose="02070309020205020404" pitchFamily="49" charset="0"/>
-              <a:buChar char="o"/>
-              <a:defRPr sz="2800" kern="1200">
-                <a:solidFill>
-                  <a:schemeClr val="bg1"/>
-                </a:solidFill>
-                <a:latin typeface="+mn-lt"/>
-                <a:ea typeface="+mn-ea"/>
-                <a:cs typeface="Segoe UI" panose="020B0502040204020203" pitchFamily="34" charset="0"/>
-              </a:defRPr>
-            </a:lvl1pPr>
-            <a:lvl2pPr marL="685800" indent="-347472" algn="l" defTabSz="914400" rtl="0" eaLnBrk="1" latinLnBrk="0" hangingPunct="1">
-              <a:lnSpc>
-                <a:spcPct val="90000"/>
-              </a:lnSpc>
-              <a:spcBef>
-                <a:spcPts val="500"/>
-              </a:spcBef>
-              <a:buClr>
-                <a:schemeClr val="accent6"/>
-              </a:buClr>
-              <a:buFont typeface="Courier New" panose="02070309020205020404" pitchFamily="49" charset="0"/>
-              <a:buChar char="o"/>
-              <a:defRPr sz="2400" kern="1200">
-                <a:solidFill>
-                  <a:schemeClr val="bg1"/>
-                </a:solidFill>
-                <a:latin typeface="+mn-lt"/>
-                <a:ea typeface="+mn-ea"/>
-                <a:cs typeface="Segoe UI" panose="020B0502040204020203" pitchFamily="34" charset="0"/>
-              </a:defRPr>
-            </a:lvl2pPr>
-            <a:lvl3pPr marL="1143000" indent="-347472" algn="l" defTabSz="914400" rtl="0" eaLnBrk="1" latinLnBrk="0" hangingPunct="1">
-              <a:lnSpc>
-                <a:spcPct val="90000"/>
-              </a:lnSpc>
-              <a:spcBef>
-                <a:spcPts val="500"/>
-              </a:spcBef>
-              <a:buClr>
-                <a:schemeClr val="accent6"/>
-              </a:buClr>
-              <a:buFont typeface="Courier New" panose="02070309020205020404" pitchFamily="49" charset="0"/>
-              <a:buChar char="o"/>
-              <a:defRPr sz="2000" kern="1200">
-                <a:solidFill>
-                  <a:schemeClr val="bg1"/>
-                </a:solidFill>
-                <a:latin typeface="+mn-lt"/>
-                <a:ea typeface="+mn-ea"/>
-                <a:cs typeface="Segoe UI" panose="020B0502040204020203" pitchFamily="34" charset="0"/>
-              </a:defRPr>
-            </a:lvl3pPr>
-            <a:lvl4pPr marL="1600200" indent="-347472" algn="l" defTabSz="914400" rtl="0" eaLnBrk="1" latinLnBrk="0" hangingPunct="1">
-              <a:lnSpc>
-                <a:spcPct val="90000"/>
-              </a:lnSpc>
-              <a:spcBef>
-                <a:spcPts val="500"/>
-              </a:spcBef>
-              <a:buClr>
-                <a:schemeClr val="accent6"/>
-              </a:buClr>
-              <a:buFont typeface="Courier New" panose="02070309020205020404" pitchFamily="49" charset="0"/>
-              <a:buChar char="o"/>
-              <a:defRPr sz="1800" kern="1200">
-                <a:solidFill>
-                  <a:schemeClr val="bg1"/>
-                </a:solidFill>
-                <a:latin typeface="+mn-lt"/>
-                <a:ea typeface="+mn-ea"/>
-                <a:cs typeface="Segoe UI" panose="020B0502040204020203" pitchFamily="34" charset="0"/>
-              </a:defRPr>
-            </a:lvl4pPr>
-            <a:lvl5pPr marL="2057400" indent="-347472" algn="l" defTabSz="914400" rtl="0" eaLnBrk="1" latinLnBrk="0" hangingPunct="1">
-              <a:lnSpc>
-                <a:spcPct val="90000"/>
-              </a:lnSpc>
-              <a:spcBef>
-                <a:spcPts val="500"/>
-              </a:spcBef>
-              <a:buClr>
-                <a:schemeClr val="accent6"/>
-              </a:buClr>
-              <a:buFont typeface="Courier New" panose="02070309020205020404" pitchFamily="49" charset="0"/>
-              <a:buChar char="o"/>
-              <a:defRPr sz="1800" kern="1200">
-                <a:solidFill>
-                  <a:schemeClr val="bg1"/>
-                </a:solidFill>
-                <a:latin typeface="+mn-lt"/>
-                <a:ea typeface="+mn-ea"/>
-                <a:cs typeface="Segoe UI" panose="020B0502040204020203" pitchFamily="34" charset="0"/>
-              </a:defRPr>
-            </a:lvl5pPr>
-            <a:lvl6pPr marL="2514600" indent="-228600" algn="l" defTabSz="914400" rtl="0" eaLnBrk="1" latinLnBrk="0" hangingPunct="1">
-              <a:lnSpc>
-                <a:spcPct val="90000"/>
-              </a:lnSpc>
-              <a:spcBef>
-                <a:spcPts val="500"/>
-              </a:spcBef>
-              <a:buFont typeface="Arial" panose="020B0604020202020204" pitchFamily="34" charset="0"/>
-              <a:buChar char="•"/>
-              <a:defRPr sz="1800" kern="1200">
-                <a:solidFill>
-                  <a:schemeClr val="tx1"/>
-                </a:solidFill>
-                <a:latin typeface="+mn-lt"/>
-                <a:ea typeface="+mn-ea"/>
-                <a:cs typeface="+mn-cs"/>
-              </a:defRPr>
-            </a:lvl6pPr>
-            <a:lvl7pPr marL="2971800" indent="-228600" algn="l" defTabSz="914400" rtl="0" eaLnBrk="1" latinLnBrk="0" hangingPunct="1">
-              <a:lnSpc>
-                <a:spcPct val="90000"/>
-              </a:lnSpc>
-              <a:spcBef>
-                <a:spcPts val="500"/>
-              </a:spcBef>
-              <a:buFont typeface="Arial" panose="020B0604020202020204" pitchFamily="34" charset="0"/>
-              <a:buChar char="•"/>
-              <a:defRPr sz="1800" kern="1200">
-                <a:solidFill>
-                  <a:schemeClr val="tx1"/>
-                </a:solidFill>
-                <a:latin typeface="+mn-lt"/>
-                <a:ea typeface="+mn-ea"/>
-                <a:cs typeface="+mn-cs"/>
-              </a:defRPr>
-            </a:lvl7pPr>
-            <a:lvl8pPr marL="3429000" indent="-228600" algn="l" defTabSz="914400" rtl="0" eaLnBrk="1" latinLnBrk="0" hangingPunct="1">
-              <a:lnSpc>
-                <a:spcPct val="90000"/>
-              </a:lnSpc>
-              <a:spcBef>
-                <a:spcPts val="500"/>
-              </a:spcBef>
-              <a:buFont typeface="Arial" panose="020B0604020202020204" pitchFamily="34" charset="0"/>
-              <a:buChar char="•"/>
-              <a:defRPr sz="1800" kern="1200">
-                <a:solidFill>
-                  <a:schemeClr val="tx1"/>
-                </a:solidFill>
-                <a:latin typeface="+mn-lt"/>
-                <a:ea typeface="+mn-ea"/>
-                <a:cs typeface="+mn-cs"/>
-              </a:defRPr>
-            </a:lvl8pPr>
-            <a:lvl9pPr marL="3886200" indent="-228600" algn="l" defTabSz="914400" rtl="0" eaLnBrk="1" latinLnBrk="0" hangingPunct="1">
-              <a:lnSpc>
-                <a:spcPct val="90000"/>
-              </a:lnSpc>
-              <a:spcBef>
-                <a:spcPts val="500"/>
-              </a:spcBef>
-              <a:buFont typeface="Arial" panose="020B0604020202020204" pitchFamily="34" charset="0"/>
-              <a:buChar char="•"/>
-              <a:defRPr sz="1800" kern="1200">
-                <a:solidFill>
-                  <a:schemeClr val="tx1"/>
-                </a:solidFill>
-                <a:latin typeface="+mn-lt"/>
-                <a:ea typeface="+mn-ea"/>
-                <a:cs typeface="+mn-cs"/>
-              </a:defRPr>
-            </a:lvl9pPr>
-          </a:lstStyle>
-          <a:p>
-            <a:r>
-              <a:rPr lang="en-GB" sz="1800" spc="300" dirty="0">
-                <a:latin typeface="berkeleyMono"/>
-              </a:rPr>
-              <a:t>Performed thorough data cleaning and advanced analysis on Kaggle e-commerce dataset. </a:t>
-            </a:r>
-          </a:p>
-          <a:p>
-            <a:r>
-              <a:rPr lang="en-GB" sz="1800" spc="300" dirty="0">
-                <a:latin typeface="berkeleyMono"/>
-              </a:rPr>
-              <a:t>Visualized major sales patterns, product trends, and regional performance.</a:t>
-            </a:r>
-          </a:p>
-          <a:p>
-            <a:r>
-              <a:rPr lang="en-GB" sz="1800" spc="300" dirty="0">
-                <a:latin typeface="berkeleyMono"/>
-              </a:rPr>
-              <a:t>Developed an interactive Excel dashboard for business insights. </a:t>
-            </a:r>
-          </a:p>
-          <a:p>
-            <a:r>
-              <a:rPr lang="en-GB" sz="1800" spc="300" dirty="0">
-                <a:latin typeface="berkeleyMono"/>
-              </a:rPr>
-              <a:t> Tackled data and visualization challenges with professional solutions. </a:t>
-            </a:r>
-          </a:p>
-          <a:p>
-            <a:r>
-              <a:rPr lang="en-GB" sz="1800" spc="300" dirty="0">
-                <a:latin typeface="berkeleyMono"/>
-              </a:rPr>
-              <a:t>Laid a solid foundation for ongoing analytics and reporting.</a:t>
-            </a:r>
-            <a:endParaRPr lang="en-US" sz="1800" spc="300" dirty="0"/>
-          </a:p>
-        </p:txBody>
-      </p:sp>
-    </p:spTree>
-    <p:extLst>
-      <p:ext uri="{BB962C8B-B14F-4D97-AF65-F5344CB8AC3E}">
-        <p14:creationId xmlns:p14="http://schemas.microsoft.com/office/powerpoint/2010/main" val="1958759625"/>
-      </p:ext>
-    </p:extLst>
-  </p:cSld>
-  <p:clrMapOvr>
-    <a:masterClrMapping/>
-  </p:clrMapOvr>
-</p:sld>
-</file>
-
-<file path=ppt/slides/slide17.xml><?xml version="1.0" encoding="utf-8"?>
-<p:sld xmlns:a="http://schemas.openxmlformats.org/drawingml/2006/main" xmlns:r="http://schemas.openxmlformats.org/officeDocument/2006/relationships" xmlns:p="http://schemas.openxmlformats.org/presentationml/2006/main">
-  <p:cSld>
-    <p:spTree>
-      <p:nvGrpSpPr>
-        <p:cNvPr id="1" name=""/>
-        <p:cNvGrpSpPr/>
-        <p:nvPr/>
-      </p:nvGrpSpPr>
-      <p:grpSpPr>
-        <a:xfrm>
-          <a:off x="0" y="0"/>
-          <a:ext cx="0" cy="0"/>
-          <a:chOff x="0" y="0"/>
-          <a:chExt cx="0" cy="0"/>
-        </a:xfrm>
-      </p:grpSpPr>
-      <p:sp>
-        <p:nvSpPr>
-          <p:cNvPr id="2" name="Title 1">
-            <a:extLst>
-              <a:ext uri="{FF2B5EF4-FFF2-40B4-BE49-F238E27FC236}">
-                <a16:creationId xmlns:a16="http://schemas.microsoft.com/office/drawing/2014/main" id="{2C9E1892-81E6-551C-7B5A-DEA68224520B}"/>
-              </a:ext>
-            </a:extLst>
-          </p:cNvPr>
-          <p:cNvSpPr>
-            <a:spLocks noGrp="1"/>
-          </p:cNvSpPr>
-          <p:nvPr>
-            <p:ph type="title"/>
-          </p:nvPr>
-        </p:nvSpPr>
-        <p:spPr>
-          <a:xfrm>
-            <a:off x="1651254" y="1384300"/>
-            <a:ext cx="9901428" cy="855980"/>
-          </a:xfrm>
-        </p:spPr>
-        <p:txBody>
-          <a:bodyPr/>
-          <a:lstStyle/>
-          <a:p>
-            <a:pPr algn="l"/>
-            <a:r>
-              <a:rPr lang="en-GB" sz="3600" b="0" i="0" dirty="0">
-                <a:effectLst/>
-                <a:latin typeface="fkGroteskNeue"/>
-              </a:rPr>
-              <a:t>Thank you for your attention!</a:t>
-            </a:r>
-          </a:p>
-        </p:txBody>
-      </p:sp>
-      <p:sp>
-        <p:nvSpPr>
-          <p:cNvPr id="3" name="Text Placeholder 2">
-            <a:extLst>
-              <a:ext uri="{FF2B5EF4-FFF2-40B4-BE49-F238E27FC236}">
-                <a16:creationId xmlns:a16="http://schemas.microsoft.com/office/drawing/2014/main" id="{55519D01-29BE-BE76-41C5-9D58AD8119DC}"/>
-              </a:ext>
-            </a:extLst>
-          </p:cNvPr>
-          <p:cNvSpPr>
-            <a:spLocks noGrp="1"/>
-          </p:cNvSpPr>
-          <p:nvPr>
-            <p:ph type="body" idx="1"/>
-          </p:nvPr>
-        </p:nvSpPr>
-        <p:spPr>
-          <a:xfrm>
-            <a:off x="5403850" y="3492179"/>
-            <a:ext cx="6180582" cy="400110"/>
-          </a:xfrm>
-        </p:spPr>
-        <p:txBody>
-          <a:bodyPr/>
-          <a:lstStyle/>
-          <a:p>
-            <a:pPr algn="l"/>
-            <a:r>
-              <a:rPr lang="en-GB" sz="2000" b="0" i="0" spc="300" dirty="0">
-                <a:effectLst/>
-                <a:latin typeface="fkGroteskNeue"/>
-              </a:rPr>
-              <a:t>Questions and feedback are welcome</a:t>
-            </a:r>
-          </a:p>
-        </p:txBody>
-      </p:sp>
-      <p:grpSp>
-        <p:nvGrpSpPr>
-          <p:cNvPr id="12" name="Group 11">
-            <a:extLst>
-              <a:ext uri="{FF2B5EF4-FFF2-40B4-BE49-F238E27FC236}">
-                <a16:creationId xmlns:a16="http://schemas.microsoft.com/office/drawing/2014/main" id="{4EF125B3-8F8D-F8B9-E721-65042457E702}"/>
-              </a:ext>
-            </a:extLst>
-          </p:cNvPr>
-          <p:cNvGrpSpPr/>
-          <p:nvPr/>
-        </p:nvGrpSpPr>
-        <p:grpSpPr>
-          <a:xfrm>
-            <a:off x="4802632" y="4499673"/>
-            <a:ext cx="5027168" cy="401321"/>
-            <a:chOff x="4802632" y="4585911"/>
-            <a:chExt cx="5027168" cy="401321"/>
-          </a:xfrm>
-        </p:grpSpPr>
-        <p:pic>
-          <p:nvPicPr>
-            <p:cNvPr id="5" name="Graphic 4" descr="Envelope with solid fill">
-              <a:extLst>
-                <a:ext uri="{FF2B5EF4-FFF2-40B4-BE49-F238E27FC236}">
-                  <a16:creationId xmlns:a16="http://schemas.microsoft.com/office/drawing/2014/main" id="{63A8405F-615A-B423-5EF4-7B80645EF3A6}"/>
-                </a:ext>
-              </a:extLst>
-            </p:cNvPr>
-            <p:cNvPicPr>
-              <a:picLocks noChangeAspect="1"/>
-            </p:cNvPicPr>
-            <p:nvPr/>
-          </p:nvPicPr>
-          <p:blipFill>
-            <a:blip r:embed="rId2">
-              <a:extLst>
-                <a:ext uri="{96DAC541-7B7A-43D3-8B79-37D633B846F1}">
-                  <asvg:svgBlip xmlns:asvg="http://schemas.microsoft.com/office/drawing/2016/SVG/main" r:embed="rId3"/>
-                </a:ext>
-              </a:extLst>
-            </a:blip>
-            <a:stretch>
-              <a:fillRect/>
-            </a:stretch>
-          </p:blipFill>
-          <p:spPr>
-            <a:xfrm>
-              <a:off x="4802632" y="4618932"/>
-              <a:ext cx="569468" cy="368300"/>
-            </a:xfrm>
-            <a:prstGeom prst="rect">
-              <a:avLst/>
-            </a:prstGeom>
-          </p:spPr>
-        </p:pic>
-        <p:sp>
-          <p:nvSpPr>
-            <p:cNvPr id="6" name="TextBox 5">
-              <a:extLst>
-                <a:ext uri="{FF2B5EF4-FFF2-40B4-BE49-F238E27FC236}">
-                  <a16:creationId xmlns:a16="http://schemas.microsoft.com/office/drawing/2014/main" id="{A1ADEE9F-339A-8737-7DD7-51DE830F974E}"/>
-                </a:ext>
-              </a:extLst>
-            </p:cNvPr>
-            <p:cNvSpPr txBox="1"/>
-            <p:nvPr/>
-          </p:nvSpPr>
-          <p:spPr>
-            <a:xfrm>
-              <a:off x="5372100" y="4585911"/>
-              <a:ext cx="4457700" cy="400110"/>
-            </a:xfrm>
-            <a:prstGeom prst="rect">
-              <a:avLst/>
-            </a:prstGeom>
-            <a:noFill/>
-          </p:spPr>
-          <p:txBody>
-            <a:bodyPr wrap="square" rtlCol="0">
-              <a:spAutoFit/>
-            </a:bodyPr>
-            <a:lstStyle/>
-            <a:p>
-              <a:r>
-                <a:rPr lang="en-GB" sz="2000" b="0" i="0" spc="300" dirty="0">
-                  <a:solidFill>
-                    <a:schemeClr val="bg1"/>
-                  </a:solidFill>
-                  <a:effectLst/>
-                  <a:latin typeface="fkGroteskNeue"/>
-                </a:rPr>
-                <a:t>Kunnuyadav18@gmail.com</a:t>
-              </a:r>
-            </a:p>
-          </p:txBody>
-        </p:sp>
-      </p:grpSp>
-      <p:pic>
-        <p:nvPicPr>
-          <p:cNvPr id="8" name="Graphic 7" descr="Handshake with solid fill">
-            <a:extLst>
-              <a:ext uri="{FF2B5EF4-FFF2-40B4-BE49-F238E27FC236}">
-                <a16:creationId xmlns:a16="http://schemas.microsoft.com/office/drawing/2014/main" id="{C348B9BB-01FD-7159-58A5-EF067A3AE0B3}"/>
-              </a:ext>
-            </a:extLst>
-          </p:cNvPr>
-          <p:cNvPicPr>
-            <a:picLocks noChangeAspect="1"/>
-          </p:cNvPicPr>
-          <p:nvPr/>
-        </p:nvPicPr>
-        <p:blipFill>
-          <a:blip r:embed="rId4">
-            <a:extLst>
-              <a:ext uri="{96DAC541-7B7A-43D3-8B79-37D633B846F1}">
-                <asvg:svgBlip xmlns:asvg="http://schemas.microsoft.com/office/drawing/2016/SVG/main" r:embed="rId5"/>
-              </a:ext>
-            </a:extLst>
-          </a:blip>
-          <a:stretch>
-            <a:fillRect/>
-          </a:stretch>
-        </p:blipFill>
-        <p:spPr>
-          <a:xfrm>
-            <a:off x="4802632" y="3417190"/>
-            <a:ext cx="569468" cy="569468"/>
-          </a:xfrm>
-          <a:prstGeom prst="rect">
-            <a:avLst/>
-          </a:prstGeom>
-        </p:spPr>
-      </p:pic>
-      <p:grpSp>
-        <p:nvGrpSpPr>
-          <p:cNvPr id="13" name="Group 12">
-            <a:extLst>
-              <a:ext uri="{FF2B5EF4-FFF2-40B4-BE49-F238E27FC236}">
-                <a16:creationId xmlns:a16="http://schemas.microsoft.com/office/drawing/2014/main" id="{BB5D144B-CAFF-66D1-950E-33B2920A40E1}"/>
-              </a:ext>
-            </a:extLst>
-          </p:cNvPr>
-          <p:cNvGrpSpPr/>
-          <p:nvPr/>
-        </p:nvGrpSpPr>
-        <p:grpSpPr>
-          <a:xfrm>
-            <a:off x="4882515" y="3987869"/>
-            <a:ext cx="4782185" cy="409702"/>
-            <a:chOff x="4882515" y="3987869"/>
-            <a:chExt cx="4782185" cy="409702"/>
-          </a:xfrm>
-        </p:grpSpPr>
-        <p:pic>
-          <p:nvPicPr>
-            <p:cNvPr id="10" name="Graphic 9" descr="Employee badge with solid fill">
-              <a:extLst>
-                <a:ext uri="{FF2B5EF4-FFF2-40B4-BE49-F238E27FC236}">
-                  <a16:creationId xmlns:a16="http://schemas.microsoft.com/office/drawing/2014/main" id="{F115321A-E0D3-49C6-78BD-6308BD605A4D}"/>
-                </a:ext>
-              </a:extLst>
-            </p:cNvPr>
-            <p:cNvPicPr>
-              <a:picLocks noChangeAspect="1"/>
-            </p:cNvPicPr>
-            <p:nvPr/>
-          </p:nvPicPr>
-          <p:blipFill>
-            <a:blip r:embed="rId6">
-              <a:extLst>
-                <a:ext uri="{96DAC541-7B7A-43D3-8B79-37D633B846F1}">
-                  <asvg:svgBlip xmlns:asvg="http://schemas.microsoft.com/office/drawing/2016/SVG/main" r:embed="rId7"/>
-                </a:ext>
-              </a:extLst>
-            </a:blip>
-            <a:stretch>
-              <a:fillRect/>
-            </a:stretch>
-          </p:blipFill>
-          <p:spPr>
-            <a:xfrm>
-              <a:off x="4882515" y="3987869"/>
-              <a:ext cx="409702" cy="409702"/>
-            </a:xfrm>
-            <a:prstGeom prst="rect">
-              <a:avLst/>
-            </a:prstGeom>
-          </p:spPr>
-        </p:pic>
-        <p:sp>
-          <p:nvSpPr>
-            <p:cNvPr id="11" name="TextBox 10">
-              <a:extLst>
-                <a:ext uri="{FF2B5EF4-FFF2-40B4-BE49-F238E27FC236}">
-                  <a16:creationId xmlns:a16="http://schemas.microsoft.com/office/drawing/2014/main" id="{038B4201-3366-B7FC-C29C-D517DB238465}"/>
-                </a:ext>
-              </a:extLst>
-            </p:cNvPr>
-            <p:cNvSpPr txBox="1"/>
-            <p:nvPr/>
-          </p:nvSpPr>
-          <p:spPr>
-            <a:xfrm>
-              <a:off x="5403850" y="4011315"/>
-              <a:ext cx="4260850" cy="369332"/>
-            </a:xfrm>
-            <a:prstGeom prst="rect">
-              <a:avLst/>
-            </a:prstGeom>
-            <a:noFill/>
-          </p:spPr>
-          <p:txBody>
-            <a:bodyPr wrap="square" rtlCol="0">
-              <a:spAutoFit/>
-            </a:bodyPr>
-            <a:lstStyle/>
-            <a:p>
-              <a:r>
-                <a:rPr lang="en-GB" spc="300" dirty="0">
-                  <a:solidFill>
-                    <a:schemeClr val="bg1"/>
-                  </a:solidFill>
-                  <a:latin typeface="fkGroteskNeue"/>
-                </a:rPr>
-                <a:t>Kunal Yadav</a:t>
-              </a:r>
-            </a:p>
-          </p:txBody>
-        </p:sp>
-      </p:grpSp>
-    </p:spTree>
-    <p:extLst>
-      <p:ext uri="{BB962C8B-B14F-4D97-AF65-F5344CB8AC3E}">
-        <p14:creationId xmlns:p14="http://schemas.microsoft.com/office/powerpoint/2010/main" val="1877701230"/>
-      </p:ext>
-    </p:extLst>
-  </p:cSld>
-  <p:clrMapOvr>
-    <a:masterClrMapping/>
-  </p:clrMapOvr>
-</p:sld>
-</file>
-
-<file path=ppt/slides/slide2.xml><?xml version="1.0" encoding="utf-8"?>
-<p:sld xmlns:a="http://schemas.openxmlformats.org/drawingml/2006/main" xmlns:r="http://schemas.openxmlformats.org/officeDocument/2006/relationships" xmlns:p="http://schemas.openxmlformats.org/presentationml/2006/main">
-  <p:cSld>
-    <p:spTree>
-      <p:nvGrpSpPr>
-        <p:cNvPr id="1" name=""/>
-        <p:cNvGrpSpPr/>
-        <p:nvPr/>
-      </p:nvGrpSpPr>
-      <p:grpSpPr>
-        <a:xfrm>
-          <a:off x="0" y="0"/>
-          <a:ext cx="0" cy="0"/>
-          <a:chOff x="0" y="0"/>
-          <a:chExt cx="0" cy="0"/>
-        </a:xfrm>
-      </p:grpSpPr>
-      <p:sp>
-        <p:nvSpPr>
-          <p:cNvPr id="2" name="Title 1">
-            <a:extLst>
-              <a:ext uri="{FF2B5EF4-FFF2-40B4-BE49-F238E27FC236}">
-                <a16:creationId xmlns:a16="http://schemas.microsoft.com/office/drawing/2014/main" id="{C07F7E09-6A9E-9FCC-7867-895F21ABE716}"/>
-              </a:ext>
-            </a:extLst>
-          </p:cNvPr>
-          <p:cNvSpPr>
-            <a:spLocks noGrp="1"/>
-          </p:cNvSpPr>
-          <p:nvPr>
-            <p:ph type="title"/>
-          </p:nvPr>
-        </p:nvSpPr>
-        <p:spPr>
-          <a:xfrm>
-            <a:off x="1536192" y="260604"/>
-            <a:ext cx="8878824" cy="1069848"/>
-          </a:xfrm>
-        </p:spPr>
-        <p:txBody>
-          <a:bodyPr>
-            <a:normAutofit/>
-          </a:bodyPr>
-          <a:lstStyle/>
-          <a:p>
-            <a:r>
-              <a:rPr lang="en-US" sz="4000" b="1" spc="600" dirty="0">
-                <a:ln w="28575">
-                  <a:noFill/>
-                  <a:prstDash val="solid"/>
-                </a:ln>
-                <a:solidFill>
-                  <a:schemeClr val="bg1"/>
-                </a:solidFill>
-                <a:latin typeface="Tw Cen MT" panose="020B0602020104020603" pitchFamily="34" charset="77"/>
-              </a:rPr>
-              <a:t>CONTENTS</a:t>
-            </a:r>
-            <a:endParaRPr lang="en-US" dirty="0"/>
-          </a:p>
-        </p:txBody>
-      </p:sp>
-      <p:sp>
-        <p:nvSpPr>
-          <p:cNvPr id="5" name="Slide Number Placeholder 4">
-            <a:extLst>
-              <a:ext uri="{FF2B5EF4-FFF2-40B4-BE49-F238E27FC236}">
-                <a16:creationId xmlns:a16="http://schemas.microsoft.com/office/drawing/2014/main" id="{9157728F-9EA1-A705-8E4D-B7823E4F4C26}"/>
-              </a:ext>
-            </a:extLst>
-          </p:cNvPr>
-          <p:cNvSpPr>
-            <a:spLocks noGrp="1"/>
-          </p:cNvSpPr>
-          <p:nvPr>
-            <p:ph type="sldNum" sz="quarter" idx="11"/>
-          </p:nvPr>
-        </p:nvSpPr>
-        <p:spPr/>
-        <p:txBody>
-          <a:bodyPr/>
-          <a:lstStyle/>
-          <a:p>
-            <a:fld id="{294A09A9-5501-47C1-A89A-A340965A2BE2}" type="slidenum">
-              <a:rPr lang="en-US" smtClean="0"/>
-              <a:pPr/>
-              <a:t>2</a:t>
-            </a:fld>
-            <a:endParaRPr lang="en-US" dirty="0"/>
-          </a:p>
-        </p:txBody>
-      </p:sp>
-      <p:sp>
-        <p:nvSpPr>
-          <p:cNvPr id="3" name="Content Placeholder 2">
-            <a:extLst>
-              <a:ext uri="{FF2B5EF4-FFF2-40B4-BE49-F238E27FC236}">
-                <a16:creationId xmlns:a16="http://schemas.microsoft.com/office/drawing/2014/main" id="{199158D4-7B61-0A48-E33F-792278D05724}"/>
-              </a:ext>
-            </a:extLst>
-          </p:cNvPr>
-          <p:cNvSpPr>
-            <a:spLocks noGrp="1"/>
-          </p:cNvSpPr>
-          <p:nvPr>
-            <p:ph idx="1"/>
-          </p:nvPr>
-        </p:nvSpPr>
-        <p:spPr>
-          <a:xfrm>
-            <a:off x="1536192" y="1749806"/>
-            <a:ext cx="6422136" cy="4625594"/>
-          </a:xfrm>
-        </p:spPr>
-        <p:txBody>
-          <a:bodyPr/>
-          <a:lstStyle/>
-          <a:p>
-            <a:pPr marL="342900" indent="-342900" algn="l">
-              <a:lnSpc>
-                <a:spcPct val="150000"/>
-              </a:lnSpc>
-              <a:buClr>
-                <a:schemeClr val="accent6"/>
-              </a:buClr>
-              <a:buFont typeface="Courier New" panose="02070309020205020404" pitchFamily="49" charset="0"/>
-              <a:buChar char="o"/>
-            </a:pPr>
-            <a:r>
-              <a:rPr lang="en-US" dirty="0">
-                <a:latin typeface="Segoe UI Light" panose="020B0502040204020203" pitchFamily="34" charset="0"/>
-                <a:cs typeface="Segoe UI Light" panose="020B0502040204020203" pitchFamily="34" charset="0"/>
-              </a:rPr>
-              <a:t>Dataset Overview</a:t>
-            </a:r>
-            <a:endParaRPr lang="en-US" dirty="0">
-              <a:solidFill>
-                <a:schemeClr val="bg1"/>
-              </a:solidFill>
-              <a:latin typeface="Segoe UI Light" panose="020B0502040204020203" pitchFamily="34" charset="0"/>
-              <a:cs typeface="Segoe UI Light" panose="020B0502040204020203" pitchFamily="34" charset="0"/>
-            </a:endParaRPr>
-          </a:p>
-          <a:p>
-            <a:pPr marL="342900" indent="-342900" algn="l">
-              <a:lnSpc>
-                <a:spcPct val="150000"/>
-              </a:lnSpc>
-              <a:buClr>
-                <a:schemeClr val="accent6"/>
-              </a:buClr>
-              <a:buFont typeface="Courier New" panose="02070309020205020404" pitchFamily="49" charset="0"/>
-              <a:buChar char="o"/>
-            </a:pPr>
-            <a:r>
-              <a:rPr lang="en-US" dirty="0">
-                <a:latin typeface="Segoe UI Light" panose="020B0502040204020203" pitchFamily="34" charset="0"/>
-                <a:cs typeface="Segoe UI Light" panose="020B0502040204020203" pitchFamily="34" charset="0"/>
-              </a:rPr>
-              <a:t>Methodology</a:t>
-            </a:r>
-            <a:endParaRPr lang="en-US" dirty="0">
-              <a:solidFill>
-                <a:schemeClr val="bg1"/>
-              </a:solidFill>
-              <a:latin typeface="Segoe UI Light" panose="020B0502040204020203" pitchFamily="34" charset="0"/>
-              <a:cs typeface="Segoe UI Light" panose="020B0502040204020203" pitchFamily="34" charset="0"/>
-            </a:endParaRPr>
-          </a:p>
-          <a:p>
-            <a:pPr marL="342900" indent="-342900" algn="l">
-              <a:lnSpc>
-                <a:spcPct val="150000"/>
-              </a:lnSpc>
-              <a:buClr>
-                <a:schemeClr val="accent6"/>
-              </a:buClr>
-              <a:buFont typeface="Courier New" panose="02070309020205020404" pitchFamily="49" charset="0"/>
-              <a:buChar char="o"/>
-            </a:pPr>
-            <a:r>
-              <a:rPr lang="en-US" dirty="0">
-                <a:solidFill>
-                  <a:schemeClr val="bg1"/>
-                </a:solidFill>
-                <a:latin typeface="Segoe UI Light" panose="020B0502040204020203" pitchFamily="34" charset="0"/>
-                <a:cs typeface="Segoe UI Light" panose="020B0502040204020203" pitchFamily="34" charset="0"/>
-              </a:rPr>
-              <a:t>Key </a:t>
-            </a:r>
-            <a:r>
-              <a:rPr lang="en-US" dirty="0">
-                <a:latin typeface="Segoe UI Light" panose="020B0502040204020203" pitchFamily="34" charset="0"/>
-                <a:cs typeface="Segoe UI Light" panose="020B0502040204020203" pitchFamily="34" charset="0"/>
-              </a:rPr>
-              <a:t>V</a:t>
-            </a:r>
-            <a:r>
-              <a:rPr lang="en-US" dirty="0">
-                <a:solidFill>
-                  <a:schemeClr val="bg1"/>
-                </a:solidFill>
-                <a:latin typeface="Segoe UI Light" panose="020B0502040204020203" pitchFamily="34" charset="0"/>
-                <a:cs typeface="Segoe UI Light" panose="020B0502040204020203" pitchFamily="34" charset="0"/>
-              </a:rPr>
-              <a:t>isualizations</a:t>
-            </a:r>
-          </a:p>
-          <a:p>
-            <a:pPr marL="342900" indent="-342900" algn="l">
-              <a:lnSpc>
-                <a:spcPct val="150000"/>
-              </a:lnSpc>
-              <a:buClr>
-                <a:schemeClr val="accent6"/>
-              </a:buClr>
-              <a:buFont typeface="Courier New" panose="02070309020205020404" pitchFamily="49" charset="0"/>
-              <a:buChar char="o"/>
-            </a:pPr>
-            <a:r>
-              <a:rPr lang="en-US" dirty="0">
-                <a:solidFill>
-                  <a:schemeClr val="bg1"/>
-                </a:solidFill>
-                <a:latin typeface="Segoe UI Light" panose="020B0502040204020203" pitchFamily="34" charset="0"/>
-                <a:cs typeface="Segoe UI Light" panose="020B0502040204020203" pitchFamily="34" charset="0"/>
-              </a:rPr>
-              <a:t>Insights &amp; Recommendations</a:t>
-            </a:r>
-          </a:p>
-          <a:p>
-            <a:pPr marL="342900" indent="-342900" algn="l">
-              <a:lnSpc>
-                <a:spcPct val="150000"/>
-              </a:lnSpc>
-              <a:buClr>
-                <a:schemeClr val="accent6"/>
-              </a:buClr>
-              <a:buFont typeface="Courier New" panose="02070309020205020404" pitchFamily="49" charset="0"/>
-              <a:buChar char="o"/>
-            </a:pPr>
-            <a:r>
-              <a:rPr lang="en-US" dirty="0">
-                <a:solidFill>
-                  <a:schemeClr val="bg1"/>
-                </a:solidFill>
-                <a:latin typeface="Segoe UI Light" panose="020B0502040204020203" pitchFamily="34" charset="0"/>
-                <a:cs typeface="Segoe UI Light" panose="020B0502040204020203" pitchFamily="34" charset="0"/>
-              </a:rPr>
-              <a:t>Challenges &amp; Solutions</a:t>
-            </a:r>
-          </a:p>
-          <a:p>
-            <a:pPr marL="342900" indent="-342900" algn="l">
-              <a:lnSpc>
-                <a:spcPct val="150000"/>
-              </a:lnSpc>
-              <a:buClr>
-                <a:schemeClr val="accent6"/>
-              </a:buClr>
-              <a:buFont typeface="Courier New" panose="02070309020205020404" pitchFamily="49" charset="0"/>
-              <a:buChar char="o"/>
-            </a:pPr>
-            <a:r>
-              <a:rPr lang="en-US" dirty="0">
-                <a:solidFill>
-                  <a:schemeClr val="bg1"/>
-                </a:solidFill>
-                <a:latin typeface="Segoe UI Light" panose="020B0502040204020203" pitchFamily="34" charset="0"/>
-                <a:cs typeface="Segoe UI Light" panose="020B0502040204020203" pitchFamily="34" charset="0"/>
-              </a:rPr>
-              <a:t>Conclusions &amp; Next Steps</a:t>
-            </a:r>
-          </a:p>
-          <a:p>
-            <a:pPr marL="342900" indent="-342900" algn="l">
-              <a:lnSpc>
-                <a:spcPct val="150000"/>
-              </a:lnSpc>
-              <a:buClr>
-                <a:schemeClr val="accent6"/>
-              </a:buClr>
-              <a:buFont typeface="Courier New" panose="02070309020205020404" pitchFamily="49" charset="0"/>
-              <a:buChar char="o"/>
-            </a:pPr>
-            <a:r>
-              <a:rPr lang="en-US" dirty="0">
-                <a:latin typeface="Segoe UI Light" panose="020B0502040204020203" pitchFamily="34" charset="0"/>
-                <a:cs typeface="Segoe UI Light" panose="020B0502040204020203" pitchFamily="34" charset="0"/>
-              </a:rPr>
-              <a:t>Summary</a:t>
-            </a:r>
-            <a:endParaRPr lang="en-US" dirty="0">
-              <a:solidFill>
-                <a:schemeClr val="bg1"/>
-              </a:solidFill>
-              <a:latin typeface="Segoe UI Light" panose="020B0502040204020203" pitchFamily="34" charset="0"/>
-              <a:cs typeface="Segoe UI Light" panose="020B0502040204020203" pitchFamily="34" charset="0"/>
-            </a:endParaRPr>
-          </a:p>
-        </p:txBody>
-      </p:sp>
-    </p:spTree>
-    <p:extLst>
-      <p:ext uri="{BB962C8B-B14F-4D97-AF65-F5344CB8AC3E}">
-        <p14:creationId xmlns:p14="http://schemas.microsoft.com/office/powerpoint/2010/main" val="3548027083"/>
-      </p:ext>
-    </p:extLst>
-  </p:cSld>
-  <p:clrMapOvr>
-    <a:masterClrMapping/>
-  </p:clrMapOvr>
-</p:sld>
-</file>
-
-<file path=ppt/slides/slide3.xml><?xml version="1.0" encoding="utf-8"?>
-<p:sld xmlns:a="http://schemas.openxmlformats.org/drawingml/2006/main" xmlns:r="http://schemas.openxmlformats.org/officeDocument/2006/relationships" xmlns:p="http://schemas.openxmlformats.org/presentationml/2006/main">
-  <p:cSld>
-    <p:spTree>
-      <p:nvGrpSpPr>
-        <p:cNvPr id="1" name=""/>
-        <p:cNvGrpSpPr/>
-        <p:nvPr/>
-      </p:nvGrpSpPr>
-      <p:grpSpPr>
-        <a:xfrm>
-          <a:off x="0" y="0"/>
-          <a:ext cx="0" cy="0"/>
-          <a:chOff x="0" y="0"/>
-          <a:chExt cx="0" cy="0"/>
-        </a:xfrm>
-      </p:grpSpPr>
-      <p:sp>
-        <p:nvSpPr>
-          <p:cNvPr id="2" name="Title 1">
-            <a:extLst>
-              <a:ext uri="{FF2B5EF4-FFF2-40B4-BE49-F238E27FC236}">
-                <a16:creationId xmlns:a16="http://schemas.microsoft.com/office/drawing/2014/main" id="{F41F0E99-07CC-9576-AFD7-C52151AD0EA3}"/>
-              </a:ext>
-            </a:extLst>
-          </p:cNvPr>
-          <p:cNvSpPr>
-            <a:spLocks noGrp="1"/>
-          </p:cNvSpPr>
-          <p:nvPr>
-            <p:ph type="ctrTitle"/>
-          </p:nvPr>
-        </p:nvSpPr>
-        <p:spPr/>
-        <p:txBody>
-          <a:bodyPr/>
-          <a:lstStyle/>
-          <a:p>
-            <a:r>
-              <a:rPr lang="en-US" i="0" dirty="0">
-                <a:effectLst/>
-                <a:latin typeface="fkGrotesk"/>
-              </a:rPr>
-              <a:t>Dataset Overview</a:t>
-            </a:r>
-            <a:endParaRPr lang="en-US" dirty="0"/>
-          </a:p>
-        </p:txBody>
-      </p:sp>
-      <p:sp>
-        <p:nvSpPr>
-          <p:cNvPr id="3" name="Subtitle 2">
-            <a:extLst>
-              <a:ext uri="{FF2B5EF4-FFF2-40B4-BE49-F238E27FC236}">
-                <a16:creationId xmlns:a16="http://schemas.microsoft.com/office/drawing/2014/main" id="{5A82A8B0-333F-633E-3FA7-D38DBFB10971}"/>
-              </a:ext>
-            </a:extLst>
-          </p:cNvPr>
-          <p:cNvSpPr>
-            <a:spLocks noGrp="1"/>
-          </p:cNvSpPr>
-          <p:nvPr>
-            <p:ph type="subTitle" idx="1"/>
-          </p:nvPr>
-        </p:nvSpPr>
-        <p:spPr/>
-        <p:txBody>
-          <a:bodyPr/>
-          <a:lstStyle/>
-          <a:p>
-            <a:pPr algn="l"/>
-            <a:r>
-              <a:rPr lang="en-GB" b="0" i="0" dirty="0">
-                <a:effectLst/>
-                <a:latin typeface="fkGroteskNeue"/>
-              </a:rPr>
-              <a:t>Source : Kaggle E-Commerce Data</a:t>
-            </a:r>
-          </a:p>
-          <a:p>
-            <a:pPr algn="l"/>
-            <a:r>
-              <a:rPr lang="en-GB" b="0" i="0" dirty="0">
-                <a:effectLst/>
-                <a:latin typeface="fkGroteskNeue"/>
-              </a:rPr>
-              <a:t>Records : ~500,000 transactions</a:t>
-            </a:r>
-          </a:p>
-          <a:p>
-            <a:pPr algn="l"/>
-            <a:r>
-              <a:rPr lang="en-GB" b="0" i="0" dirty="0">
-                <a:effectLst/>
-                <a:latin typeface="fkGroteskNeue"/>
-              </a:rPr>
-              <a:t>Fields : Order, Product, Customer, Country, Amount, Date</a:t>
-            </a:r>
-          </a:p>
-        </p:txBody>
-      </p:sp>
-    </p:spTree>
-    <p:extLst>
-      <p:ext uri="{BB962C8B-B14F-4D97-AF65-F5344CB8AC3E}">
-        <p14:creationId xmlns:p14="http://schemas.microsoft.com/office/powerpoint/2010/main" val="3380759881"/>
-      </p:ext>
-    </p:extLst>
-  </p:cSld>
-  <p:clrMapOvr>
-    <a:masterClrMapping/>
-  </p:clrMapOvr>
-</p:sld>
-</file>
-
-<file path=ppt/slides/slide4.xml><?xml version="1.0" encoding="utf-8"?>
-<p:sld xmlns:a="http://schemas.openxmlformats.org/drawingml/2006/main" xmlns:r="http://schemas.openxmlformats.org/officeDocument/2006/relationships" xmlns:p="http://schemas.openxmlformats.org/presentationml/2006/main">
-  <p:cSld>
-    <p:spTree>
-      <p:nvGrpSpPr>
-        <p:cNvPr id="1" name=""/>
-        <p:cNvGrpSpPr/>
-        <p:nvPr/>
-      </p:nvGrpSpPr>
-      <p:grpSpPr>
-        <a:xfrm>
-          <a:off x="0" y="0"/>
-          <a:ext cx="0" cy="0"/>
-          <a:chOff x="0" y="0"/>
-          <a:chExt cx="0" cy="0"/>
-        </a:xfrm>
-      </p:grpSpPr>
-      <p:sp>
-        <p:nvSpPr>
-          <p:cNvPr id="2" name="Title 1">
-            <a:extLst>
-              <a:ext uri="{FF2B5EF4-FFF2-40B4-BE49-F238E27FC236}">
-                <a16:creationId xmlns:a16="http://schemas.microsoft.com/office/drawing/2014/main" id="{797310B5-D907-A977-7A9C-69F8BEB7BB3F}"/>
-              </a:ext>
-            </a:extLst>
-          </p:cNvPr>
-          <p:cNvSpPr>
-            <a:spLocks noGrp="1"/>
-          </p:cNvSpPr>
-          <p:nvPr>
-            <p:ph type="ctrTitle"/>
-          </p:nvPr>
-        </p:nvSpPr>
-        <p:spPr/>
-        <p:txBody>
-          <a:bodyPr/>
-          <a:lstStyle/>
-          <a:p>
-            <a:r>
-              <a:rPr lang="en-US" dirty="0"/>
-              <a:t>Methodology</a:t>
-            </a:r>
-          </a:p>
-        </p:txBody>
-      </p:sp>
-      <p:sp>
-        <p:nvSpPr>
-          <p:cNvPr id="3" name="Subtitle 2">
-            <a:extLst>
-              <a:ext uri="{FF2B5EF4-FFF2-40B4-BE49-F238E27FC236}">
-                <a16:creationId xmlns:a16="http://schemas.microsoft.com/office/drawing/2014/main" id="{C05FF0B8-5B51-7376-0271-8D849CA3F8A8}"/>
-              </a:ext>
-            </a:extLst>
-          </p:cNvPr>
-          <p:cNvSpPr>
-            <a:spLocks noGrp="1"/>
-          </p:cNvSpPr>
-          <p:nvPr>
-            <p:ph type="subTitle" idx="1"/>
-          </p:nvPr>
-        </p:nvSpPr>
-        <p:spPr>
-          <a:xfrm>
-            <a:off x="2560320" y="3803904"/>
-            <a:ext cx="7068312" cy="2190496"/>
-          </a:xfrm>
-        </p:spPr>
-        <p:txBody>
-          <a:bodyPr/>
-          <a:lstStyle/>
-          <a:p>
-            <a:pPr marL="342900" indent="-342900">
-              <a:buFont typeface="Arial" panose="020B0604020202020204" pitchFamily="34" charset="0"/>
-              <a:buChar char="•"/>
-            </a:pPr>
-            <a:endParaRPr lang="en-GB" dirty="0"/>
-          </a:p>
-          <a:p>
-            <a:pPr marL="342900" indent="-342900">
-              <a:buFont typeface="Arial" panose="020B0604020202020204" pitchFamily="34" charset="0"/>
-              <a:buChar char="•"/>
-            </a:pPr>
-            <a:r>
-              <a:rPr lang="en-GB" dirty="0"/>
-              <a:t>Data cleaning/engineering in Python</a:t>
-            </a:r>
-          </a:p>
-          <a:p>
-            <a:pPr marL="342900" indent="-342900">
-              <a:buFont typeface="Arial" panose="020B0604020202020204" pitchFamily="34" charset="0"/>
-              <a:buChar char="•"/>
-            </a:pPr>
-            <a:r>
-              <a:rPr lang="en-GB" dirty="0"/>
-              <a:t>Exploratory &amp; advanced analytics</a:t>
-            </a:r>
-          </a:p>
-          <a:p>
-            <a:pPr marL="342900" indent="-342900">
-              <a:buFont typeface="Arial" panose="020B0604020202020204" pitchFamily="34" charset="0"/>
-              <a:buChar char="•"/>
-            </a:pPr>
-            <a:r>
-              <a:rPr lang="en-GB" dirty="0"/>
-              <a:t>Export &amp; dashboard in Excel</a:t>
-            </a:r>
-            <a:endParaRPr lang="en-US" dirty="0"/>
-          </a:p>
-        </p:txBody>
-      </p:sp>
-    </p:spTree>
-    <p:extLst>
-      <p:ext uri="{BB962C8B-B14F-4D97-AF65-F5344CB8AC3E}">
-        <p14:creationId xmlns:p14="http://schemas.microsoft.com/office/powerpoint/2010/main" val="548476299"/>
-      </p:ext>
-    </p:extLst>
-  </p:cSld>
-  <p:clrMapOvr>
-    <a:masterClrMapping/>
-  </p:clrMapOvr>
-</p:sld>
-</file>
-
-<file path=ppt/slides/slide5.xml><?xml version="1.0" encoding="utf-8"?>
-<p:sld xmlns:a="http://schemas.openxmlformats.org/drawingml/2006/main" xmlns:r="http://schemas.openxmlformats.org/officeDocument/2006/relationships" xmlns:p="http://schemas.openxmlformats.org/presentationml/2006/main">
-  <p:cSld>
-    <p:spTree>
-      <p:nvGrpSpPr>
-        <p:cNvPr id="1" name=""/>
-        <p:cNvGrpSpPr/>
-        <p:nvPr/>
-      </p:nvGrpSpPr>
-      <p:grpSpPr>
-        <a:xfrm>
-          <a:off x="0" y="0"/>
-          <a:ext cx="0" cy="0"/>
-          <a:chOff x="0" y="0"/>
-          <a:chExt cx="0" cy="0"/>
-        </a:xfrm>
-      </p:grpSpPr>
-      <p:sp>
-        <p:nvSpPr>
-          <p:cNvPr id="2" name="Title 1">
-            <a:extLst>
-              <a:ext uri="{FF2B5EF4-FFF2-40B4-BE49-F238E27FC236}">
-                <a16:creationId xmlns:a16="http://schemas.microsoft.com/office/drawing/2014/main" id="{C8152FE8-2F9C-9C12-4EB3-9742EA91D653}"/>
-              </a:ext>
-            </a:extLst>
-          </p:cNvPr>
-          <p:cNvSpPr>
-            <a:spLocks noGrp="1"/>
-          </p:cNvSpPr>
-          <p:nvPr>
-            <p:ph type="title"/>
-          </p:nvPr>
-        </p:nvSpPr>
-        <p:spPr/>
-        <p:txBody>
-          <a:bodyPr/>
-          <a:lstStyle/>
-          <a:p>
-            <a:r>
-              <a:rPr lang="en-US" i="0" dirty="0">
-                <a:effectLst/>
-                <a:latin typeface="fkGrotesk"/>
-              </a:rPr>
-              <a:t>Key Visualizations</a:t>
-            </a:r>
-          </a:p>
-        </p:txBody>
-      </p:sp>
-      <p:sp>
-        <p:nvSpPr>
-          <p:cNvPr id="5" name="Slide Number Placeholder 4">
-            <a:extLst>
-              <a:ext uri="{FF2B5EF4-FFF2-40B4-BE49-F238E27FC236}">
-                <a16:creationId xmlns:a16="http://schemas.microsoft.com/office/drawing/2014/main" id="{2A8E318B-D756-6C57-8657-96C836320839}"/>
-              </a:ext>
-            </a:extLst>
-          </p:cNvPr>
-          <p:cNvSpPr>
-            <a:spLocks noGrp="1"/>
-          </p:cNvSpPr>
-          <p:nvPr>
-            <p:ph type="sldNum" sz="quarter" idx="11"/>
-          </p:nvPr>
-        </p:nvSpPr>
-        <p:spPr/>
-        <p:txBody>
-          <a:bodyPr/>
-          <a:lstStyle/>
-          <a:p>
-            <a:fld id="{294A09A9-5501-47C1-A89A-A340965A2BE2}" type="slidenum">
-              <a:rPr lang="en-US" smtClean="0"/>
-              <a:pPr/>
-              <a:t>5</a:t>
-            </a:fld>
-            <a:endParaRPr lang="en-US" dirty="0"/>
-          </a:p>
-        </p:txBody>
-      </p:sp>
-      <p:sp>
-        <p:nvSpPr>
-          <p:cNvPr id="7" name="Content Placeholder 6">
-            <a:extLst>
-              <a:ext uri="{FF2B5EF4-FFF2-40B4-BE49-F238E27FC236}">
-                <a16:creationId xmlns:a16="http://schemas.microsoft.com/office/drawing/2014/main" id="{EB9E9746-B11F-C28B-3409-D2DD4C7103E7}"/>
-              </a:ext>
-            </a:extLst>
-          </p:cNvPr>
-          <p:cNvSpPr>
-            <a:spLocks noGrp="1"/>
-          </p:cNvSpPr>
-          <p:nvPr>
-            <p:ph idx="1"/>
-          </p:nvPr>
-        </p:nvSpPr>
-        <p:spPr/>
-        <p:txBody>
-          <a:bodyPr/>
-          <a:lstStyle/>
-          <a:p>
-            <a:pPr algn="l">
-              <a:buFont typeface="Arial" panose="020B0604020202020204" pitchFamily="34" charset="0"/>
-              <a:buChar char="•"/>
-            </a:pPr>
-            <a:endParaRPr lang="en-GB" b="0" i="0" dirty="0">
-              <a:effectLst/>
-              <a:latin typeface="fkGroteskNeue"/>
-            </a:endParaRPr>
-          </a:p>
-          <a:p>
-            <a:pPr algn="l">
-              <a:buFont typeface="Arial" panose="020B0604020202020204" pitchFamily="34" charset="0"/>
-              <a:buChar char="•"/>
-            </a:pPr>
-            <a:r>
-              <a:rPr lang="en-GB" b="0" i="0" dirty="0">
-                <a:effectLst/>
-                <a:latin typeface="fkGroteskNeue"/>
-              </a:rPr>
-              <a:t>Monthly Sales Trend (Line)</a:t>
-            </a:r>
-          </a:p>
-          <a:p>
-            <a:pPr algn="l">
-              <a:buFont typeface="Arial" panose="020B0604020202020204" pitchFamily="34" charset="0"/>
-              <a:buChar char="•"/>
-            </a:pPr>
-            <a:r>
-              <a:rPr lang="en-GB" b="0" i="0" dirty="0">
-                <a:effectLst/>
-                <a:latin typeface="fkGroteskNeue"/>
-              </a:rPr>
-              <a:t>Top Products (Bar)</a:t>
-            </a:r>
-          </a:p>
-          <a:p>
-            <a:pPr algn="l">
-              <a:buFont typeface="Arial" panose="020B0604020202020204" pitchFamily="34" charset="0"/>
-              <a:buChar char="•"/>
-            </a:pPr>
-            <a:r>
-              <a:rPr lang="en-GB" b="0" i="0" dirty="0">
-                <a:effectLst/>
-                <a:latin typeface="fkGroteskNeue"/>
-              </a:rPr>
-              <a:t>Sales Distribution (Histogram)</a:t>
-            </a:r>
-          </a:p>
-          <a:p>
-            <a:pPr algn="l">
-              <a:buFont typeface="Arial" panose="020B0604020202020204" pitchFamily="34" charset="0"/>
-              <a:buChar char="•"/>
-            </a:pPr>
-            <a:r>
-              <a:rPr lang="en-GB" b="0" i="0" dirty="0">
-                <a:effectLst/>
-                <a:latin typeface="fkGroteskNeue"/>
-              </a:rPr>
-              <a:t>Correlation Matrix (Heatmap)</a:t>
-            </a:r>
-          </a:p>
-          <a:p>
-            <a:pPr algn="l">
-              <a:buFont typeface="Arial" panose="020B0604020202020204" pitchFamily="34" charset="0"/>
-              <a:buChar char="•"/>
-            </a:pPr>
-            <a:r>
-              <a:rPr lang="en-GB" b="0" i="0" dirty="0">
-                <a:effectLst/>
-                <a:latin typeface="fkGroteskNeue"/>
-              </a:rPr>
-              <a:t>Boxplot (spread by product/country)</a:t>
-            </a:r>
-          </a:p>
-        </p:txBody>
-      </p:sp>
-    </p:spTree>
-    <p:extLst>
-      <p:ext uri="{BB962C8B-B14F-4D97-AF65-F5344CB8AC3E}">
-        <p14:creationId xmlns:p14="http://schemas.microsoft.com/office/powerpoint/2010/main" val="1372651910"/>
-      </p:ext>
-    </p:extLst>
-  </p:cSld>
-  <p:clrMapOvr>
-    <a:masterClrMapping/>
-  </p:clrMapOvr>
-</p:sld>
-</file>
-
-<file path=ppt/slides/slide6.xml><?xml version="1.0" encoding="utf-8"?>
-<p:sld xmlns:a="http://schemas.openxmlformats.org/drawingml/2006/main" xmlns:r="http://schemas.openxmlformats.org/officeDocument/2006/relationships" xmlns:p="http://schemas.openxmlformats.org/presentationml/2006/main">
-  <p:cSld>
-    <p:spTree>
-      <p:nvGrpSpPr>
-        <p:cNvPr id="1" name=""/>
-        <p:cNvGrpSpPr/>
-        <p:nvPr/>
-      </p:nvGrpSpPr>
-      <p:grpSpPr>
-        <a:xfrm>
-          <a:off x="0" y="0"/>
-          <a:ext cx="0" cy="0"/>
-          <a:chOff x="0" y="0"/>
-          <a:chExt cx="0" cy="0"/>
-        </a:xfrm>
-      </p:grpSpPr>
-      <p:sp>
-        <p:nvSpPr>
-          <p:cNvPr id="10" name="Title 9">
-            <a:extLst>
-              <a:ext uri="{FF2B5EF4-FFF2-40B4-BE49-F238E27FC236}">
-                <a16:creationId xmlns:a16="http://schemas.microsoft.com/office/drawing/2014/main" id="{A518BC33-C29D-9A47-94BA-8DDABCFAC9C3}"/>
-              </a:ext>
-            </a:extLst>
-          </p:cNvPr>
-          <p:cNvSpPr>
-            <a:spLocks noGrp="1"/>
-          </p:cNvSpPr>
-          <p:nvPr>
-            <p:ph type="title"/>
-          </p:nvPr>
-        </p:nvSpPr>
-        <p:spPr>
-          <a:xfrm>
-            <a:off x="773420" y="358136"/>
-            <a:ext cx="11136651" cy="1069848"/>
-          </a:xfrm>
-        </p:spPr>
-        <p:txBody>
-          <a:bodyPr/>
-          <a:lstStyle/>
-          <a:p>
-            <a:pPr algn="ctr"/>
-            <a:r>
-              <a:rPr lang="en-US" sz="3200" i="0" dirty="0">
-                <a:effectLst/>
-                <a:latin typeface="fkGroteskNeue"/>
-              </a:rPr>
-              <a:t>Monthly Sales Trend (Line)</a:t>
-            </a:r>
-            <a:endParaRPr lang="en-US" sz="3200" dirty="0"/>
-          </a:p>
-        </p:txBody>
-      </p:sp>
-      <p:pic>
-        <p:nvPicPr>
-          <p:cNvPr id="12" name="Picture 11" descr="A graph with purple lines and a line&#10;&#10;AI-generated content may be incorrect.">
-            <a:extLst>
-              <a:ext uri="{FF2B5EF4-FFF2-40B4-BE49-F238E27FC236}">
-                <a16:creationId xmlns:a16="http://schemas.microsoft.com/office/drawing/2014/main" id="{6D7C0869-F5A1-0F94-AC76-A326664C898C}"/>
-              </a:ext>
-            </a:extLst>
-          </p:cNvPr>
-          <p:cNvPicPr>
-            <a:picLocks noChangeAspect="1"/>
-          </p:cNvPicPr>
-          <p:nvPr/>
-        </p:nvPicPr>
-        <p:blipFill>
-          <a:blip r:embed="rId2"/>
-          <a:stretch>
-            <a:fillRect/>
-          </a:stretch>
-        </p:blipFill>
-        <p:spPr>
-          <a:xfrm>
-            <a:off x="900421" y="2110735"/>
-            <a:ext cx="4966979" cy="4389129"/>
-          </a:xfrm>
-          <a:prstGeom prst="rect">
-            <a:avLst/>
-          </a:prstGeom>
-        </p:spPr>
-      </p:pic>
-      <p:pic>
-        <p:nvPicPr>
-          <p:cNvPr id="17" name="Picture 16">
-            <a:extLst>
-              <a:ext uri="{FF2B5EF4-FFF2-40B4-BE49-F238E27FC236}">
-                <a16:creationId xmlns:a16="http://schemas.microsoft.com/office/drawing/2014/main" id="{0DD733BE-69F9-FB63-2C77-C1396EB7E31F}"/>
-              </a:ext>
-            </a:extLst>
-          </p:cNvPr>
-          <p:cNvPicPr>
-            <a:picLocks noChangeAspect="1"/>
-          </p:cNvPicPr>
-          <p:nvPr/>
-        </p:nvPicPr>
-        <p:blipFill>
-          <a:blip r:embed="rId3"/>
-          <a:stretch>
-            <a:fillRect/>
-          </a:stretch>
-        </p:blipFill>
-        <p:spPr>
-          <a:xfrm>
-            <a:off x="6096000" y="2809235"/>
-            <a:ext cx="5941072" cy="3485896"/>
-          </a:xfrm>
-          <a:prstGeom prst="rect">
-            <a:avLst/>
-          </a:prstGeom>
-        </p:spPr>
-      </p:pic>
-      <p:sp>
-        <p:nvSpPr>
-          <p:cNvPr id="2" name="Callout: Bent Line with No Border 1">
-            <a:extLst>
-              <a:ext uri="{FF2B5EF4-FFF2-40B4-BE49-F238E27FC236}">
-                <a16:creationId xmlns:a16="http://schemas.microsoft.com/office/drawing/2014/main" id="{1E4ACC9D-B6A7-7E0A-F476-C35C242CB66D}"/>
-              </a:ext>
-            </a:extLst>
-          </p:cNvPr>
-          <p:cNvSpPr/>
-          <p:nvPr/>
-        </p:nvSpPr>
-        <p:spPr>
-          <a:xfrm>
-            <a:off x="7617471" y="1308100"/>
-            <a:ext cx="4292600" cy="1295400"/>
-          </a:xfrm>
-          <a:prstGeom prst="callout2">
-            <a:avLst>
-              <a:gd name="adj1" fmla="val 23652"/>
-              <a:gd name="adj2" fmla="val 4389"/>
-              <a:gd name="adj3" fmla="val 18750"/>
-              <a:gd name="adj4" fmla="val -16667"/>
-              <a:gd name="adj5" fmla="val 112500"/>
-              <a:gd name="adj6" fmla="val -46667"/>
-            </a:avLst>
-          </a:prstGeom>
-          <a:noFill/>
-        </p:spPr>
-        <p:style>
-          <a:lnRef idx="2">
-            <a:schemeClr val="accent1">
-              <a:shade val="15000"/>
-            </a:schemeClr>
-          </a:lnRef>
-          <a:fillRef idx="1">
-            <a:schemeClr val="accent1"/>
-          </a:fillRef>
-          <a:effectRef idx="0">
-            <a:schemeClr val="accent1"/>
-          </a:effectRef>
-          <a:fontRef idx="minor">
-            <a:schemeClr val="lt1"/>
-          </a:fontRef>
-        </p:style>
-        <p:txBody>
-          <a:bodyPr rtlCol="0" anchor="ctr"/>
-          <a:lstStyle/>
-          <a:p>
-            <a:pPr algn="ctr"/>
-            <a:r>
-              <a:rPr lang="en-GB" sz="1600" b="0" i="0" spc="300" dirty="0">
-                <a:solidFill>
-                  <a:schemeClr val="bg1"/>
-                </a:solidFill>
-                <a:effectLst/>
-                <a:latin typeface="fkGroteskNeue"/>
-              </a:rPr>
-              <a:t>Plots total sales for each month to highlight seasonality and business cycles.</a:t>
-            </a:r>
-          </a:p>
-          <a:p>
-            <a:pPr algn="ctr"/>
-            <a:endParaRPr lang="en-US" sz="1600" spc="300" dirty="0">
-              <a:solidFill>
-                <a:schemeClr val="bg1"/>
-              </a:solidFill>
-            </a:endParaRPr>
-          </a:p>
-        </p:txBody>
-      </p:sp>
-    </p:spTree>
-    <p:extLst>
-      <p:ext uri="{BB962C8B-B14F-4D97-AF65-F5344CB8AC3E}">
-        <p14:creationId xmlns:p14="http://schemas.microsoft.com/office/powerpoint/2010/main" val="1208724409"/>
-      </p:ext>
-    </p:extLst>
-  </p:cSld>
-  <p:clrMapOvr>
-    <a:masterClrMapping/>
-  </p:clrMapOvr>
-</p:sld>
-</file>
-
-<file path=ppt/slides/slide7.xml><?xml version="1.0" encoding="utf-8"?>
-<p:sld xmlns:a="http://schemas.openxmlformats.org/drawingml/2006/main" xmlns:r="http://schemas.openxmlformats.org/officeDocument/2006/relationships" xmlns:p="http://schemas.openxmlformats.org/presentationml/2006/main">
-  <p:cSld>
-    <p:spTree>
-      <p:nvGrpSpPr>
-        <p:cNvPr id="1" name=""/>
-        <p:cNvGrpSpPr/>
-        <p:nvPr/>
-      </p:nvGrpSpPr>
-      <p:grpSpPr>
-        <a:xfrm>
-          <a:off x="0" y="0"/>
-          <a:ext cx="0" cy="0"/>
-          <a:chOff x="0" y="0"/>
-          <a:chExt cx="0" cy="0"/>
-        </a:xfrm>
-      </p:grpSpPr>
-      <p:sp>
-        <p:nvSpPr>
-          <p:cNvPr id="4" name="Slide Number Placeholder 3">
-            <a:extLst>
-              <a:ext uri="{FF2B5EF4-FFF2-40B4-BE49-F238E27FC236}">
-                <a16:creationId xmlns:a16="http://schemas.microsoft.com/office/drawing/2014/main" id="{5892D4D3-B35F-AB84-F0CE-8519140B9B0A}"/>
-              </a:ext>
-            </a:extLst>
-          </p:cNvPr>
-          <p:cNvSpPr>
-            <a:spLocks noGrp="1"/>
-          </p:cNvSpPr>
-          <p:nvPr>
-            <p:ph type="sldNum" sz="quarter" idx="12"/>
-          </p:nvPr>
-        </p:nvSpPr>
-        <p:spPr/>
-        <p:txBody>
-          <a:bodyPr/>
-          <a:lstStyle/>
-          <a:p>
-            <a:fld id="{294A09A9-5501-47C1-A89A-A340965A2BE2}" type="slidenum">
-              <a:rPr lang="en-US" smtClean="0"/>
-              <a:t>7</a:t>
-            </a:fld>
-            <a:endParaRPr lang="en-US" dirty="0"/>
-          </a:p>
-        </p:txBody>
-      </p:sp>
-      <p:sp>
-        <p:nvSpPr>
-          <p:cNvPr id="13" name="Title 12">
-            <a:extLst>
-              <a:ext uri="{FF2B5EF4-FFF2-40B4-BE49-F238E27FC236}">
-                <a16:creationId xmlns:a16="http://schemas.microsoft.com/office/drawing/2014/main" id="{C5567DCC-4651-8918-CDDB-16B442DC86BA}"/>
-              </a:ext>
-            </a:extLst>
-          </p:cNvPr>
-          <p:cNvSpPr txBox="1">
-            <a:spLocks noGrp="1"/>
-          </p:cNvSpPr>
-          <p:nvPr>
-            <p:ph type="title"/>
-          </p:nvPr>
-        </p:nvSpPr>
-        <p:spPr>
-          <a:xfrm>
-            <a:off x="850392" y="566928"/>
-            <a:ext cx="10880725" cy="1069975"/>
-          </a:xfrm>
-          <a:prstGeom prst="rect">
-            <a:avLst/>
-          </a:prstGeom>
-          <a:noFill/>
-        </p:spPr>
-        <p:txBody>
-          <a:bodyPr wrap="square" rtlCol="0">
-            <a:spAutoFit/>
-          </a:bodyPr>
-          <a:lstStyle/>
-          <a:p>
-            <a:pPr algn="ctr"/>
-            <a:r>
-              <a:rPr lang="en-US" sz="3200" b="1" i="0" spc="600" dirty="0">
-                <a:solidFill>
-                  <a:schemeClr val="bg1"/>
-                </a:solidFill>
-                <a:effectLst/>
-                <a:latin typeface="fkGroteskNeue"/>
-              </a:rPr>
-              <a:t>Top Products (Bar)</a:t>
-            </a:r>
-            <a:endParaRPr lang="en-US" sz="3200" b="1" spc="600" dirty="0">
-              <a:solidFill>
-                <a:schemeClr val="bg1"/>
-              </a:solidFill>
-              <a:latin typeface="fkGroteskNeue"/>
-            </a:endParaRPr>
-          </a:p>
-        </p:txBody>
-      </p:sp>
-      <p:pic>
-        <p:nvPicPr>
-          <p:cNvPr id="15" name="Picture 14" descr="A chart with colorful bars">
-            <a:extLst>
-              <a:ext uri="{FF2B5EF4-FFF2-40B4-BE49-F238E27FC236}">
-                <a16:creationId xmlns:a16="http://schemas.microsoft.com/office/drawing/2014/main" id="{681505B3-9C7A-0549-6CA8-AE2358F9A2DE}"/>
-              </a:ext>
-            </a:extLst>
-          </p:cNvPr>
-          <p:cNvPicPr>
-            <a:picLocks noChangeAspect="1"/>
-          </p:cNvPicPr>
-          <p:nvPr/>
-        </p:nvPicPr>
-        <p:blipFill>
-          <a:blip r:embed="rId2"/>
-          <a:stretch>
-            <a:fillRect/>
-          </a:stretch>
-        </p:blipFill>
-        <p:spPr>
-          <a:xfrm>
-            <a:off x="748021" y="1882776"/>
-            <a:ext cx="4497079" cy="4408296"/>
-          </a:xfrm>
-          <a:prstGeom prst="rect">
-            <a:avLst/>
-          </a:prstGeom>
-        </p:spPr>
-      </p:pic>
-      <p:pic>
-        <p:nvPicPr>
-          <p:cNvPr id="6" name="Picture 5">
-            <a:extLst>
-              <a:ext uri="{FF2B5EF4-FFF2-40B4-BE49-F238E27FC236}">
-                <a16:creationId xmlns:a16="http://schemas.microsoft.com/office/drawing/2014/main" id="{45956C8D-EE5D-937F-3541-EDA68B2506C4}"/>
-              </a:ext>
-            </a:extLst>
-          </p:cNvPr>
-          <p:cNvPicPr>
-            <a:picLocks noChangeAspect="1"/>
-          </p:cNvPicPr>
-          <p:nvPr/>
-        </p:nvPicPr>
-        <p:blipFill>
-          <a:blip r:embed="rId3"/>
-          <a:stretch>
-            <a:fillRect/>
-          </a:stretch>
-        </p:blipFill>
-        <p:spPr>
-          <a:xfrm>
-            <a:off x="5422900" y="3187700"/>
-            <a:ext cx="6654800" cy="2436964"/>
-          </a:xfrm>
-          <a:prstGeom prst="rect">
-            <a:avLst/>
-          </a:prstGeom>
-        </p:spPr>
-      </p:pic>
-      <p:sp>
-        <p:nvSpPr>
-          <p:cNvPr id="2" name="Callout: Bent Line with No Border 1">
-            <a:extLst>
-              <a:ext uri="{FF2B5EF4-FFF2-40B4-BE49-F238E27FC236}">
-                <a16:creationId xmlns:a16="http://schemas.microsoft.com/office/drawing/2014/main" id="{96E34149-CC88-384A-0E83-D93C24A59B0D}"/>
-              </a:ext>
-            </a:extLst>
-          </p:cNvPr>
-          <p:cNvSpPr/>
-          <p:nvPr/>
-        </p:nvSpPr>
-        <p:spPr>
-          <a:xfrm>
-            <a:off x="7176326" y="1877314"/>
-            <a:ext cx="3911600" cy="1069975"/>
-          </a:xfrm>
-          <a:prstGeom prst="callout2">
-            <a:avLst>
-              <a:gd name="adj1" fmla="val 23498"/>
-              <a:gd name="adj2" fmla="val 6602"/>
-              <a:gd name="adj3" fmla="val 17563"/>
-              <a:gd name="adj4" fmla="val -18290"/>
-              <a:gd name="adj5" fmla="val 89948"/>
-              <a:gd name="adj6" fmla="val -48290"/>
-            </a:avLst>
-          </a:prstGeom>
-          <a:noFill/>
-        </p:spPr>
-        <p:style>
-          <a:lnRef idx="2">
-            <a:schemeClr val="accent1">
-              <a:shade val="15000"/>
-            </a:schemeClr>
-          </a:lnRef>
-          <a:fillRef idx="1">
-            <a:schemeClr val="accent1"/>
-          </a:fillRef>
-          <a:effectRef idx="0">
-            <a:schemeClr val="accent1"/>
-          </a:effectRef>
-          <a:fontRef idx="minor">
-            <a:schemeClr val="lt1"/>
-          </a:fontRef>
-        </p:style>
-        <p:txBody>
-          <a:bodyPr rtlCol="0" anchor="ctr"/>
-          <a:lstStyle/>
-          <a:p>
-            <a:pPr algn="ctr"/>
-            <a:r>
-              <a:rPr lang="en-GB" b="0" i="0" spc="300" dirty="0">
                 <a:effectLst/>
                 <a:latin typeface="fkGroteskNeue"/>
               </a:rPr>
@@ -20880,7 +17862,7 @@
 </p:sld>
 </file>
 
-<file path=ppt/slides/slide8.xml><?xml version="1.0" encoding="utf-8"?>
+<file path=ppt/slides/slide13.xml><?xml version="1.0" encoding="utf-8"?>
 <p:sld xmlns:a="http://schemas.openxmlformats.org/drawingml/2006/main" xmlns:r="http://schemas.openxmlformats.org/officeDocument/2006/relationships" xmlns:p="http://schemas.openxmlformats.org/presentationml/2006/main">
   <p:cSld>
     <p:spTree>
@@ -21732,6 +18714,3913 @@
 </p:sld>
 </file>
 
+<file path=ppt/slides/slide14.xml><?xml version="1.0" encoding="utf-8"?>
+<p:sld xmlns:a="http://schemas.openxmlformats.org/drawingml/2006/main" xmlns:r="http://schemas.openxmlformats.org/officeDocument/2006/relationships" xmlns:p="http://schemas.openxmlformats.org/presentationml/2006/main">
+  <p:cSld>
+    <p:spTree>
+      <p:nvGrpSpPr>
+        <p:cNvPr id="1" name=""/>
+        <p:cNvGrpSpPr/>
+        <p:nvPr/>
+      </p:nvGrpSpPr>
+      <p:grpSpPr>
+        <a:xfrm>
+          <a:off x="0" y="0"/>
+          <a:ext cx="0" cy="0"/>
+          <a:chOff x="0" y="0"/>
+          <a:chExt cx="0" cy="0"/>
+        </a:xfrm>
+      </p:grpSpPr>
+      <p:sp>
+        <p:nvSpPr>
+          <p:cNvPr id="2" name="Title 1">
+            <a:extLst>
+              <a:ext uri="{FF2B5EF4-FFF2-40B4-BE49-F238E27FC236}">
+                <a16:creationId xmlns:a16="http://schemas.microsoft.com/office/drawing/2014/main" id="{B753EE81-32BD-FCE5-65D6-33C955BB29F9}"/>
+              </a:ext>
+            </a:extLst>
+          </p:cNvPr>
+          <p:cNvSpPr>
+            <a:spLocks noGrp="1"/>
+          </p:cNvSpPr>
+          <p:nvPr>
+            <p:ph type="title"/>
+          </p:nvPr>
+        </p:nvSpPr>
+        <p:spPr/>
+        <p:txBody>
+          <a:bodyPr/>
+          <a:lstStyle/>
+          <a:p>
+            <a:pPr algn="ctr"/>
+            <a:r>
+              <a:rPr lang="en-US" b="0" i="0" dirty="0">
+                <a:effectLst/>
+                <a:latin typeface="fkGroteskNeue"/>
+              </a:rPr>
+              <a:t>Correlation Matrix (Heatmap)</a:t>
+            </a:r>
+            <a:br>
+              <a:rPr lang="en-US" b="0" i="0" dirty="0">
+                <a:effectLst/>
+                <a:latin typeface="fkGroteskNeue"/>
+              </a:rPr>
+            </a:br>
+            <a:endParaRPr lang="en-US" dirty="0"/>
+          </a:p>
+        </p:txBody>
+      </p:sp>
+      <p:sp>
+        <p:nvSpPr>
+          <p:cNvPr id="4" name="Slide Number Placeholder 3">
+            <a:extLst>
+              <a:ext uri="{FF2B5EF4-FFF2-40B4-BE49-F238E27FC236}">
+                <a16:creationId xmlns:a16="http://schemas.microsoft.com/office/drawing/2014/main" id="{523591FF-6721-96E6-CE48-253DAE521798}"/>
+              </a:ext>
+            </a:extLst>
+          </p:cNvPr>
+          <p:cNvSpPr>
+            <a:spLocks noGrp="1"/>
+          </p:cNvSpPr>
+          <p:nvPr>
+            <p:ph type="sldNum" sz="quarter" idx="12"/>
+          </p:nvPr>
+        </p:nvSpPr>
+        <p:spPr/>
+        <p:txBody>
+          <a:bodyPr/>
+          <a:lstStyle/>
+          <a:p>
+            <a:fld id="{294A09A9-5501-47C1-A89A-A340965A2BE2}" type="slidenum">
+              <a:rPr lang="en-US" smtClean="0"/>
+              <a:t>14</a:t>
+            </a:fld>
+            <a:endParaRPr lang="en-US" dirty="0"/>
+          </a:p>
+        </p:txBody>
+      </p:sp>
+      <p:pic>
+        <p:nvPicPr>
+          <p:cNvPr id="12" name="Picture 11" descr="A graph of sales and sales&#10;&#10;AI-generated content may be incorrect.">
+            <a:extLst>
+              <a:ext uri="{FF2B5EF4-FFF2-40B4-BE49-F238E27FC236}">
+                <a16:creationId xmlns:a16="http://schemas.microsoft.com/office/drawing/2014/main" id="{F976295E-3EFF-6F8B-A0D9-B25E25AA73E4}"/>
+              </a:ext>
+            </a:extLst>
+          </p:cNvPr>
+          <p:cNvPicPr>
+            <a:picLocks noChangeAspect="1"/>
+          </p:cNvPicPr>
+          <p:nvPr/>
+        </p:nvPicPr>
+        <p:blipFill>
+          <a:blip r:embed="rId2">
+            <a:extLst>
+              <a:ext uri="{BEBA8EAE-BF5A-486C-A8C5-ECC9F3942E4B}">
+                <a14:imgProps xmlns:a14="http://schemas.microsoft.com/office/drawing/2010/main">
+                  <a14:imgLayer r:embed="rId3">
+                    <a14:imgEffect>
+                      <a14:brightnessContrast bright="20000" contrast="-20000"/>
+                    </a14:imgEffect>
+                  </a14:imgLayer>
+                </a14:imgProps>
+              </a:ext>
+            </a:extLst>
+          </a:blip>
+          <a:stretch>
+            <a:fillRect/>
+          </a:stretch>
+        </p:blipFill>
+        <p:spPr>
+          <a:xfrm>
+            <a:off x="685292" y="2025391"/>
+            <a:ext cx="5511808" cy="4000505"/>
+          </a:xfrm>
+          <a:prstGeom prst="rect">
+            <a:avLst/>
+          </a:prstGeom>
+        </p:spPr>
+      </p:pic>
+      <p:pic>
+        <p:nvPicPr>
+          <p:cNvPr id="14" name="Picture 13">
+            <a:extLst>
+              <a:ext uri="{FF2B5EF4-FFF2-40B4-BE49-F238E27FC236}">
+                <a16:creationId xmlns:a16="http://schemas.microsoft.com/office/drawing/2014/main" id="{ACD5805F-2590-E66A-FBB9-A66919A78808}"/>
+              </a:ext>
+            </a:extLst>
+          </p:cNvPr>
+          <p:cNvPicPr>
+            <a:picLocks noChangeAspect="1"/>
+          </p:cNvPicPr>
+          <p:nvPr/>
+        </p:nvPicPr>
+        <p:blipFill>
+          <a:blip r:embed="rId4"/>
+          <a:stretch>
+            <a:fillRect/>
+          </a:stretch>
+        </p:blipFill>
+        <p:spPr>
+          <a:xfrm>
+            <a:off x="6388100" y="2642871"/>
+            <a:ext cx="5715000" cy="1825744"/>
+          </a:xfrm>
+          <a:prstGeom prst="rect">
+            <a:avLst/>
+          </a:prstGeom>
+        </p:spPr>
+      </p:pic>
+      <p:sp>
+        <p:nvSpPr>
+          <p:cNvPr id="3" name="Callout: Bent Line with No Border 2">
+            <a:extLst>
+              <a:ext uri="{FF2B5EF4-FFF2-40B4-BE49-F238E27FC236}">
+                <a16:creationId xmlns:a16="http://schemas.microsoft.com/office/drawing/2014/main" id="{4A07308F-078E-5077-1FF7-BF6870BFF872}"/>
+              </a:ext>
+            </a:extLst>
+          </p:cNvPr>
+          <p:cNvSpPr/>
+          <p:nvPr/>
+        </p:nvSpPr>
+        <p:spPr>
+          <a:xfrm>
+            <a:off x="7315200" y="5108449"/>
+            <a:ext cx="4546600" cy="1406651"/>
+          </a:xfrm>
+          <a:prstGeom prst="callout2">
+            <a:avLst>
+              <a:gd name="adj1" fmla="val 41321"/>
+              <a:gd name="adj2" fmla="val 7030"/>
+              <a:gd name="adj3" fmla="val 50350"/>
+              <a:gd name="adj4" fmla="val -8007"/>
+              <a:gd name="adj5" fmla="val 8672"/>
+              <a:gd name="adj6" fmla="val -24041"/>
+            </a:avLst>
+          </a:prstGeom>
+          <a:noFill/>
+        </p:spPr>
+        <p:style>
+          <a:lnRef idx="2">
+            <a:schemeClr val="accent1">
+              <a:shade val="15000"/>
+            </a:schemeClr>
+          </a:lnRef>
+          <a:fillRef idx="1">
+            <a:schemeClr val="accent1"/>
+          </a:fillRef>
+          <a:effectRef idx="0">
+            <a:schemeClr val="accent1"/>
+          </a:effectRef>
+          <a:fontRef idx="minor">
+            <a:schemeClr val="lt1"/>
+          </a:fontRef>
+        </p:style>
+        <p:txBody>
+          <a:bodyPr rtlCol="0" anchor="ctr"/>
+          <a:lstStyle/>
+          <a:p>
+            <a:pPr algn="ctr"/>
+            <a:r>
+              <a:rPr lang="en-GB" b="0" i="0" spc="300" dirty="0">
+                <a:effectLst/>
+                <a:latin typeface="fkGroteskNeue"/>
+              </a:rPr>
+              <a:t>Visualizes relationships between quantity, price, and sales for analytical insights</a:t>
+            </a:r>
+            <a:endParaRPr lang="en-US" spc="300" dirty="0"/>
+          </a:p>
+        </p:txBody>
+      </p:sp>
+    </p:spTree>
+    <p:extLst>
+      <p:ext uri="{BB962C8B-B14F-4D97-AF65-F5344CB8AC3E}">
+        <p14:creationId xmlns:p14="http://schemas.microsoft.com/office/powerpoint/2010/main" val="3923763133"/>
+      </p:ext>
+    </p:extLst>
+  </p:cSld>
+  <p:clrMapOvr>
+    <a:masterClrMapping/>
+  </p:clrMapOvr>
+</p:sld>
+</file>
+
+<file path=ppt/slides/slide15.xml><?xml version="1.0" encoding="utf-8"?>
+<p:sld xmlns:a="http://schemas.openxmlformats.org/drawingml/2006/main" xmlns:r="http://schemas.openxmlformats.org/officeDocument/2006/relationships" xmlns:p="http://schemas.openxmlformats.org/presentationml/2006/main">
+  <p:cSld>
+    <p:spTree>
+      <p:nvGrpSpPr>
+        <p:cNvPr id="1" name=""/>
+        <p:cNvGrpSpPr/>
+        <p:nvPr/>
+      </p:nvGrpSpPr>
+      <p:grpSpPr>
+        <a:xfrm>
+          <a:off x="0" y="0"/>
+          <a:ext cx="0" cy="0"/>
+          <a:chOff x="0" y="0"/>
+          <a:chExt cx="0" cy="0"/>
+        </a:xfrm>
+      </p:grpSpPr>
+      <p:sp>
+        <p:nvSpPr>
+          <p:cNvPr id="2" name="Title 1">
+            <a:extLst>
+              <a:ext uri="{FF2B5EF4-FFF2-40B4-BE49-F238E27FC236}">
+                <a16:creationId xmlns:a16="http://schemas.microsoft.com/office/drawing/2014/main" id="{BF3CD953-A635-D345-3BF1-AD1A948B69EE}"/>
+              </a:ext>
+            </a:extLst>
+          </p:cNvPr>
+          <p:cNvSpPr>
+            <a:spLocks noGrp="1"/>
+          </p:cNvSpPr>
+          <p:nvPr>
+            <p:ph type="title"/>
+          </p:nvPr>
+        </p:nvSpPr>
+        <p:spPr/>
+        <p:txBody>
+          <a:bodyPr/>
+          <a:lstStyle/>
+          <a:p>
+            <a:pPr algn="ctr"/>
+            <a:r>
+              <a:rPr lang="en-GB" sz="3600" b="0" i="0" dirty="0">
+                <a:effectLst/>
+                <a:latin typeface="fkGroteskNeue"/>
+              </a:rPr>
+              <a:t>Boxplot (spread by product/country)</a:t>
+            </a:r>
+            <a:endParaRPr lang="en-US" sz="3600" dirty="0"/>
+          </a:p>
+        </p:txBody>
+      </p:sp>
+      <p:sp>
+        <p:nvSpPr>
+          <p:cNvPr id="4" name="Slide Number Placeholder 3">
+            <a:extLst>
+              <a:ext uri="{FF2B5EF4-FFF2-40B4-BE49-F238E27FC236}">
+                <a16:creationId xmlns:a16="http://schemas.microsoft.com/office/drawing/2014/main" id="{28E9B418-7A8B-8A30-2437-C15D0EDCD6E5}"/>
+              </a:ext>
+            </a:extLst>
+          </p:cNvPr>
+          <p:cNvSpPr>
+            <a:spLocks noGrp="1"/>
+          </p:cNvSpPr>
+          <p:nvPr>
+            <p:ph type="sldNum" sz="quarter" idx="12"/>
+          </p:nvPr>
+        </p:nvSpPr>
+        <p:spPr/>
+        <p:txBody>
+          <a:bodyPr/>
+          <a:lstStyle/>
+          <a:p>
+            <a:fld id="{294A09A9-5501-47C1-A89A-A340965A2BE2}" type="slidenum">
+              <a:rPr lang="en-US" smtClean="0"/>
+              <a:t>15</a:t>
+            </a:fld>
+            <a:endParaRPr lang="en-US" dirty="0"/>
+          </a:p>
+        </p:txBody>
+      </p:sp>
+      <p:pic>
+        <p:nvPicPr>
+          <p:cNvPr id="10" name="Picture 9" descr="A graph with blue and purple squares&#10;&#10;AI-generated content may be incorrect.">
+            <a:extLst>
+              <a:ext uri="{FF2B5EF4-FFF2-40B4-BE49-F238E27FC236}">
+                <a16:creationId xmlns:a16="http://schemas.microsoft.com/office/drawing/2014/main" id="{E9936247-EA4A-8C83-DA84-A4BCA64B3B61}"/>
+              </a:ext>
+            </a:extLst>
+          </p:cNvPr>
+          <p:cNvPicPr>
+            <a:picLocks noChangeAspect="1"/>
+          </p:cNvPicPr>
+          <p:nvPr/>
+        </p:nvPicPr>
+        <p:blipFill>
+          <a:blip r:embed="rId2"/>
+          <a:stretch>
+            <a:fillRect/>
+          </a:stretch>
+        </p:blipFill>
+        <p:spPr>
+          <a:xfrm>
+            <a:off x="965193" y="2120900"/>
+            <a:ext cx="5461007" cy="4343406"/>
+          </a:xfrm>
+          <a:prstGeom prst="rect">
+            <a:avLst/>
+          </a:prstGeom>
+        </p:spPr>
+      </p:pic>
+      <p:pic>
+        <p:nvPicPr>
+          <p:cNvPr id="14" name="Picture 13">
+            <a:extLst>
+              <a:ext uri="{FF2B5EF4-FFF2-40B4-BE49-F238E27FC236}">
+                <a16:creationId xmlns:a16="http://schemas.microsoft.com/office/drawing/2014/main" id="{20F99099-5A60-033A-2D25-9BAEE2AB2CEC}"/>
+              </a:ext>
+            </a:extLst>
+          </p:cNvPr>
+          <p:cNvPicPr>
+            <a:picLocks noChangeAspect="1"/>
+          </p:cNvPicPr>
+          <p:nvPr/>
+        </p:nvPicPr>
+        <p:blipFill>
+          <a:blip r:embed="rId3"/>
+          <a:stretch>
+            <a:fillRect/>
+          </a:stretch>
+        </p:blipFill>
+        <p:spPr>
+          <a:xfrm>
+            <a:off x="6565900" y="3827179"/>
+            <a:ext cx="5461006" cy="2257740"/>
+          </a:xfrm>
+          <a:prstGeom prst="rect">
+            <a:avLst/>
+          </a:prstGeom>
+        </p:spPr>
+      </p:pic>
+      <p:sp>
+        <p:nvSpPr>
+          <p:cNvPr id="3" name="Callout: Bent Line with No Border 2">
+            <a:extLst>
+              <a:ext uri="{FF2B5EF4-FFF2-40B4-BE49-F238E27FC236}">
+                <a16:creationId xmlns:a16="http://schemas.microsoft.com/office/drawing/2014/main" id="{C5BC132A-69A7-418F-D69E-A182EE26D60A}"/>
+              </a:ext>
+            </a:extLst>
+          </p:cNvPr>
+          <p:cNvSpPr/>
+          <p:nvPr/>
+        </p:nvSpPr>
+        <p:spPr>
+          <a:xfrm>
+            <a:off x="7899400" y="2120900"/>
+            <a:ext cx="3225800" cy="1069848"/>
+          </a:xfrm>
+          <a:prstGeom prst="callout2">
+            <a:avLst>
+              <a:gd name="adj1" fmla="val 38932"/>
+              <a:gd name="adj2" fmla="val 3871"/>
+              <a:gd name="adj3" fmla="val 36556"/>
+              <a:gd name="adj4" fmla="val -16667"/>
+              <a:gd name="adj5" fmla="val 110126"/>
+              <a:gd name="adj6" fmla="val -45880"/>
+            </a:avLst>
+          </a:prstGeom>
+          <a:noFill/>
+        </p:spPr>
+        <p:style>
+          <a:lnRef idx="2">
+            <a:schemeClr val="accent1">
+              <a:shade val="15000"/>
+            </a:schemeClr>
+          </a:lnRef>
+          <a:fillRef idx="1">
+            <a:schemeClr val="accent1"/>
+          </a:fillRef>
+          <a:effectRef idx="0">
+            <a:schemeClr val="accent1"/>
+          </a:effectRef>
+          <a:fontRef idx="minor">
+            <a:schemeClr val="lt1"/>
+          </a:fontRef>
+        </p:style>
+        <p:txBody>
+          <a:bodyPr rtlCol="0" anchor="ctr"/>
+          <a:lstStyle/>
+          <a:p>
+            <a:pPr algn="ctr"/>
+            <a:r>
+              <a:rPr lang="en-GB" b="0" i="0" spc="300" dirty="0">
+                <a:effectLst/>
+                <a:latin typeface="fkGroteskNeue"/>
+              </a:rPr>
+              <a:t>Illustrates the spread and variability of sales in each product or region group</a:t>
+            </a:r>
+            <a:endParaRPr lang="en-US" spc="300" dirty="0"/>
+          </a:p>
+        </p:txBody>
+      </p:sp>
+    </p:spTree>
+    <p:extLst>
+      <p:ext uri="{BB962C8B-B14F-4D97-AF65-F5344CB8AC3E}">
+        <p14:creationId xmlns:p14="http://schemas.microsoft.com/office/powerpoint/2010/main" val="802820097"/>
+      </p:ext>
+    </p:extLst>
+  </p:cSld>
+  <p:clrMapOvr>
+    <a:masterClrMapping/>
+  </p:clrMapOvr>
+</p:sld>
+</file>
+
+<file path=ppt/slides/slide16.xml><?xml version="1.0" encoding="utf-8"?>
+<p:sld xmlns:a="http://schemas.openxmlformats.org/drawingml/2006/main" xmlns:r="http://schemas.openxmlformats.org/officeDocument/2006/relationships" xmlns:p="http://schemas.openxmlformats.org/presentationml/2006/main">
+  <p:cSld>
+    <p:spTree>
+      <p:nvGrpSpPr>
+        <p:cNvPr id="1" name=""/>
+        <p:cNvGrpSpPr/>
+        <p:nvPr/>
+      </p:nvGrpSpPr>
+      <p:grpSpPr>
+        <a:xfrm>
+          <a:off x="0" y="0"/>
+          <a:ext cx="0" cy="0"/>
+          <a:chOff x="0" y="0"/>
+          <a:chExt cx="0" cy="0"/>
+        </a:xfrm>
+      </p:grpSpPr>
+      <p:sp>
+        <p:nvSpPr>
+          <p:cNvPr id="2" name="Title 1">
+            <a:extLst>
+              <a:ext uri="{FF2B5EF4-FFF2-40B4-BE49-F238E27FC236}">
+                <a16:creationId xmlns:a16="http://schemas.microsoft.com/office/drawing/2014/main" id="{65340DAA-3369-2D76-3F94-CA94FF10E261}"/>
+              </a:ext>
+            </a:extLst>
+          </p:cNvPr>
+          <p:cNvSpPr>
+            <a:spLocks noGrp="1"/>
+          </p:cNvSpPr>
+          <p:nvPr>
+            <p:ph type="title"/>
+          </p:nvPr>
+        </p:nvSpPr>
+        <p:spPr/>
+        <p:txBody>
+          <a:bodyPr/>
+          <a:lstStyle/>
+          <a:p>
+            <a:pPr algn="ctr"/>
+            <a:r>
+              <a:rPr lang="en-US" dirty="0"/>
+              <a:t>Time Trend Decomposition</a:t>
+            </a:r>
+          </a:p>
+        </p:txBody>
+      </p:sp>
+      <p:sp>
+        <p:nvSpPr>
+          <p:cNvPr id="4" name="Slide Number Placeholder 3">
+            <a:extLst>
+              <a:ext uri="{FF2B5EF4-FFF2-40B4-BE49-F238E27FC236}">
+                <a16:creationId xmlns:a16="http://schemas.microsoft.com/office/drawing/2014/main" id="{A1B9B891-8FAC-BE73-C1A8-BD08C03FAC1F}"/>
+              </a:ext>
+            </a:extLst>
+          </p:cNvPr>
+          <p:cNvSpPr>
+            <a:spLocks noGrp="1"/>
+          </p:cNvSpPr>
+          <p:nvPr>
+            <p:ph type="sldNum" sz="quarter" idx="12"/>
+          </p:nvPr>
+        </p:nvSpPr>
+        <p:spPr/>
+        <p:txBody>
+          <a:bodyPr/>
+          <a:lstStyle/>
+          <a:p>
+            <a:fld id="{294A09A9-5501-47C1-A89A-A340965A2BE2}" type="slidenum">
+              <a:rPr lang="en-US" smtClean="0"/>
+              <a:t>16</a:t>
+            </a:fld>
+            <a:endParaRPr lang="en-US" dirty="0"/>
+          </a:p>
+        </p:txBody>
+      </p:sp>
+      <p:pic>
+        <p:nvPicPr>
+          <p:cNvPr id="6" name="Picture 5" descr="A graph of different types of data&#10;&#10;AI-generated content may be incorrect.">
+            <a:extLst>
+              <a:ext uri="{FF2B5EF4-FFF2-40B4-BE49-F238E27FC236}">
+                <a16:creationId xmlns:a16="http://schemas.microsoft.com/office/drawing/2014/main" id="{8A62D7F0-F92A-3822-A771-1E45927612C1}"/>
+              </a:ext>
+            </a:extLst>
+          </p:cNvPr>
+          <p:cNvPicPr>
+            <a:picLocks noChangeAspect="1"/>
+          </p:cNvPicPr>
+          <p:nvPr/>
+        </p:nvPicPr>
+        <p:blipFill>
+          <a:blip r:embed="rId2"/>
+          <a:stretch>
+            <a:fillRect/>
+          </a:stretch>
+        </p:blipFill>
+        <p:spPr>
+          <a:xfrm>
+            <a:off x="850392" y="2644135"/>
+            <a:ext cx="5339086" cy="3591565"/>
+          </a:xfrm>
+          <a:prstGeom prst="rect">
+            <a:avLst/>
+          </a:prstGeom>
+        </p:spPr>
+      </p:pic>
+      <p:pic>
+        <p:nvPicPr>
+          <p:cNvPr id="8" name="Picture 7">
+            <a:extLst>
+              <a:ext uri="{FF2B5EF4-FFF2-40B4-BE49-F238E27FC236}">
+                <a16:creationId xmlns:a16="http://schemas.microsoft.com/office/drawing/2014/main" id="{BFB035D4-712C-29EF-56D3-6D231F981F0F}"/>
+              </a:ext>
+            </a:extLst>
+          </p:cNvPr>
+          <p:cNvPicPr>
+            <a:picLocks noChangeAspect="1"/>
+          </p:cNvPicPr>
+          <p:nvPr/>
+        </p:nvPicPr>
+        <p:blipFill>
+          <a:blip r:embed="rId3"/>
+          <a:stretch>
+            <a:fillRect/>
+          </a:stretch>
+        </p:blipFill>
+        <p:spPr>
+          <a:xfrm>
+            <a:off x="6367271" y="3984504"/>
+            <a:ext cx="5630061" cy="1733792"/>
+          </a:xfrm>
+          <a:prstGeom prst="rect">
+            <a:avLst/>
+          </a:prstGeom>
+        </p:spPr>
+      </p:pic>
+      <p:sp>
+        <p:nvSpPr>
+          <p:cNvPr id="5" name="Callout: Bent Line with No Border 4">
+            <a:extLst>
+              <a:ext uri="{FF2B5EF4-FFF2-40B4-BE49-F238E27FC236}">
+                <a16:creationId xmlns:a16="http://schemas.microsoft.com/office/drawing/2014/main" id="{20A5DD19-431B-751D-D215-A690B4A2339A}"/>
+              </a:ext>
+            </a:extLst>
+          </p:cNvPr>
+          <p:cNvSpPr/>
+          <p:nvPr/>
+        </p:nvSpPr>
+        <p:spPr>
+          <a:xfrm>
+            <a:off x="7532623" y="1901952"/>
+            <a:ext cx="4199129" cy="1527048"/>
+          </a:xfrm>
+          <a:prstGeom prst="callout2">
+            <a:avLst>
+              <a:gd name="adj1" fmla="val 33720"/>
+              <a:gd name="adj2" fmla="val 14350"/>
+              <a:gd name="adj3" fmla="val 35383"/>
+              <a:gd name="adj4" fmla="val -12433"/>
+              <a:gd name="adj5" fmla="val 72580"/>
+              <a:gd name="adj6" fmla="val -31847"/>
+            </a:avLst>
+          </a:prstGeom>
+          <a:noFill/>
+        </p:spPr>
+        <p:style>
+          <a:lnRef idx="2">
+            <a:schemeClr val="accent1">
+              <a:shade val="15000"/>
+            </a:schemeClr>
+          </a:lnRef>
+          <a:fillRef idx="1">
+            <a:schemeClr val="accent1"/>
+          </a:fillRef>
+          <a:effectRef idx="0">
+            <a:schemeClr val="accent1"/>
+          </a:effectRef>
+          <a:fontRef idx="minor">
+            <a:schemeClr val="lt1"/>
+          </a:fontRef>
+        </p:style>
+        <p:txBody>
+          <a:bodyPr rtlCol="0" anchor="ctr"/>
+          <a:lstStyle/>
+          <a:p>
+            <a:pPr algn="ctr"/>
+            <a:r>
+              <a:rPr lang="en-GB" b="0" i="0" spc="300" dirty="0">
+                <a:effectLst/>
+                <a:latin typeface="fkGroteskNeue"/>
+              </a:rPr>
+              <a:t>Separates sales data into trend, seasonality, and residuals to reveal underlying business patterns.</a:t>
+            </a:r>
+          </a:p>
+          <a:p>
+            <a:pPr algn="ctr"/>
+            <a:endParaRPr lang="en-US" spc="300" dirty="0"/>
+          </a:p>
+        </p:txBody>
+      </p:sp>
+    </p:spTree>
+    <p:extLst>
+      <p:ext uri="{BB962C8B-B14F-4D97-AF65-F5344CB8AC3E}">
+        <p14:creationId xmlns:p14="http://schemas.microsoft.com/office/powerpoint/2010/main" val="2973226804"/>
+      </p:ext>
+    </p:extLst>
+  </p:cSld>
+  <p:clrMapOvr>
+    <a:masterClrMapping/>
+  </p:clrMapOvr>
+</p:sld>
+</file>
+
+<file path=ppt/slides/slide17.xml><?xml version="1.0" encoding="utf-8"?>
+<p:sld xmlns:a="http://schemas.openxmlformats.org/drawingml/2006/main" xmlns:r="http://schemas.openxmlformats.org/officeDocument/2006/relationships" xmlns:p="http://schemas.openxmlformats.org/presentationml/2006/main">
+  <p:cSld>
+    <p:spTree>
+      <p:nvGrpSpPr>
+        <p:cNvPr id="1" name=""/>
+        <p:cNvGrpSpPr/>
+        <p:nvPr/>
+      </p:nvGrpSpPr>
+      <p:grpSpPr>
+        <a:xfrm>
+          <a:off x="0" y="0"/>
+          <a:ext cx="0" cy="0"/>
+          <a:chOff x="0" y="0"/>
+          <a:chExt cx="0" cy="0"/>
+        </a:xfrm>
+      </p:grpSpPr>
+      <p:pic>
+        <p:nvPicPr>
+          <p:cNvPr id="12" name="Picture 11">
+            <a:extLst>
+              <a:ext uri="{FF2B5EF4-FFF2-40B4-BE49-F238E27FC236}">
+                <a16:creationId xmlns:a16="http://schemas.microsoft.com/office/drawing/2014/main" id="{D748286D-8AD0-7416-A94F-9D867D50CFC3}"/>
+              </a:ext>
+            </a:extLst>
+          </p:cNvPr>
+          <p:cNvPicPr>
+            <a:picLocks noChangeAspect="1"/>
+          </p:cNvPicPr>
+          <p:nvPr/>
+        </p:nvPicPr>
+        <p:blipFill>
+          <a:blip r:embed="rId2"/>
+          <a:stretch>
+            <a:fillRect/>
+          </a:stretch>
+        </p:blipFill>
+        <p:spPr>
+          <a:xfrm>
+            <a:off x="250443" y="2917734"/>
+            <a:ext cx="5845557" cy="3698966"/>
+          </a:xfrm>
+          <a:prstGeom prst="rect">
+            <a:avLst/>
+          </a:prstGeom>
+        </p:spPr>
+      </p:pic>
+      <p:pic>
+        <p:nvPicPr>
+          <p:cNvPr id="14" name="Picture 13">
+            <a:extLst>
+              <a:ext uri="{FF2B5EF4-FFF2-40B4-BE49-F238E27FC236}">
+                <a16:creationId xmlns:a16="http://schemas.microsoft.com/office/drawing/2014/main" id="{E3AADE42-A72B-A15E-9A08-1448DCBA8245}"/>
+              </a:ext>
+            </a:extLst>
+          </p:cNvPr>
+          <p:cNvPicPr>
+            <a:picLocks noChangeAspect="1"/>
+          </p:cNvPicPr>
+          <p:nvPr/>
+        </p:nvPicPr>
+        <p:blipFill>
+          <a:blip r:embed="rId3"/>
+          <a:stretch>
+            <a:fillRect/>
+          </a:stretch>
+        </p:blipFill>
+        <p:spPr>
+          <a:xfrm>
+            <a:off x="6623320" y="1422400"/>
+            <a:ext cx="5124180" cy="4064307"/>
+          </a:xfrm>
+          <a:prstGeom prst="rect">
+            <a:avLst/>
+          </a:prstGeom>
+        </p:spPr>
+      </p:pic>
+      <p:sp>
+        <p:nvSpPr>
+          <p:cNvPr id="15" name="TextBox 14">
+            <a:extLst>
+              <a:ext uri="{FF2B5EF4-FFF2-40B4-BE49-F238E27FC236}">
+                <a16:creationId xmlns:a16="http://schemas.microsoft.com/office/drawing/2014/main" id="{AD03366F-D6D3-5F09-8B23-E3341C9D124D}"/>
+              </a:ext>
+            </a:extLst>
+          </p:cNvPr>
+          <p:cNvSpPr txBox="1"/>
+          <p:nvPr/>
+        </p:nvSpPr>
+        <p:spPr>
+          <a:xfrm>
+            <a:off x="3606800" y="241300"/>
+            <a:ext cx="5422900" cy="707886"/>
+          </a:xfrm>
+          <a:prstGeom prst="rect">
+            <a:avLst/>
+          </a:prstGeom>
+          <a:noFill/>
+        </p:spPr>
+        <p:txBody>
+          <a:bodyPr wrap="square" rtlCol="0">
+            <a:spAutoFit/>
+          </a:bodyPr>
+          <a:lstStyle/>
+          <a:p>
+            <a:pPr algn="ctr"/>
+            <a:r>
+              <a:rPr lang="en-US" sz="4000" b="0" i="0" spc="300" dirty="0">
+                <a:solidFill>
+                  <a:schemeClr val="bg1"/>
+                </a:solidFill>
+                <a:effectLst/>
+                <a:latin typeface="fkGrotesk"/>
+              </a:rPr>
+              <a:t>Dashboard Highlights</a:t>
+            </a:r>
+          </a:p>
+        </p:txBody>
+      </p:sp>
+      <p:sp>
+        <p:nvSpPr>
+          <p:cNvPr id="16" name="TextBox 15">
+            <a:extLst>
+              <a:ext uri="{FF2B5EF4-FFF2-40B4-BE49-F238E27FC236}">
+                <a16:creationId xmlns:a16="http://schemas.microsoft.com/office/drawing/2014/main" id="{BEA76A5C-8549-3650-0C00-188C348C54AC}"/>
+              </a:ext>
+            </a:extLst>
+          </p:cNvPr>
+          <p:cNvSpPr txBox="1"/>
+          <p:nvPr/>
+        </p:nvSpPr>
+        <p:spPr>
+          <a:xfrm>
+            <a:off x="860043" y="1485900"/>
+            <a:ext cx="5235957" cy="1200329"/>
+          </a:xfrm>
+          <a:prstGeom prst="rect">
+            <a:avLst/>
+          </a:prstGeom>
+          <a:noFill/>
+        </p:spPr>
+        <p:txBody>
+          <a:bodyPr wrap="square" rtlCol="0">
+            <a:spAutoFit/>
+          </a:bodyPr>
+          <a:lstStyle/>
+          <a:p>
+            <a:r>
+              <a:rPr lang="en-GB" b="0" i="0" spc="300" dirty="0">
+                <a:solidFill>
+                  <a:schemeClr val="bg1"/>
+                </a:solidFill>
+                <a:effectLst/>
+                <a:latin typeface="fkGroteskNeue"/>
+              </a:rPr>
+              <a:t>Easily filter sales by country or month using slicers.</a:t>
+            </a:r>
+          </a:p>
+          <a:p>
+            <a:r>
+              <a:rPr lang="en-GB" b="0" i="0" spc="300" dirty="0">
+                <a:solidFill>
+                  <a:schemeClr val="bg1"/>
+                </a:solidFill>
+                <a:effectLst/>
+                <a:latin typeface="fkGroteskNeue"/>
+              </a:rPr>
+              <a:t>Axis formats set to Lakhs; charts update automatically</a:t>
+            </a:r>
+            <a:endParaRPr lang="en-US" spc="300" dirty="0">
+              <a:solidFill>
+                <a:schemeClr val="bg1"/>
+              </a:solidFill>
+            </a:endParaRPr>
+          </a:p>
+        </p:txBody>
+      </p:sp>
+      <p:sp>
+        <p:nvSpPr>
+          <p:cNvPr id="17" name="TextBox 16">
+            <a:extLst>
+              <a:ext uri="{FF2B5EF4-FFF2-40B4-BE49-F238E27FC236}">
+                <a16:creationId xmlns:a16="http://schemas.microsoft.com/office/drawing/2014/main" id="{BCA1DFDE-82C7-504A-C546-B39A319149E3}"/>
+              </a:ext>
+            </a:extLst>
+          </p:cNvPr>
+          <p:cNvSpPr txBox="1"/>
+          <p:nvPr/>
+        </p:nvSpPr>
+        <p:spPr>
+          <a:xfrm>
+            <a:off x="6623320" y="5780176"/>
+            <a:ext cx="5318237" cy="923330"/>
+          </a:xfrm>
+          <a:prstGeom prst="rect">
+            <a:avLst/>
+          </a:prstGeom>
+          <a:noFill/>
+        </p:spPr>
+        <p:txBody>
+          <a:bodyPr wrap="square" rtlCol="0">
+            <a:spAutoFit/>
+          </a:bodyPr>
+          <a:lstStyle/>
+          <a:p>
+            <a:r>
+              <a:rPr lang="en-GB" b="0" i="0" spc="300" dirty="0">
+                <a:solidFill>
+                  <a:schemeClr val="bg1"/>
+                </a:solidFill>
+                <a:effectLst/>
+                <a:latin typeface="fkGroteskNeue"/>
+              </a:rPr>
+              <a:t>Managers can identify monthly trends, top products, and regional performance at a glance</a:t>
+            </a:r>
+            <a:endParaRPr lang="en-US" spc="300" dirty="0">
+              <a:solidFill>
+                <a:schemeClr val="bg1"/>
+              </a:solidFill>
+            </a:endParaRPr>
+          </a:p>
+        </p:txBody>
+      </p:sp>
+      <p:cxnSp>
+        <p:nvCxnSpPr>
+          <p:cNvPr id="20" name="Connector: Curved 19">
+            <a:extLst>
+              <a:ext uri="{FF2B5EF4-FFF2-40B4-BE49-F238E27FC236}">
+                <a16:creationId xmlns:a16="http://schemas.microsoft.com/office/drawing/2014/main" id="{50338565-0F9E-AFD7-2933-D2445DBB8266}"/>
+              </a:ext>
+            </a:extLst>
+          </p:cNvPr>
+          <p:cNvCxnSpPr>
+            <a:cxnSpLocks/>
+          </p:cNvCxnSpPr>
+          <p:nvPr/>
+        </p:nvCxnSpPr>
+        <p:spPr>
+          <a:xfrm rot="5400000" flipH="1" flipV="1">
+            <a:off x="430021" y="3532379"/>
+            <a:ext cx="533400" cy="326643"/>
+          </a:xfrm>
+          <a:prstGeom prst="curvedConnector3">
+            <a:avLst/>
+          </a:prstGeom>
+          <a:ln>
+            <a:solidFill>
+              <a:schemeClr val="tx1"/>
+            </a:solidFill>
+            <a:headEnd type="triangle"/>
+            <a:tailEnd type="triangle"/>
+          </a:ln>
+        </p:spPr>
+        <p:style>
+          <a:lnRef idx="1">
+            <a:schemeClr val="accent1"/>
+          </a:lnRef>
+          <a:fillRef idx="0">
+            <a:schemeClr val="accent1"/>
+          </a:fillRef>
+          <a:effectRef idx="0">
+            <a:schemeClr val="accent1"/>
+          </a:effectRef>
+          <a:fontRef idx="minor">
+            <a:schemeClr val="tx1"/>
+          </a:fontRef>
+        </p:style>
+      </p:cxnSp>
+      <p:grpSp>
+        <p:nvGrpSpPr>
+          <p:cNvPr id="26" name="Group 25">
+            <a:extLst>
+              <a:ext uri="{FF2B5EF4-FFF2-40B4-BE49-F238E27FC236}">
+                <a16:creationId xmlns:a16="http://schemas.microsoft.com/office/drawing/2014/main" id="{817FC84D-E6D8-69B7-D627-B62847B598D6}"/>
+              </a:ext>
+            </a:extLst>
+          </p:cNvPr>
+          <p:cNvGrpSpPr/>
+          <p:nvPr/>
+        </p:nvGrpSpPr>
+        <p:grpSpPr>
+          <a:xfrm>
+            <a:off x="533399" y="3066439"/>
+            <a:ext cx="1280922" cy="376103"/>
+            <a:chOff x="533399" y="3066439"/>
+            <a:chExt cx="1280922" cy="376103"/>
+          </a:xfrm>
+        </p:grpSpPr>
+        <p:sp>
+          <p:nvSpPr>
+            <p:cNvPr id="25" name="Scroll: Horizontal 24">
+              <a:extLst>
+                <a:ext uri="{FF2B5EF4-FFF2-40B4-BE49-F238E27FC236}">
+                  <a16:creationId xmlns:a16="http://schemas.microsoft.com/office/drawing/2014/main" id="{96E466A1-E600-CA7A-4182-193C5215E609}"/>
+                </a:ext>
+              </a:extLst>
+            </p:cNvPr>
+            <p:cNvSpPr/>
+            <p:nvPr/>
+          </p:nvSpPr>
+          <p:spPr>
+            <a:xfrm>
+              <a:off x="533399" y="3073210"/>
+              <a:ext cx="1117600" cy="369332"/>
+            </a:xfrm>
+            <a:prstGeom prst="horizontalScroll">
+              <a:avLst/>
+            </a:prstGeom>
+            <a:solidFill>
+              <a:schemeClr val="tx1">
+                <a:lumMod val="75000"/>
+                <a:lumOff val="25000"/>
+              </a:schemeClr>
+            </a:solidFill>
+            <a:ln>
+              <a:solidFill>
+                <a:schemeClr val="tx1"/>
+              </a:solidFill>
+            </a:ln>
+          </p:spPr>
+          <p:style>
+            <a:lnRef idx="2">
+              <a:schemeClr val="accent6"/>
+            </a:lnRef>
+            <a:fillRef idx="1">
+              <a:schemeClr val="lt1"/>
+            </a:fillRef>
+            <a:effectRef idx="0">
+              <a:schemeClr val="accent6"/>
+            </a:effectRef>
+            <a:fontRef idx="minor">
+              <a:schemeClr val="dk1"/>
+            </a:fontRef>
+          </p:style>
+          <p:txBody>
+            <a:bodyPr rtlCol="0" anchor="ctr"/>
+            <a:lstStyle/>
+            <a:p>
+              <a:pPr algn="ctr"/>
+              <a:endParaRPr lang="en-US" dirty="0"/>
+            </a:p>
+          </p:txBody>
+        </p:sp>
+        <p:sp>
+          <p:nvSpPr>
+            <p:cNvPr id="21" name="TextBox 20">
+              <a:extLst>
+                <a:ext uri="{FF2B5EF4-FFF2-40B4-BE49-F238E27FC236}">
+                  <a16:creationId xmlns:a16="http://schemas.microsoft.com/office/drawing/2014/main" id="{74F0320E-CA86-A264-0841-75A3BB88AD70}"/>
+                </a:ext>
+              </a:extLst>
+            </p:cNvPr>
+            <p:cNvSpPr txBox="1"/>
+            <p:nvPr/>
+          </p:nvSpPr>
+          <p:spPr>
+            <a:xfrm>
+              <a:off x="696721" y="3066439"/>
+              <a:ext cx="1117600" cy="369332"/>
+            </a:xfrm>
+            <a:prstGeom prst="rect">
+              <a:avLst/>
+            </a:prstGeom>
+            <a:noFill/>
+          </p:spPr>
+          <p:txBody>
+            <a:bodyPr wrap="square" rtlCol="0">
+              <a:spAutoFit/>
+            </a:bodyPr>
+            <a:lstStyle/>
+            <a:p>
+              <a:r>
+                <a:rPr lang="en-US" dirty="0">
+                  <a:solidFill>
+                    <a:schemeClr val="bg1"/>
+                  </a:solidFill>
+                  <a:latin typeface="fkGrotesk"/>
+                </a:rPr>
+                <a:t>Slicers</a:t>
+              </a:r>
+              <a:r>
+                <a:rPr lang="en-US" dirty="0">
+                  <a:latin typeface="fkGrotesk"/>
+                </a:rPr>
+                <a:t>	</a:t>
+              </a:r>
+            </a:p>
+          </p:txBody>
+        </p:sp>
+      </p:grpSp>
+      <p:grpSp>
+        <p:nvGrpSpPr>
+          <p:cNvPr id="27" name="Group 26">
+            <a:extLst>
+              <a:ext uri="{FF2B5EF4-FFF2-40B4-BE49-F238E27FC236}">
+                <a16:creationId xmlns:a16="http://schemas.microsoft.com/office/drawing/2014/main" id="{90CA8DBB-1704-2CEB-F54A-B1110D4F97CF}"/>
+              </a:ext>
+            </a:extLst>
+          </p:cNvPr>
+          <p:cNvGrpSpPr/>
+          <p:nvPr/>
+        </p:nvGrpSpPr>
+        <p:grpSpPr>
+          <a:xfrm>
+            <a:off x="10673334" y="5298655"/>
+            <a:ext cx="1280922" cy="376103"/>
+            <a:chOff x="533399" y="3066439"/>
+            <a:chExt cx="1280922" cy="376103"/>
+          </a:xfrm>
+        </p:grpSpPr>
+        <p:sp>
+          <p:nvSpPr>
+            <p:cNvPr id="28" name="Scroll: Horizontal 27">
+              <a:extLst>
+                <a:ext uri="{FF2B5EF4-FFF2-40B4-BE49-F238E27FC236}">
+                  <a16:creationId xmlns:a16="http://schemas.microsoft.com/office/drawing/2014/main" id="{DB4590AC-3DB9-5EE6-7152-E833DE8EC27F}"/>
+                </a:ext>
+              </a:extLst>
+            </p:cNvPr>
+            <p:cNvSpPr/>
+            <p:nvPr/>
+          </p:nvSpPr>
+          <p:spPr>
+            <a:xfrm>
+              <a:off x="533399" y="3073210"/>
+              <a:ext cx="1117600" cy="369332"/>
+            </a:xfrm>
+            <a:prstGeom prst="horizontalScroll">
+              <a:avLst/>
+            </a:prstGeom>
+            <a:solidFill>
+              <a:schemeClr val="tx1">
+                <a:lumMod val="75000"/>
+                <a:lumOff val="25000"/>
+              </a:schemeClr>
+            </a:solidFill>
+            <a:ln>
+              <a:solidFill>
+                <a:schemeClr val="tx1"/>
+              </a:solidFill>
+            </a:ln>
+          </p:spPr>
+          <p:style>
+            <a:lnRef idx="2">
+              <a:schemeClr val="accent6"/>
+            </a:lnRef>
+            <a:fillRef idx="1">
+              <a:schemeClr val="lt1"/>
+            </a:fillRef>
+            <a:effectRef idx="0">
+              <a:schemeClr val="accent6"/>
+            </a:effectRef>
+            <a:fontRef idx="minor">
+              <a:schemeClr val="dk1"/>
+            </a:fontRef>
+          </p:style>
+          <p:txBody>
+            <a:bodyPr rtlCol="0" anchor="ctr"/>
+            <a:lstStyle/>
+            <a:p>
+              <a:pPr algn="ctr"/>
+              <a:endParaRPr lang="en-US" dirty="0"/>
+            </a:p>
+          </p:txBody>
+        </p:sp>
+        <p:sp>
+          <p:nvSpPr>
+            <p:cNvPr id="29" name="TextBox 28">
+              <a:extLst>
+                <a:ext uri="{FF2B5EF4-FFF2-40B4-BE49-F238E27FC236}">
+                  <a16:creationId xmlns:a16="http://schemas.microsoft.com/office/drawing/2014/main" id="{43426169-D1F5-B856-1837-A682E773ED7B}"/>
+                </a:ext>
+              </a:extLst>
+            </p:cNvPr>
+            <p:cNvSpPr txBox="1"/>
+            <p:nvPr/>
+          </p:nvSpPr>
+          <p:spPr>
+            <a:xfrm>
+              <a:off x="696721" y="3066439"/>
+              <a:ext cx="1117600" cy="369332"/>
+            </a:xfrm>
+            <a:prstGeom prst="rect">
+              <a:avLst/>
+            </a:prstGeom>
+            <a:noFill/>
+          </p:spPr>
+          <p:txBody>
+            <a:bodyPr wrap="square" rtlCol="0">
+              <a:spAutoFit/>
+            </a:bodyPr>
+            <a:lstStyle/>
+            <a:p>
+              <a:r>
+                <a:rPr lang="en-US" dirty="0">
+                  <a:solidFill>
+                    <a:schemeClr val="bg1"/>
+                  </a:solidFill>
+                  <a:latin typeface="fkGrotesk"/>
+                </a:rPr>
+                <a:t>Slicers</a:t>
+              </a:r>
+              <a:r>
+                <a:rPr lang="en-US" dirty="0">
+                  <a:latin typeface="fkGrotesk"/>
+                </a:rPr>
+                <a:t>	</a:t>
+              </a:r>
+            </a:p>
+          </p:txBody>
+        </p:sp>
+      </p:grpSp>
+      <p:cxnSp>
+        <p:nvCxnSpPr>
+          <p:cNvPr id="31" name="Connector: Curved 30">
+            <a:extLst>
+              <a:ext uri="{FF2B5EF4-FFF2-40B4-BE49-F238E27FC236}">
+                <a16:creationId xmlns:a16="http://schemas.microsoft.com/office/drawing/2014/main" id="{51A0557F-9345-6A94-EC12-3D8B7D186A5A}"/>
+              </a:ext>
+            </a:extLst>
+          </p:cNvPr>
+          <p:cNvCxnSpPr>
+            <a:endCxn id="29" idx="0"/>
+          </p:cNvCxnSpPr>
+          <p:nvPr/>
+        </p:nvCxnSpPr>
+        <p:spPr>
+          <a:xfrm rot="16200000" flipH="1">
+            <a:off x="10884301" y="4787499"/>
+            <a:ext cx="650455" cy="371856"/>
+          </a:xfrm>
+          <a:prstGeom prst="curvedConnector3">
+            <a:avLst/>
+          </a:prstGeom>
+          <a:ln>
+            <a:solidFill>
+              <a:schemeClr val="tx1"/>
+            </a:solidFill>
+            <a:headEnd type="triangle"/>
+            <a:tailEnd type="triangle"/>
+          </a:ln>
+        </p:spPr>
+        <p:style>
+          <a:lnRef idx="1">
+            <a:schemeClr val="accent1"/>
+          </a:lnRef>
+          <a:fillRef idx="0">
+            <a:schemeClr val="accent1"/>
+          </a:fillRef>
+          <a:effectRef idx="0">
+            <a:schemeClr val="accent1"/>
+          </a:effectRef>
+          <a:fontRef idx="minor">
+            <a:schemeClr val="tx1"/>
+          </a:fontRef>
+        </p:style>
+      </p:cxnSp>
+    </p:spTree>
+    <p:extLst>
+      <p:ext uri="{BB962C8B-B14F-4D97-AF65-F5344CB8AC3E}">
+        <p14:creationId xmlns:p14="http://schemas.microsoft.com/office/powerpoint/2010/main" val="1430138192"/>
+      </p:ext>
+    </p:extLst>
+  </p:cSld>
+  <p:clrMapOvr>
+    <a:masterClrMapping/>
+  </p:clrMapOvr>
+</p:sld>
+</file>
+
+<file path=ppt/slides/slide18.xml><?xml version="1.0" encoding="utf-8"?>
+<p:sld xmlns:a="http://schemas.openxmlformats.org/drawingml/2006/main" xmlns:r="http://schemas.openxmlformats.org/officeDocument/2006/relationships" xmlns:p="http://schemas.openxmlformats.org/presentationml/2006/main">
+  <p:cSld>
+    <p:spTree>
+      <p:nvGrpSpPr>
+        <p:cNvPr id="1" name=""/>
+        <p:cNvGrpSpPr/>
+        <p:nvPr/>
+      </p:nvGrpSpPr>
+      <p:grpSpPr>
+        <a:xfrm>
+          <a:off x="0" y="0"/>
+          <a:ext cx="0" cy="0"/>
+          <a:chOff x="0" y="0"/>
+          <a:chExt cx="0" cy="0"/>
+        </a:xfrm>
+      </p:grpSpPr>
+      <p:sp>
+        <p:nvSpPr>
+          <p:cNvPr id="3" name="Slide Number Placeholder 2">
+            <a:extLst>
+              <a:ext uri="{FF2B5EF4-FFF2-40B4-BE49-F238E27FC236}">
+                <a16:creationId xmlns:a16="http://schemas.microsoft.com/office/drawing/2014/main" id="{539DD27D-5505-F099-894A-A1FA645ECA13}"/>
+              </a:ext>
+            </a:extLst>
+          </p:cNvPr>
+          <p:cNvSpPr>
+            <a:spLocks noGrp="1"/>
+          </p:cNvSpPr>
+          <p:nvPr>
+            <p:ph type="sldNum" sz="quarter" idx="12"/>
+          </p:nvPr>
+        </p:nvSpPr>
+        <p:spPr/>
+        <p:txBody>
+          <a:bodyPr/>
+          <a:lstStyle/>
+          <a:p>
+            <a:fld id="{294A09A9-5501-47C1-A89A-A340965A2BE2}" type="slidenum">
+              <a:rPr lang="en-US" smtClean="0"/>
+              <a:t>18</a:t>
+            </a:fld>
+            <a:endParaRPr lang="en-US" dirty="0"/>
+          </a:p>
+        </p:txBody>
+      </p:sp>
+      <p:sp>
+        <p:nvSpPr>
+          <p:cNvPr id="4" name="Title 105">
+            <a:extLst>
+              <a:ext uri="{FF2B5EF4-FFF2-40B4-BE49-F238E27FC236}">
+                <a16:creationId xmlns:a16="http://schemas.microsoft.com/office/drawing/2014/main" id="{B11C4AB7-DCA7-A6E1-3C56-C2FCF9196225}"/>
+              </a:ext>
+            </a:extLst>
+          </p:cNvPr>
+          <p:cNvSpPr txBox="1">
+            <a:spLocks/>
+          </p:cNvSpPr>
+          <p:nvPr/>
+        </p:nvSpPr>
+        <p:spPr>
+          <a:xfrm>
+            <a:off x="1104900" y="832104"/>
+            <a:ext cx="10096500" cy="713074"/>
+          </a:xfrm>
+          <a:prstGeom prst="rect">
+            <a:avLst/>
+          </a:prstGeom>
+        </p:spPr>
+        <p:txBody>
+          <a:bodyPr/>
+          <a:lstStyle>
+            <a:lvl1pPr algn="l" defTabSz="914400" rtl="0" eaLnBrk="1" latinLnBrk="0" hangingPunct="1">
+              <a:lnSpc>
+                <a:spcPct val="90000"/>
+              </a:lnSpc>
+              <a:spcBef>
+                <a:spcPct val="0"/>
+              </a:spcBef>
+              <a:buNone/>
+              <a:defRPr sz="4000" b="1" kern="1200" cap="all" spc="600" baseline="0">
+                <a:solidFill>
+                  <a:schemeClr val="bg1"/>
+                </a:solidFill>
+                <a:latin typeface="+mj-lt"/>
+                <a:ea typeface="+mj-ea"/>
+                <a:cs typeface="+mj-cs"/>
+              </a:defRPr>
+            </a:lvl1pPr>
+          </a:lstStyle>
+          <a:p>
+            <a:r>
+              <a:rPr lang="en-US" b="0">
+                <a:latin typeface="fkGrotesk"/>
+              </a:rPr>
+              <a:t>Insights &amp; Recommendations</a:t>
+            </a:r>
+            <a:endParaRPr lang="en-US" b="0" dirty="0">
+              <a:latin typeface="fkGrotesk"/>
+            </a:endParaRPr>
+          </a:p>
+        </p:txBody>
+      </p:sp>
+      <p:sp>
+        <p:nvSpPr>
+          <p:cNvPr id="5" name="TextBox 4">
+            <a:extLst>
+              <a:ext uri="{FF2B5EF4-FFF2-40B4-BE49-F238E27FC236}">
+                <a16:creationId xmlns:a16="http://schemas.microsoft.com/office/drawing/2014/main" id="{A447BCD3-D578-36A4-F3EC-1C643E50B006}"/>
+              </a:ext>
+            </a:extLst>
+          </p:cNvPr>
+          <p:cNvSpPr txBox="1"/>
+          <p:nvPr/>
+        </p:nvSpPr>
+        <p:spPr>
+          <a:xfrm>
+            <a:off x="850392" y="1816100"/>
+            <a:ext cx="8344408" cy="3364704"/>
+          </a:xfrm>
+          <a:prstGeom prst="rect">
+            <a:avLst/>
+          </a:prstGeom>
+          <a:noFill/>
+        </p:spPr>
+        <p:txBody>
+          <a:bodyPr wrap="square" rtlCol="0">
+            <a:spAutoFit/>
+          </a:bodyPr>
+          <a:lstStyle/>
+          <a:p>
+            <a:pPr algn="l">
+              <a:lnSpc>
+                <a:spcPct val="150000"/>
+              </a:lnSpc>
+              <a:buFont typeface="Arial" panose="020B0604020202020204" pitchFamily="34" charset="0"/>
+              <a:buChar char="•"/>
+            </a:pPr>
+            <a:r>
+              <a:rPr lang="en-GB" b="0" i="0" spc="300" dirty="0">
+                <a:solidFill>
+                  <a:schemeClr val="bg1"/>
+                </a:solidFill>
+                <a:effectLst/>
+                <a:latin typeface="fkGroteskNeue"/>
+              </a:rPr>
+              <a:t> </a:t>
+            </a:r>
+            <a:r>
+              <a:rPr lang="en-GB" b="1" i="0" spc="300" dirty="0">
+                <a:solidFill>
+                  <a:schemeClr val="bg1"/>
+                </a:solidFill>
+                <a:effectLst/>
+                <a:latin typeface="fkGroteskNeue"/>
+              </a:rPr>
+              <a:t>Strong seasonality </a:t>
+            </a:r>
+            <a:r>
+              <a:rPr lang="en-GB" b="0" i="0" spc="300" dirty="0">
+                <a:solidFill>
+                  <a:schemeClr val="bg1"/>
+                </a:solidFill>
+                <a:effectLst/>
+                <a:latin typeface="fkGroteskNeue"/>
+              </a:rPr>
+              <a:t>– "Sales peak in holiday months; recommend targeted marketing during these periods."</a:t>
+            </a:r>
+          </a:p>
+          <a:p>
+            <a:pPr algn="l">
+              <a:lnSpc>
+                <a:spcPct val="150000"/>
+              </a:lnSpc>
+              <a:buFont typeface="Arial" panose="020B0604020202020204" pitchFamily="34" charset="0"/>
+              <a:buChar char="•"/>
+            </a:pPr>
+            <a:r>
+              <a:rPr lang="en-GB" b="0" i="0" spc="300" dirty="0">
+                <a:solidFill>
+                  <a:schemeClr val="bg1"/>
+                </a:solidFill>
+                <a:effectLst/>
+                <a:latin typeface="fkGroteskNeue"/>
+              </a:rPr>
+              <a:t> </a:t>
+            </a:r>
+            <a:r>
+              <a:rPr lang="en-GB" b="1" i="0" spc="300" dirty="0">
+                <a:solidFill>
+                  <a:schemeClr val="bg1"/>
+                </a:solidFill>
+                <a:effectLst/>
+                <a:latin typeface="fkGroteskNeue"/>
+              </a:rPr>
+              <a:t>Inventory optimization for top products </a:t>
+            </a:r>
+            <a:r>
+              <a:rPr lang="en-GB" b="0" i="0" spc="300" dirty="0">
+                <a:solidFill>
+                  <a:schemeClr val="bg1"/>
+                </a:solidFill>
+                <a:effectLst/>
+                <a:latin typeface="fkGroteskNeue"/>
+              </a:rPr>
+              <a:t>– "High-selling items identified for stock prioritization."</a:t>
+            </a:r>
+          </a:p>
+          <a:p>
+            <a:pPr algn="l">
+              <a:lnSpc>
+                <a:spcPct val="150000"/>
+              </a:lnSpc>
+              <a:buFont typeface="Arial" panose="020B0604020202020204" pitchFamily="34" charset="0"/>
+              <a:buChar char="•"/>
+            </a:pPr>
+            <a:r>
+              <a:rPr lang="en-GB" b="0" i="0" spc="300" dirty="0">
+                <a:solidFill>
+                  <a:schemeClr val="bg1"/>
+                </a:solidFill>
+                <a:effectLst/>
+                <a:latin typeface="fkGroteskNeue"/>
+              </a:rPr>
+              <a:t> </a:t>
+            </a:r>
+            <a:r>
+              <a:rPr lang="en-GB" b="1" i="0" spc="300" dirty="0">
+                <a:solidFill>
+                  <a:schemeClr val="bg1"/>
+                </a:solidFill>
+                <a:effectLst/>
+                <a:latin typeface="fkGroteskNeue"/>
+              </a:rPr>
+              <a:t>Emerging opportunities in non-UK regions </a:t>
+            </a:r>
+            <a:r>
+              <a:rPr lang="en-GB" b="0" i="0" spc="300" dirty="0">
+                <a:solidFill>
+                  <a:schemeClr val="bg1"/>
+                </a:solidFill>
+                <a:effectLst/>
+                <a:latin typeface="fkGroteskNeue"/>
+              </a:rPr>
+              <a:t>– "Significant sales growth seen in [Top 2] growing countries; suggest regional campaigns."</a:t>
+            </a:r>
+          </a:p>
+          <a:p>
+            <a:pPr>
+              <a:lnSpc>
+                <a:spcPct val="150000"/>
+              </a:lnSpc>
+            </a:pPr>
+            <a:endParaRPr lang="en-US" spc="300" dirty="0">
+              <a:solidFill>
+                <a:schemeClr val="bg1"/>
+              </a:solidFill>
+            </a:endParaRPr>
+          </a:p>
+        </p:txBody>
+      </p:sp>
+      <p:sp>
+        <p:nvSpPr>
+          <p:cNvPr id="6" name="Speech Bubble: Oval 5">
+            <a:extLst>
+              <a:ext uri="{FF2B5EF4-FFF2-40B4-BE49-F238E27FC236}">
+                <a16:creationId xmlns:a16="http://schemas.microsoft.com/office/drawing/2014/main" id="{87D30EE1-0470-C1F2-8BD3-B263139722EF}"/>
+              </a:ext>
+            </a:extLst>
+          </p:cNvPr>
+          <p:cNvSpPr/>
+          <p:nvPr/>
+        </p:nvSpPr>
+        <p:spPr>
+          <a:xfrm>
+            <a:off x="7391400" y="4254500"/>
+            <a:ext cx="4550156" cy="2210308"/>
+          </a:xfrm>
+          <a:prstGeom prst="wedgeEllipseCallout">
+            <a:avLst/>
+          </a:prstGeom>
+          <a:solidFill>
+            <a:schemeClr val="bg1">
+              <a:lumMod val="95000"/>
+            </a:schemeClr>
+          </a:solidFill>
+        </p:spPr>
+        <p:style>
+          <a:lnRef idx="2">
+            <a:schemeClr val="accent1">
+              <a:shade val="15000"/>
+            </a:schemeClr>
+          </a:lnRef>
+          <a:fillRef idx="1">
+            <a:schemeClr val="accent1"/>
+          </a:fillRef>
+          <a:effectRef idx="0">
+            <a:schemeClr val="accent1"/>
+          </a:effectRef>
+          <a:fontRef idx="minor">
+            <a:schemeClr val="lt1"/>
+          </a:fontRef>
+        </p:style>
+        <p:txBody>
+          <a:bodyPr rtlCol="0" anchor="ctr"/>
+          <a:lstStyle/>
+          <a:p>
+            <a:pPr algn="ctr"/>
+            <a:r>
+              <a:rPr lang="en-GB" b="0" i="0" spc="300" dirty="0">
+                <a:solidFill>
+                  <a:schemeClr val="tx1"/>
+                </a:solidFill>
+                <a:effectLst/>
+                <a:latin typeface="fkGroteskNeue"/>
+              </a:rPr>
+              <a:t>“Optimize marketing spend toward identified season peaks and invest in growing international markets”</a:t>
+            </a:r>
+            <a:endParaRPr lang="en-US" spc="300" dirty="0">
+              <a:solidFill>
+                <a:schemeClr val="tx1"/>
+              </a:solidFill>
+            </a:endParaRPr>
+          </a:p>
+        </p:txBody>
+      </p:sp>
+    </p:spTree>
+    <p:extLst>
+      <p:ext uri="{BB962C8B-B14F-4D97-AF65-F5344CB8AC3E}">
+        <p14:creationId xmlns:p14="http://schemas.microsoft.com/office/powerpoint/2010/main" val="4247235845"/>
+      </p:ext>
+    </p:extLst>
+  </p:cSld>
+  <p:clrMapOvr>
+    <a:masterClrMapping/>
+  </p:clrMapOvr>
+</p:sld>
+</file>
+
+<file path=ppt/slides/slide19.xml><?xml version="1.0" encoding="utf-8"?>
+<p:sld xmlns:a="http://schemas.openxmlformats.org/drawingml/2006/main" xmlns:r="http://schemas.openxmlformats.org/officeDocument/2006/relationships" xmlns:p="http://schemas.openxmlformats.org/presentationml/2006/main">
+  <p:cSld>
+    <p:spTree>
+      <p:nvGrpSpPr>
+        <p:cNvPr id="1" name=""/>
+        <p:cNvGrpSpPr/>
+        <p:nvPr/>
+      </p:nvGrpSpPr>
+      <p:grpSpPr>
+        <a:xfrm>
+          <a:off x="0" y="0"/>
+          <a:ext cx="0" cy="0"/>
+          <a:chOff x="0" y="0"/>
+          <a:chExt cx="0" cy="0"/>
+        </a:xfrm>
+      </p:grpSpPr>
+      <p:sp>
+        <p:nvSpPr>
+          <p:cNvPr id="19" name="Title 18">
+            <a:extLst>
+              <a:ext uri="{FF2B5EF4-FFF2-40B4-BE49-F238E27FC236}">
+                <a16:creationId xmlns:a16="http://schemas.microsoft.com/office/drawing/2014/main" id="{27648E56-F655-A57F-3CBA-F72B6E6F7449}"/>
+              </a:ext>
+            </a:extLst>
+          </p:cNvPr>
+          <p:cNvSpPr>
+            <a:spLocks noGrp="1"/>
+          </p:cNvSpPr>
+          <p:nvPr>
+            <p:ph type="title"/>
+          </p:nvPr>
+        </p:nvSpPr>
+        <p:spPr>
+          <a:xfrm>
+            <a:off x="1354836" y="238760"/>
+            <a:ext cx="8878824" cy="1069848"/>
+          </a:xfrm>
+        </p:spPr>
+        <p:txBody>
+          <a:bodyPr>
+            <a:normAutofit/>
+          </a:bodyPr>
+          <a:lstStyle/>
+          <a:p>
+            <a:pPr algn="ctr"/>
+            <a:r>
+              <a:rPr lang="en-US" sz="4400" b="0" i="0" dirty="0">
+                <a:effectLst/>
+                <a:latin typeface="fkGrotesk"/>
+              </a:rPr>
+              <a:t>Challenges &amp; Solutions</a:t>
+            </a:r>
+            <a:endParaRPr lang="en-US" sz="4400" dirty="0"/>
+          </a:p>
+        </p:txBody>
+      </p:sp>
+      <p:sp>
+        <p:nvSpPr>
+          <p:cNvPr id="22" name="Text Placeholder 21">
+            <a:extLst>
+              <a:ext uri="{FF2B5EF4-FFF2-40B4-BE49-F238E27FC236}">
+                <a16:creationId xmlns:a16="http://schemas.microsoft.com/office/drawing/2014/main" id="{DDDFD3CF-653B-D434-FCE6-68E993AA4F9C}"/>
+              </a:ext>
+            </a:extLst>
+          </p:cNvPr>
+          <p:cNvSpPr>
+            <a:spLocks noGrp="1"/>
+          </p:cNvSpPr>
+          <p:nvPr>
+            <p:ph type="body" idx="1"/>
+          </p:nvPr>
+        </p:nvSpPr>
+        <p:spPr/>
+        <p:txBody>
+          <a:bodyPr/>
+          <a:lstStyle/>
+          <a:p>
+            <a:r>
+              <a:rPr lang="en-US" dirty="0"/>
+              <a:t>Challenges</a:t>
+            </a:r>
+          </a:p>
+        </p:txBody>
+      </p:sp>
+      <p:sp>
+        <p:nvSpPr>
+          <p:cNvPr id="23" name="Content Placeholder 22">
+            <a:extLst>
+              <a:ext uri="{FF2B5EF4-FFF2-40B4-BE49-F238E27FC236}">
+                <a16:creationId xmlns:a16="http://schemas.microsoft.com/office/drawing/2014/main" id="{864B0DC4-5EBB-0231-88C0-652DF0D683BC}"/>
+              </a:ext>
+            </a:extLst>
+          </p:cNvPr>
+          <p:cNvSpPr>
+            <a:spLocks noGrp="1"/>
+          </p:cNvSpPr>
+          <p:nvPr>
+            <p:ph sz="half" idx="2"/>
+          </p:nvPr>
+        </p:nvSpPr>
+        <p:spPr>
+          <a:xfrm>
+            <a:off x="1536192" y="2743200"/>
+            <a:ext cx="3621024" cy="3876040"/>
+          </a:xfrm>
+        </p:spPr>
+        <p:txBody>
+          <a:bodyPr/>
+          <a:lstStyle/>
+          <a:p>
+            <a:r>
+              <a:rPr lang="en-GB" b="0" i="0" dirty="0">
+                <a:effectLst/>
+                <a:latin typeface="fkGroteskNeue"/>
+              </a:rPr>
+              <a:t>Outliers and missing values introduced noise.</a:t>
+            </a:r>
+          </a:p>
+          <a:p>
+            <a:r>
+              <a:rPr lang="en-GB" b="0" i="0" dirty="0">
+                <a:effectLst/>
+                <a:latin typeface="fkGroteskNeue"/>
+              </a:rPr>
+              <a:t>Visual mismatch between Python graphs and Excel charts</a:t>
+            </a:r>
+          </a:p>
+          <a:p>
+            <a:r>
+              <a:rPr lang="en-GB" b="0" i="0" dirty="0">
+                <a:effectLst/>
+                <a:latin typeface="fkGroteskNeue"/>
+              </a:rPr>
+              <a:t>Slicers only controlled one chart or table; unable to filter across multiple data visualizations.</a:t>
+            </a:r>
+          </a:p>
+          <a:p>
+            <a:r>
+              <a:rPr lang="en-GB" b="0" i="0" dirty="0">
+                <a:effectLst/>
+                <a:latin typeface="fkGroteskNeue"/>
+              </a:rPr>
+              <a:t>Box-and-whisker chart rendered as “X marks” due to single-value or identical data points in some groups</a:t>
+            </a:r>
+            <a:endParaRPr lang="en-US" dirty="0"/>
+          </a:p>
+        </p:txBody>
+      </p:sp>
+      <p:sp>
+        <p:nvSpPr>
+          <p:cNvPr id="24" name="Text Placeholder 23">
+            <a:extLst>
+              <a:ext uri="{FF2B5EF4-FFF2-40B4-BE49-F238E27FC236}">
+                <a16:creationId xmlns:a16="http://schemas.microsoft.com/office/drawing/2014/main" id="{6028831D-D702-B02F-25AA-03D6A363401D}"/>
+              </a:ext>
+            </a:extLst>
+          </p:cNvPr>
+          <p:cNvSpPr>
+            <a:spLocks noGrp="1"/>
+          </p:cNvSpPr>
+          <p:nvPr>
+            <p:ph type="body" sz="quarter" idx="3"/>
+          </p:nvPr>
+        </p:nvSpPr>
+        <p:spPr/>
+        <p:txBody>
+          <a:bodyPr/>
+          <a:lstStyle/>
+          <a:p>
+            <a:r>
+              <a:rPr lang="en-US" dirty="0"/>
+              <a:t>Solutions/Actions</a:t>
+            </a:r>
+          </a:p>
+        </p:txBody>
+      </p:sp>
+      <p:sp>
+        <p:nvSpPr>
+          <p:cNvPr id="25" name="Content Placeholder 24">
+            <a:extLst>
+              <a:ext uri="{FF2B5EF4-FFF2-40B4-BE49-F238E27FC236}">
+                <a16:creationId xmlns:a16="http://schemas.microsoft.com/office/drawing/2014/main" id="{F2307055-3FB0-C1C2-C717-C2B2044E7A9F}"/>
+              </a:ext>
+            </a:extLst>
+          </p:cNvPr>
+          <p:cNvSpPr>
+            <a:spLocks noGrp="1"/>
+          </p:cNvSpPr>
+          <p:nvPr>
+            <p:ph sz="quarter" idx="4"/>
+          </p:nvPr>
+        </p:nvSpPr>
+        <p:spPr>
+          <a:xfrm>
+            <a:off x="5541264" y="2743200"/>
+            <a:ext cx="3621024" cy="3771900"/>
+          </a:xfrm>
+        </p:spPr>
+        <p:txBody>
+          <a:bodyPr/>
+          <a:lstStyle/>
+          <a:p>
+            <a:r>
+              <a:rPr lang="en-GB" b="0" i="0" dirty="0">
+                <a:effectLst/>
+                <a:latin typeface="fkGroteskNeue"/>
+              </a:rPr>
+              <a:t>Applied rigorous filtering and imputation using Python Pandas.</a:t>
+            </a:r>
+          </a:p>
+          <a:p>
+            <a:r>
+              <a:rPr lang="en-GB" b="0" i="0" dirty="0">
+                <a:effectLst/>
+                <a:latin typeface="fkGroteskNeue"/>
+              </a:rPr>
+              <a:t>Matched bin widths, axis scales, and custom </a:t>
+            </a:r>
+            <a:r>
+              <a:rPr lang="en-GB" b="0" i="0" dirty="0" err="1">
+                <a:effectLst/>
+                <a:latin typeface="fkGroteskNeue"/>
+              </a:rPr>
+              <a:t>color</a:t>
+            </a:r>
+            <a:r>
+              <a:rPr lang="en-GB" b="0" i="0" dirty="0">
+                <a:effectLst/>
+                <a:latin typeface="fkGroteskNeue"/>
+              </a:rPr>
+              <a:t> palettes for consistency</a:t>
+            </a:r>
+          </a:p>
+          <a:p>
+            <a:r>
+              <a:rPr lang="en-GB" b="0" i="0" dirty="0">
+                <a:effectLst/>
+                <a:latin typeface="fkGroteskNeue"/>
+              </a:rPr>
+              <a:t>Manually configured slicer connections using "Report Connections" in Excel, enabling coordinated dashboard interactivity.</a:t>
+            </a:r>
+          </a:p>
+          <a:p>
+            <a:r>
+              <a:rPr lang="en-GB" b="0" i="0" dirty="0">
+                <a:effectLst/>
+                <a:latin typeface="fkGroteskNeue"/>
+              </a:rPr>
+              <a:t> Increased data points and/or limited boxplot analysis to groups with sufficient data variation. </a:t>
+            </a:r>
+            <a:endParaRPr lang="en-US" dirty="0"/>
+          </a:p>
+        </p:txBody>
+      </p:sp>
+    </p:spTree>
+    <p:extLst>
+      <p:ext uri="{BB962C8B-B14F-4D97-AF65-F5344CB8AC3E}">
+        <p14:creationId xmlns:p14="http://schemas.microsoft.com/office/powerpoint/2010/main" val="765210901"/>
+      </p:ext>
+    </p:extLst>
+  </p:cSld>
+  <p:clrMapOvr>
+    <a:masterClrMapping/>
+  </p:clrMapOvr>
+</p:sld>
+</file>
+
+<file path=ppt/slides/slide2.xml><?xml version="1.0" encoding="utf-8"?>
+<p:sld xmlns:a="http://schemas.openxmlformats.org/drawingml/2006/main" xmlns:r="http://schemas.openxmlformats.org/officeDocument/2006/relationships" xmlns:p="http://schemas.openxmlformats.org/presentationml/2006/main">
+  <p:cSld>
+    <p:spTree>
+      <p:nvGrpSpPr>
+        <p:cNvPr id="1" name=""/>
+        <p:cNvGrpSpPr/>
+        <p:nvPr/>
+      </p:nvGrpSpPr>
+      <p:grpSpPr>
+        <a:xfrm>
+          <a:off x="0" y="0"/>
+          <a:ext cx="0" cy="0"/>
+          <a:chOff x="0" y="0"/>
+          <a:chExt cx="0" cy="0"/>
+        </a:xfrm>
+      </p:grpSpPr>
+      <p:sp>
+        <p:nvSpPr>
+          <p:cNvPr id="2" name="Title 1">
+            <a:extLst>
+              <a:ext uri="{FF2B5EF4-FFF2-40B4-BE49-F238E27FC236}">
+                <a16:creationId xmlns:a16="http://schemas.microsoft.com/office/drawing/2014/main" id="{C07F7E09-6A9E-9FCC-7867-895F21ABE716}"/>
+              </a:ext>
+            </a:extLst>
+          </p:cNvPr>
+          <p:cNvSpPr>
+            <a:spLocks noGrp="1"/>
+          </p:cNvSpPr>
+          <p:nvPr>
+            <p:ph type="title"/>
+          </p:nvPr>
+        </p:nvSpPr>
+        <p:spPr>
+          <a:xfrm>
+            <a:off x="1536192" y="260604"/>
+            <a:ext cx="8878824" cy="1069848"/>
+          </a:xfrm>
+        </p:spPr>
+        <p:txBody>
+          <a:bodyPr>
+            <a:normAutofit/>
+          </a:bodyPr>
+          <a:lstStyle/>
+          <a:p>
+            <a:r>
+              <a:rPr lang="en-US" sz="4000" b="1" spc="600" dirty="0">
+                <a:ln w="28575">
+                  <a:noFill/>
+                  <a:prstDash val="solid"/>
+                </a:ln>
+                <a:solidFill>
+                  <a:schemeClr val="bg1"/>
+                </a:solidFill>
+                <a:latin typeface="Tw Cen MT" panose="020B0602020104020603" pitchFamily="34" charset="77"/>
+              </a:rPr>
+              <a:t>CONTENTS</a:t>
+            </a:r>
+            <a:endParaRPr lang="en-US" dirty="0"/>
+          </a:p>
+        </p:txBody>
+      </p:sp>
+      <p:sp>
+        <p:nvSpPr>
+          <p:cNvPr id="5" name="Slide Number Placeholder 4">
+            <a:extLst>
+              <a:ext uri="{FF2B5EF4-FFF2-40B4-BE49-F238E27FC236}">
+                <a16:creationId xmlns:a16="http://schemas.microsoft.com/office/drawing/2014/main" id="{9157728F-9EA1-A705-8E4D-B7823E4F4C26}"/>
+              </a:ext>
+            </a:extLst>
+          </p:cNvPr>
+          <p:cNvSpPr>
+            <a:spLocks noGrp="1"/>
+          </p:cNvSpPr>
+          <p:nvPr>
+            <p:ph type="sldNum" sz="quarter" idx="11"/>
+          </p:nvPr>
+        </p:nvSpPr>
+        <p:spPr/>
+        <p:txBody>
+          <a:bodyPr/>
+          <a:lstStyle/>
+          <a:p>
+            <a:fld id="{294A09A9-5501-47C1-A89A-A340965A2BE2}" type="slidenum">
+              <a:rPr lang="en-US" smtClean="0"/>
+              <a:pPr/>
+              <a:t>2</a:t>
+            </a:fld>
+            <a:endParaRPr lang="en-US" dirty="0"/>
+          </a:p>
+        </p:txBody>
+      </p:sp>
+      <p:sp>
+        <p:nvSpPr>
+          <p:cNvPr id="3" name="Content Placeholder 2">
+            <a:extLst>
+              <a:ext uri="{FF2B5EF4-FFF2-40B4-BE49-F238E27FC236}">
+                <a16:creationId xmlns:a16="http://schemas.microsoft.com/office/drawing/2014/main" id="{199158D4-7B61-0A48-E33F-792278D05724}"/>
+              </a:ext>
+            </a:extLst>
+          </p:cNvPr>
+          <p:cNvSpPr>
+            <a:spLocks noGrp="1"/>
+          </p:cNvSpPr>
+          <p:nvPr>
+            <p:ph idx="1"/>
+          </p:nvPr>
+        </p:nvSpPr>
+        <p:spPr>
+          <a:xfrm>
+            <a:off x="1536192" y="1749806"/>
+            <a:ext cx="6422136" cy="4625594"/>
+          </a:xfrm>
+        </p:spPr>
+        <p:txBody>
+          <a:bodyPr/>
+          <a:lstStyle/>
+          <a:p>
+            <a:pPr marL="342900" indent="-342900" algn="l">
+              <a:lnSpc>
+                <a:spcPct val="150000"/>
+              </a:lnSpc>
+              <a:buClr>
+                <a:schemeClr val="accent6"/>
+              </a:buClr>
+              <a:buFont typeface="Courier New" panose="02070309020205020404" pitchFamily="49" charset="0"/>
+              <a:buChar char="o"/>
+            </a:pPr>
+            <a:r>
+              <a:rPr lang="en-US" dirty="0">
+                <a:latin typeface="Segoe UI Light" panose="020B0502040204020203" pitchFamily="34" charset="0"/>
+                <a:cs typeface="Segoe UI Light" panose="020B0502040204020203" pitchFamily="34" charset="0"/>
+              </a:rPr>
+              <a:t>Dataset Overview</a:t>
+            </a:r>
+            <a:endParaRPr lang="en-US" dirty="0">
+              <a:solidFill>
+                <a:schemeClr val="bg1"/>
+              </a:solidFill>
+              <a:latin typeface="Segoe UI Light" panose="020B0502040204020203" pitchFamily="34" charset="0"/>
+              <a:cs typeface="Segoe UI Light" panose="020B0502040204020203" pitchFamily="34" charset="0"/>
+            </a:endParaRPr>
+          </a:p>
+          <a:p>
+            <a:pPr marL="342900" indent="-342900" algn="l">
+              <a:lnSpc>
+                <a:spcPct val="150000"/>
+              </a:lnSpc>
+              <a:buClr>
+                <a:schemeClr val="accent6"/>
+              </a:buClr>
+              <a:buFont typeface="Courier New" panose="02070309020205020404" pitchFamily="49" charset="0"/>
+              <a:buChar char="o"/>
+            </a:pPr>
+            <a:r>
+              <a:rPr lang="en-US" dirty="0">
+                <a:latin typeface="Segoe UI Light" panose="020B0502040204020203" pitchFamily="34" charset="0"/>
+                <a:cs typeface="Segoe UI Light" panose="020B0502040204020203" pitchFamily="34" charset="0"/>
+              </a:rPr>
+              <a:t>Methodology</a:t>
+            </a:r>
+            <a:endParaRPr lang="en-US" dirty="0">
+              <a:solidFill>
+                <a:schemeClr val="bg1"/>
+              </a:solidFill>
+              <a:latin typeface="Segoe UI Light" panose="020B0502040204020203" pitchFamily="34" charset="0"/>
+              <a:cs typeface="Segoe UI Light" panose="020B0502040204020203" pitchFamily="34" charset="0"/>
+            </a:endParaRPr>
+          </a:p>
+          <a:p>
+            <a:pPr marL="342900" indent="-342900" algn="l">
+              <a:lnSpc>
+                <a:spcPct val="150000"/>
+              </a:lnSpc>
+              <a:buClr>
+                <a:schemeClr val="accent6"/>
+              </a:buClr>
+              <a:buFont typeface="Courier New" panose="02070309020205020404" pitchFamily="49" charset="0"/>
+              <a:buChar char="o"/>
+            </a:pPr>
+            <a:r>
+              <a:rPr lang="en-US" dirty="0">
+                <a:solidFill>
+                  <a:schemeClr val="bg1"/>
+                </a:solidFill>
+                <a:latin typeface="Segoe UI Light" panose="020B0502040204020203" pitchFamily="34" charset="0"/>
+                <a:cs typeface="Segoe UI Light" panose="020B0502040204020203" pitchFamily="34" charset="0"/>
+              </a:rPr>
+              <a:t>Key </a:t>
+            </a:r>
+            <a:r>
+              <a:rPr lang="en-US" dirty="0">
+                <a:latin typeface="Segoe UI Light" panose="020B0502040204020203" pitchFamily="34" charset="0"/>
+                <a:cs typeface="Segoe UI Light" panose="020B0502040204020203" pitchFamily="34" charset="0"/>
+              </a:rPr>
+              <a:t>V</a:t>
+            </a:r>
+            <a:r>
+              <a:rPr lang="en-US" dirty="0">
+                <a:solidFill>
+                  <a:schemeClr val="bg1"/>
+                </a:solidFill>
+                <a:latin typeface="Segoe UI Light" panose="020B0502040204020203" pitchFamily="34" charset="0"/>
+                <a:cs typeface="Segoe UI Light" panose="020B0502040204020203" pitchFamily="34" charset="0"/>
+              </a:rPr>
+              <a:t>isualizations</a:t>
+            </a:r>
+          </a:p>
+          <a:p>
+            <a:pPr marL="342900" indent="-342900" algn="l">
+              <a:lnSpc>
+                <a:spcPct val="150000"/>
+              </a:lnSpc>
+              <a:buClr>
+                <a:schemeClr val="accent6"/>
+              </a:buClr>
+              <a:buFont typeface="Courier New" panose="02070309020205020404" pitchFamily="49" charset="0"/>
+              <a:buChar char="o"/>
+            </a:pPr>
+            <a:r>
+              <a:rPr lang="en-US" dirty="0">
+                <a:solidFill>
+                  <a:schemeClr val="bg1"/>
+                </a:solidFill>
+                <a:latin typeface="Segoe UI Light" panose="020B0502040204020203" pitchFamily="34" charset="0"/>
+                <a:cs typeface="Segoe UI Light" panose="020B0502040204020203" pitchFamily="34" charset="0"/>
+              </a:rPr>
+              <a:t>Insights &amp; Recommendations</a:t>
+            </a:r>
+          </a:p>
+          <a:p>
+            <a:pPr marL="342900" indent="-342900" algn="l">
+              <a:lnSpc>
+                <a:spcPct val="150000"/>
+              </a:lnSpc>
+              <a:buClr>
+                <a:schemeClr val="accent6"/>
+              </a:buClr>
+              <a:buFont typeface="Courier New" panose="02070309020205020404" pitchFamily="49" charset="0"/>
+              <a:buChar char="o"/>
+            </a:pPr>
+            <a:r>
+              <a:rPr lang="en-US" dirty="0">
+                <a:solidFill>
+                  <a:schemeClr val="bg1"/>
+                </a:solidFill>
+                <a:latin typeface="Segoe UI Light" panose="020B0502040204020203" pitchFamily="34" charset="0"/>
+                <a:cs typeface="Segoe UI Light" panose="020B0502040204020203" pitchFamily="34" charset="0"/>
+              </a:rPr>
+              <a:t>Challenges &amp; Solutions</a:t>
+            </a:r>
+          </a:p>
+          <a:p>
+            <a:pPr marL="342900" indent="-342900" algn="l">
+              <a:lnSpc>
+                <a:spcPct val="150000"/>
+              </a:lnSpc>
+              <a:buClr>
+                <a:schemeClr val="accent6"/>
+              </a:buClr>
+              <a:buFont typeface="Courier New" panose="02070309020205020404" pitchFamily="49" charset="0"/>
+              <a:buChar char="o"/>
+            </a:pPr>
+            <a:r>
+              <a:rPr lang="en-US" dirty="0">
+                <a:solidFill>
+                  <a:schemeClr val="bg1"/>
+                </a:solidFill>
+                <a:latin typeface="Segoe UI Light" panose="020B0502040204020203" pitchFamily="34" charset="0"/>
+                <a:cs typeface="Segoe UI Light" panose="020B0502040204020203" pitchFamily="34" charset="0"/>
+              </a:rPr>
+              <a:t>Conclusions &amp; Next Steps</a:t>
+            </a:r>
+          </a:p>
+          <a:p>
+            <a:pPr marL="342900" indent="-342900" algn="l">
+              <a:lnSpc>
+                <a:spcPct val="150000"/>
+              </a:lnSpc>
+              <a:buClr>
+                <a:schemeClr val="accent6"/>
+              </a:buClr>
+              <a:buFont typeface="Courier New" panose="02070309020205020404" pitchFamily="49" charset="0"/>
+              <a:buChar char="o"/>
+            </a:pPr>
+            <a:r>
+              <a:rPr lang="en-US" dirty="0">
+                <a:latin typeface="Segoe UI Light" panose="020B0502040204020203" pitchFamily="34" charset="0"/>
+                <a:cs typeface="Segoe UI Light" panose="020B0502040204020203" pitchFamily="34" charset="0"/>
+              </a:rPr>
+              <a:t>Summary</a:t>
+            </a:r>
+            <a:endParaRPr lang="en-US" dirty="0">
+              <a:solidFill>
+                <a:schemeClr val="bg1"/>
+              </a:solidFill>
+              <a:latin typeface="Segoe UI Light" panose="020B0502040204020203" pitchFamily="34" charset="0"/>
+              <a:cs typeface="Segoe UI Light" panose="020B0502040204020203" pitchFamily="34" charset="0"/>
+            </a:endParaRPr>
+          </a:p>
+        </p:txBody>
+      </p:sp>
+    </p:spTree>
+    <p:extLst>
+      <p:ext uri="{BB962C8B-B14F-4D97-AF65-F5344CB8AC3E}">
+        <p14:creationId xmlns:p14="http://schemas.microsoft.com/office/powerpoint/2010/main" val="3548027083"/>
+      </p:ext>
+    </p:extLst>
+  </p:cSld>
+  <p:clrMapOvr>
+    <a:masterClrMapping/>
+  </p:clrMapOvr>
+</p:sld>
+</file>
+
+<file path=ppt/slides/slide20.xml><?xml version="1.0" encoding="utf-8"?>
+<p:sld xmlns:a="http://schemas.openxmlformats.org/drawingml/2006/main" xmlns:r="http://schemas.openxmlformats.org/officeDocument/2006/relationships" xmlns:p="http://schemas.openxmlformats.org/presentationml/2006/main">
+  <p:cSld>
+    <p:spTree>
+      <p:nvGrpSpPr>
+        <p:cNvPr id="1" name=""/>
+        <p:cNvGrpSpPr/>
+        <p:nvPr/>
+      </p:nvGrpSpPr>
+      <p:grpSpPr>
+        <a:xfrm>
+          <a:off x="0" y="0"/>
+          <a:ext cx="0" cy="0"/>
+          <a:chOff x="0" y="0"/>
+          <a:chExt cx="0" cy="0"/>
+        </a:xfrm>
+      </p:grpSpPr>
+      <p:sp>
+        <p:nvSpPr>
+          <p:cNvPr id="8" name="Title 7">
+            <a:extLst>
+              <a:ext uri="{FF2B5EF4-FFF2-40B4-BE49-F238E27FC236}">
+                <a16:creationId xmlns:a16="http://schemas.microsoft.com/office/drawing/2014/main" id="{3F43E31B-BD9E-8868-C0A8-F763FB6E5B4B}"/>
+              </a:ext>
+            </a:extLst>
+          </p:cNvPr>
+          <p:cNvSpPr>
+            <a:spLocks noGrp="1"/>
+          </p:cNvSpPr>
+          <p:nvPr>
+            <p:ph type="title"/>
+          </p:nvPr>
+        </p:nvSpPr>
+        <p:spPr>
+          <a:xfrm>
+            <a:off x="1452372" y="885444"/>
+            <a:ext cx="8878824" cy="1069848"/>
+          </a:xfrm>
+        </p:spPr>
+        <p:txBody>
+          <a:bodyPr/>
+          <a:lstStyle/>
+          <a:p>
+            <a:pPr algn="ctr"/>
+            <a:r>
+              <a:rPr lang="en-US" b="0" i="0" dirty="0">
+                <a:effectLst/>
+                <a:latin typeface="fkGrotesk"/>
+              </a:rPr>
+              <a:t>Conclusion &amp; Next Steps</a:t>
+            </a:r>
+            <a:endParaRPr lang="en-US" dirty="0"/>
+          </a:p>
+        </p:txBody>
+      </p:sp>
+      <p:sp>
+        <p:nvSpPr>
+          <p:cNvPr id="16" name="Content Placeholder 15">
+            <a:extLst>
+              <a:ext uri="{FF2B5EF4-FFF2-40B4-BE49-F238E27FC236}">
+                <a16:creationId xmlns:a16="http://schemas.microsoft.com/office/drawing/2014/main" id="{C5F55EAE-0A55-62E3-5FB0-A73D25AD723C}"/>
+              </a:ext>
+            </a:extLst>
+          </p:cNvPr>
+          <p:cNvSpPr>
+            <a:spLocks noGrp="1"/>
+          </p:cNvSpPr>
+          <p:nvPr>
+            <p:ph sz="half" idx="2"/>
+          </p:nvPr>
+        </p:nvSpPr>
+        <p:spPr>
+          <a:xfrm>
+            <a:off x="1447292" y="2743200"/>
+            <a:ext cx="2953512" cy="2578608"/>
+          </a:xfrm>
+        </p:spPr>
+        <p:txBody>
+          <a:bodyPr/>
+          <a:lstStyle/>
+          <a:p>
+            <a:r>
+              <a:rPr lang="en-GB" b="0" i="0" spc="300" dirty="0">
+                <a:effectLst/>
+                <a:latin typeface="fkGroteskNeue"/>
+              </a:rPr>
+              <a:t>This workflow combines advanced Python analytics and Excel dashboards to deliver actionable business intelligence from large e-commerce datasets.</a:t>
+            </a:r>
+            <a:endParaRPr lang="en-US" spc="300" dirty="0"/>
+          </a:p>
+        </p:txBody>
+      </p:sp>
+      <p:sp>
+        <p:nvSpPr>
+          <p:cNvPr id="20" name="Content Placeholder 19">
+            <a:extLst>
+              <a:ext uri="{FF2B5EF4-FFF2-40B4-BE49-F238E27FC236}">
+                <a16:creationId xmlns:a16="http://schemas.microsoft.com/office/drawing/2014/main" id="{A4ADA267-0AE3-24EB-48C1-A248FE82794B}"/>
+              </a:ext>
+            </a:extLst>
+          </p:cNvPr>
+          <p:cNvSpPr>
+            <a:spLocks noGrp="1"/>
+          </p:cNvSpPr>
+          <p:nvPr>
+            <p:ph sz="quarter" idx="4"/>
+          </p:nvPr>
+        </p:nvSpPr>
+        <p:spPr>
+          <a:xfrm>
+            <a:off x="4754880" y="2743200"/>
+            <a:ext cx="2953512" cy="3505200"/>
+          </a:xfrm>
+        </p:spPr>
+        <p:txBody>
+          <a:bodyPr/>
+          <a:lstStyle/>
+          <a:p>
+            <a:pPr algn="l">
+              <a:buFont typeface="Arial" panose="020B0604020202020204" pitchFamily="34" charset="0"/>
+              <a:buChar char="•"/>
+            </a:pPr>
+            <a:r>
+              <a:rPr lang="en-GB" b="0" i="0" spc="300" dirty="0">
+                <a:effectLst/>
+                <a:latin typeface="fkGroteskNeue"/>
+              </a:rPr>
+              <a:t>The provided templates can be expanded for other retail datasets or adapted to include machine learning forecasts.</a:t>
+            </a:r>
+          </a:p>
+          <a:p>
+            <a:pPr algn="l">
+              <a:buFont typeface="Arial" panose="020B0604020202020204" pitchFamily="34" charset="0"/>
+              <a:buChar char="•"/>
+            </a:pPr>
+            <a:r>
+              <a:rPr lang="en-GB" b="0" i="0" spc="300" dirty="0">
+                <a:effectLst/>
+                <a:latin typeface="fkGroteskNeue"/>
+              </a:rPr>
+              <a:t>Dashboards can be deployed for real-time monitoring or extended to cloud-based analytics platforms.</a:t>
+            </a:r>
+          </a:p>
+          <a:p>
+            <a:endParaRPr lang="en-US" spc="300" dirty="0"/>
+          </a:p>
+        </p:txBody>
+      </p:sp>
+      <p:sp>
+        <p:nvSpPr>
+          <p:cNvPr id="24" name="Content Placeholder 23">
+            <a:extLst>
+              <a:ext uri="{FF2B5EF4-FFF2-40B4-BE49-F238E27FC236}">
+                <a16:creationId xmlns:a16="http://schemas.microsoft.com/office/drawing/2014/main" id="{9ABBDFCC-4B9C-B4EE-EA7B-A08E50967C0D}"/>
+              </a:ext>
+            </a:extLst>
+          </p:cNvPr>
+          <p:cNvSpPr>
+            <a:spLocks noGrp="1"/>
+          </p:cNvSpPr>
+          <p:nvPr>
+            <p:ph sz="quarter" idx="14"/>
+          </p:nvPr>
+        </p:nvSpPr>
+        <p:spPr/>
+        <p:txBody>
+          <a:bodyPr/>
+          <a:lstStyle/>
+          <a:p>
+            <a:r>
+              <a:rPr lang="en-GB" b="0" i="0" spc="300" dirty="0">
+                <a:effectLst/>
+                <a:latin typeface="fkGroteskNeue"/>
+              </a:rPr>
+              <a:t>Enables data-driven decisions and aligns with industry reporting standards.</a:t>
+            </a:r>
+            <a:endParaRPr lang="en-US" spc="300" dirty="0"/>
+          </a:p>
+        </p:txBody>
+      </p:sp>
+    </p:spTree>
+    <p:extLst>
+      <p:ext uri="{BB962C8B-B14F-4D97-AF65-F5344CB8AC3E}">
+        <p14:creationId xmlns:p14="http://schemas.microsoft.com/office/powerpoint/2010/main" val="1877080978"/>
+      </p:ext>
+    </p:extLst>
+  </p:cSld>
+  <p:clrMapOvr>
+    <a:masterClrMapping/>
+  </p:clrMapOvr>
+</p:sld>
+</file>
+
+<file path=ppt/slides/slide21.xml><?xml version="1.0" encoding="utf-8"?>
+<p:sld xmlns:a="http://schemas.openxmlformats.org/drawingml/2006/main" xmlns:r="http://schemas.openxmlformats.org/officeDocument/2006/relationships" xmlns:p="http://schemas.openxmlformats.org/presentationml/2006/main">
+  <p:cSld>
+    <p:spTree>
+      <p:nvGrpSpPr>
+        <p:cNvPr id="1" name=""/>
+        <p:cNvGrpSpPr/>
+        <p:nvPr/>
+      </p:nvGrpSpPr>
+      <p:grpSpPr>
+        <a:xfrm>
+          <a:off x="0" y="0"/>
+          <a:ext cx="0" cy="0"/>
+          <a:chOff x="0" y="0"/>
+          <a:chExt cx="0" cy="0"/>
+        </a:xfrm>
+      </p:grpSpPr>
+      <p:sp>
+        <p:nvSpPr>
+          <p:cNvPr id="9" name="Title 1">
+            <a:extLst>
+              <a:ext uri="{FF2B5EF4-FFF2-40B4-BE49-F238E27FC236}">
+                <a16:creationId xmlns:a16="http://schemas.microsoft.com/office/drawing/2014/main" id="{48C5BC92-868A-26B2-CBC0-C9D94E65F1A4}"/>
+              </a:ext>
+            </a:extLst>
+          </p:cNvPr>
+          <p:cNvSpPr txBox="1">
+            <a:spLocks/>
+          </p:cNvSpPr>
+          <p:nvPr/>
+        </p:nvSpPr>
+        <p:spPr>
+          <a:xfrm>
+            <a:off x="2062988" y="1040383"/>
+            <a:ext cx="7735824" cy="1348927"/>
+          </a:xfrm>
+          <a:prstGeom prst="rect">
+            <a:avLst/>
+          </a:prstGeom>
+        </p:spPr>
+        <p:txBody>
+          <a:bodyPr vert="horz" lIns="91440" tIns="45720" rIns="91440" bIns="45720" rtlCol="0" anchor="ctr">
+            <a:noAutofit/>
+          </a:bodyPr>
+          <a:lstStyle>
+            <a:lvl1pPr algn="l" defTabSz="914400" rtl="0" eaLnBrk="1" latinLnBrk="0" hangingPunct="1">
+              <a:lnSpc>
+                <a:spcPct val="90000"/>
+              </a:lnSpc>
+              <a:spcBef>
+                <a:spcPct val="0"/>
+              </a:spcBef>
+              <a:buNone/>
+              <a:defRPr sz="4000" b="1" kern="1200" cap="all" spc="600" baseline="0">
+                <a:solidFill>
+                  <a:schemeClr val="bg1"/>
+                </a:solidFill>
+                <a:latin typeface="+mj-lt"/>
+                <a:ea typeface="+mj-ea"/>
+                <a:cs typeface="+mj-cs"/>
+              </a:defRPr>
+            </a:lvl1pPr>
+          </a:lstStyle>
+          <a:p>
+            <a:pPr algn="ctr"/>
+            <a:r>
+              <a:rPr lang="en-US" sz="4400" dirty="0">
+                <a:ln w="28575">
+                  <a:noFill/>
+                  <a:prstDash val="solid"/>
+                </a:ln>
+                <a:latin typeface="Tw Cen MT" panose="020B0602020104020603" pitchFamily="34" charset="77"/>
+                <a:ea typeface="Verdana" panose="020B0604030504040204" pitchFamily="34" charset="0"/>
+                <a:cs typeface="Verdana" panose="020B0604030504040204" pitchFamily="34" charset="0"/>
+              </a:rPr>
+              <a:t>SUMMARY</a:t>
+            </a:r>
+            <a:endParaRPr lang="en-US" sz="4400" dirty="0"/>
+          </a:p>
+        </p:txBody>
+      </p:sp>
+      <p:sp>
+        <p:nvSpPr>
+          <p:cNvPr id="10" name="Subtitle 2">
+            <a:extLst>
+              <a:ext uri="{FF2B5EF4-FFF2-40B4-BE49-F238E27FC236}">
+                <a16:creationId xmlns:a16="http://schemas.microsoft.com/office/drawing/2014/main" id="{6F9C1627-7A56-025E-482D-E2AB014EDF92}"/>
+              </a:ext>
+            </a:extLst>
+          </p:cNvPr>
+          <p:cNvSpPr txBox="1">
+            <a:spLocks/>
+          </p:cNvSpPr>
+          <p:nvPr/>
+        </p:nvSpPr>
+        <p:spPr>
+          <a:xfrm>
+            <a:off x="1701800" y="2616200"/>
+            <a:ext cx="8623300" cy="2857500"/>
+          </a:xfrm>
+          <a:prstGeom prst="rect">
+            <a:avLst/>
+          </a:prstGeom>
+        </p:spPr>
+        <p:txBody>
+          <a:bodyPr/>
+          <a:lstStyle>
+            <a:lvl1pPr marL="228600" indent="-347472" algn="l" defTabSz="914400" rtl="0" eaLnBrk="1" latinLnBrk="0" hangingPunct="1">
+              <a:lnSpc>
+                <a:spcPct val="90000"/>
+              </a:lnSpc>
+              <a:spcBef>
+                <a:spcPts val="1000"/>
+              </a:spcBef>
+              <a:buClr>
+                <a:schemeClr val="accent6"/>
+              </a:buClr>
+              <a:buFont typeface="Courier New" panose="02070309020205020404" pitchFamily="49" charset="0"/>
+              <a:buChar char="o"/>
+              <a:defRPr sz="2800" kern="1200">
+                <a:solidFill>
+                  <a:schemeClr val="bg1"/>
+                </a:solidFill>
+                <a:latin typeface="+mn-lt"/>
+                <a:ea typeface="+mn-ea"/>
+                <a:cs typeface="Segoe UI" panose="020B0502040204020203" pitchFamily="34" charset="0"/>
+              </a:defRPr>
+            </a:lvl1pPr>
+            <a:lvl2pPr marL="685800" indent="-347472" algn="l" defTabSz="914400" rtl="0" eaLnBrk="1" latinLnBrk="0" hangingPunct="1">
+              <a:lnSpc>
+                <a:spcPct val="90000"/>
+              </a:lnSpc>
+              <a:spcBef>
+                <a:spcPts val="500"/>
+              </a:spcBef>
+              <a:buClr>
+                <a:schemeClr val="accent6"/>
+              </a:buClr>
+              <a:buFont typeface="Courier New" panose="02070309020205020404" pitchFamily="49" charset="0"/>
+              <a:buChar char="o"/>
+              <a:defRPr sz="2400" kern="1200">
+                <a:solidFill>
+                  <a:schemeClr val="bg1"/>
+                </a:solidFill>
+                <a:latin typeface="+mn-lt"/>
+                <a:ea typeface="+mn-ea"/>
+                <a:cs typeface="Segoe UI" panose="020B0502040204020203" pitchFamily="34" charset="0"/>
+              </a:defRPr>
+            </a:lvl2pPr>
+            <a:lvl3pPr marL="1143000" indent="-347472" algn="l" defTabSz="914400" rtl="0" eaLnBrk="1" latinLnBrk="0" hangingPunct="1">
+              <a:lnSpc>
+                <a:spcPct val="90000"/>
+              </a:lnSpc>
+              <a:spcBef>
+                <a:spcPts val="500"/>
+              </a:spcBef>
+              <a:buClr>
+                <a:schemeClr val="accent6"/>
+              </a:buClr>
+              <a:buFont typeface="Courier New" panose="02070309020205020404" pitchFamily="49" charset="0"/>
+              <a:buChar char="o"/>
+              <a:defRPr sz="2000" kern="1200">
+                <a:solidFill>
+                  <a:schemeClr val="bg1"/>
+                </a:solidFill>
+                <a:latin typeface="+mn-lt"/>
+                <a:ea typeface="+mn-ea"/>
+                <a:cs typeface="Segoe UI" panose="020B0502040204020203" pitchFamily="34" charset="0"/>
+              </a:defRPr>
+            </a:lvl3pPr>
+            <a:lvl4pPr marL="1600200" indent="-347472" algn="l" defTabSz="914400" rtl="0" eaLnBrk="1" latinLnBrk="0" hangingPunct="1">
+              <a:lnSpc>
+                <a:spcPct val="90000"/>
+              </a:lnSpc>
+              <a:spcBef>
+                <a:spcPts val="500"/>
+              </a:spcBef>
+              <a:buClr>
+                <a:schemeClr val="accent6"/>
+              </a:buClr>
+              <a:buFont typeface="Courier New" panose="02070309020205020404" pitchFamily="49" charset="0"/>
+              <a:buChar char="o"/>
+              <a:defRPr sz="1800" kern="1200">
+                <a:solidFill>
+                  <a:schemeClr val="bg1"/>
+                </a:solidFill>
+                <a:latin typeface="+mn-lt"/>
+                <a:ea typeface="+mn-ea"/>
+                <a:cs typeface="Segoe UI" panose="020B0502040204020203" pitchFamily="34" charset="0"/>
+              </a:defRPr>
+            </a:lvl4pPr>
+            <a:lvl5pPr marL="2057400" indent="-347472" algn="l" defTabSz="914400" rtl="0" eaLnBrk="1" latinLnBrk="0" hangingPunct="1">
+              <a:lnSpc>
+                <a:spcPct val="90000"/>
+              </a:lnSpc>
+              <a:spcBef>
+                <a:spcPts val="500"/>
+              </a:spcBef>
+              <a:buClr>
+                <a:schemeClr val="accent6"/>
+              </a:buClr>
+              <a:buFont typeface="Courier New" panose="02070309020205020404" pitchFamily="49" charset="0"/>
+              <a:buChar char="o"/>
+              <a:defRPr sz="1800" kern="1200">
+                <a:solidFill>
+                  <a:schemeClr val="bg1"/>
+                </a:solidFill>
+                <a:latin typeface="+mn-lt"/>
+                <a:ea typeface="+mn-ea"/>
+                <a:cs typeface="Segoe UI" panose="020B0502040204020203" pitchFamily="34" charset="0"/>
+              </a:defRPr>
+            </a:lvl5pPr>
+            <a:lvl6pPr marL="2514600" indent="-228600" algn="l" defTabSz="914400" rtl="0" eaLnBrk="1" latinLnBrk="0" hangingPunct="1">
+              <a:lnSpc>
+                <a:spcPct val="90000"/>
+              </a:lnSpc>
+              <a:spcBef>
+                <a:spcPts val="500"/>
+              </a:spcBef>
+              <a:buFont typeface="Arial" panose="020B0604020202020204" pitchFamily="34" charset="0"/>
+              <a:buChar char="•"/>
+              <a:defRPr sz="1800" kern="1200">
+                <a:solidFill>
+                  <a:schemeClr val="tx1"/>
+                </a:solidFill>
+                <a:latin typeface="+mn-lt"/>
+                <a:ea typeface="+mn-ea"/>
+                <a:cs typeface="+mn-cs"/>
+              </a:defRPr>
+            </a:lvl6pPr>
+            <a:lvl7pPr marL="2971800" indent="-228600" algn="l" defTabSz="914400" rtl="0" eaLnBrk="1" latinLnBrk="0" hangingPunct="1">
+              <a:lnSpc>
+                <a:spcPct val="90000"/>
+              </a:lnSpc>
+              <a:spcBef>
+                <a:spcPts val="500"/>
+              </a:spcBef>
+              <a:buFont typeface="Arial" panose="020B0604020202020204" pitchFamily="34" charset="0"/>
+              <a:buChar char="•"/>
+              <a:defRPr sz="1800" kern="1200">
+                <a:solidFill>
+                  <a:schemeClr val="tx1"/>
+                </a:solidFill>
+                <a:latin typeface="+mn-lt"/>
+                <a:ea typeface="+mn-ea"/>
+                <a:cs typeface="+mn-cs"/>
+              </a:defRPr>
+            </a:lvl7pPr>
+            <a:lvl8pPr marL="3429000" indent="-228600" algn="l" defTabSz="914400" rtl="0" eaLnBrk="1" latinLnBrk="0" hangingPunct="1">
+              <a:lnSpc>
+                <a:spcPct val="90000"/>
+              </a:lnSpc>
+              <a:spcBef>
+                <a:spcPts val="500"/>
+              </a:spcBef>
+              <a:buFont typeface="Arial" panose="020B0604020202020204" pitchFamily="34" charset="0"/>
+              <a:buChar char="•"/>
+              <a:defRPr sz="1800" kern="1200">
+                <a:solidFill>
+                  <a:schemeClr val="tx1"/>
+                </a:solidFill>
+                <a:latin typeface="+mn-lt"/>
+                <a:ea typeface="+mn-ea"/>
+                <a:cs typeface="+mn-cs"/>
+              </a:defRPr>
+            </a:lvl8pPr>
+            <a:lvl9pPr marL="3886200" indent="-228600" algn="l" defTabSz="914400" rtl="0" eaLnBrk="1" latinLnBrk="0" hangingPunct="1">
+              <a:lnSpc>
+                <a:spcPct val="90000"/>
+              </a:lnSpc>
+              <a:spcBef>
+                <a:spcPts val="500"/>
+              </a:spcBef>
+              <a:buFont typeface="Arial" panose="020B0604020202020204" pitchFamily="34" charset="0"/>
+              <a:buChar char="•"/>
+              <a:defRPr sz="1800" kern="1200">
+                <a:solidFill>
+                  <a:schemeClr val="tx1"/>
+                </a:solidFill>
+                <a:latin typeface="+mn-lt"/>
+                <a:ea typeface="+mn-ea"/>
+                <a:cs typeface="+mn-cs"/>
+              </a:defRPr>
+            </a:lvl9pPr>
+          </a:lstStyle>
+          <a:p>
+            <a:r>
+              <a:rPr lang="en-GB" sz="1800" spc="300" dirty="0">
+                <a:latin typeface="berkeleyMono"/>
+              </a:rPr>
+              <a:t>Performed thorough data cleaning and advanced analysis on Kaggle e-commerce dataset. </a:t>
+            </a:r>
+          </a:p>
+          <a:p>
+            <a:r>
+              <a:rPr lang="en-GB" sz="1800" spc="300" dirty="0">
+                <a:latin typeface="berkeleyMono"/>
+              </a:rPr>
+              <a:t>Visualized major sales patterns, product trends, and regional performance.</a:t>
+            </a:r>
+          </a:p>
+          <a:p>
+            <a:r>
+              <a:rPr lang="en-GB" sz="1800" spc="300" dirty="0">
+                <a:latin typeface="berkeleyMono"/>
+              </a:rPr>
+              <a:t>Developed an interactive Excel dashboard for business insights. </a:t>
+            </a:r>
+          </a:p>
+          <a:p>
+            <a:r>
+              <a:rPr lang="en-GB" sz="1800" spc="300" dirty="0">
+                <a:latin typeface="berkeleyMono"/>
+              </a:rPr>
+              <a:t> Tackled data and visualization challenges with professional solutions. </a:t>
+            </a:r>
+          </a:p>
+          <a:p>
+            <a:r>
+              <a:rPr lang="en-GB" sz="1800" spc="300" dirty="0">
+                <a:latin typeface="berkeleyMono"/>
+              </a:rPr>
+              <a:t>Laid a solid foundation for ongoing analytics and reporting.</a:t>
+            </a:r>
+            <a:endParaRPr lang="en-US" sz="1800" spc="300" dirty="0"/>
+          </a:p>
+        </p:txBody>
+      </p:sp>
+    </p:spTree>
+    <p:extLst>
+      <p:ext uri="{BB962C8B-B14F-4D97-AF65-F5344CB8AC3E}">
+        <p14:creationId xmlns:p14="http://schemas.microsoft.com/office/powerpoint/2010/main" val="1958759625"/>
+      </p:ext>
+    </p:extLst>
+  </p:cSld>
+  <p:clrMapOvr>
+    <a:masterClrMapping/>
+  </p:clrMapOvr>
+</p:sld>
+</file>
+
+<file path=ppt/slides/slide22.xml><?xml version="1.0" encoding="utf-8"?>
+<p:sld xmlns:a="http://schemas.openxmlformats.org/drawingml/2006/main" xmlns:r="http://schemas.openxmlformats.org/officeDocument/2006/relationships" xmlns:p="http://schemas.openxmlformats.org/presentationml/2006/main">
+  <p:cSld>
+    <p:spTree>
+      <p:nvGrpSpPr>
+        <p:cNvPr id="1" name=""/>
+        <p:cNvGrpSpPr/>
+        <p:nvPr/>
+      </p:nvGrpSpPr>
+      <p:grpSpPr>
+        <a:xfrm>
+          <a:off x="0" y="0"/>
+          <a:ext cx="0" cy="0"/>
+          <a:chOff x="0" y="0"/>
+          <a:chExt cx="0" cy="0"/>
+        </a:xfrm>
+      </p:grpSpPr>
+      <p:sp>
+        <p:nvSpPr>
+          <p:cNvPr id="2" name="Title 1">
+            <a:extLst>
+              <a:ext uri="{FF2B5EF4-FFF2-40B4-BE49-F238E27FC236}">
+                <a16:creationId xmlns:a16="http://schemas.microsoft.com/office/drawing/2014/main" id="{2C9E1892-81E6-551C-7B5A-DEA68224520B}"/>
+              </a:ext>
+            </a:extLst>
+          </p:cNvPr>
+          <p:cNvSpPr>
+            <a:spLocks noGrp="1"/>
+          </p:cNvSpPr>
+          <p:nvPr>
+            <p:ph type="title"/>
+          </p:nvPr>
+        </p:nvSpPr>
+        <p:spPr>
+          <a:xfrm>
+            <a:off x="1651254" y="1384300"/>
+            <a:ext cx="9901428" cy="855980"/>
+          </a:xfrm>
+        </p:spPr>
+        <p:txBody>
+          <a:bodyPr/>
+          <a:lstStyle/>
+          <a:p>
+            <a:pPr algn="l"/>
+            <a:r>
+              <a:rPr lang="en-GB" sz="3600" b="0" i="0" dirty="0">
+                <a:effectLst/>
+                <a:latin typeface="fkGroteskNeue"/>
+              </a:rPr>
+              <a:t>Thank you for your attention!</a:t>
+            </a:r>
+          </a:p>
+        </p:txBody>
+      </p:sp>
+      <p:sp>
+        <p:nvSpPr>
+          <p:cNvPr id="3" name="Text Placeholder 2">
+            <a:extLst>
+              <a:ext uri="{FF2B5EF4-FFF2-40B4-BE49-F238E27FC236}">
+                <a16:creationId xmlns:a16="http://schemas.microsoft.com/office/drawing/2014/main" id="{55519D01-29BE-BE76-41C5-9D58AD8119DC}"/>
+              </a:ext>
+            </a:extLst>
+          </p:cNvPr>
+          <p:cNvSpPr>
+            <a:spLocks noGrp="1"/>
+          </p:cNvSpPr>
+          <p:nvPr>
+            <p:ph type="body" idx="1"/>
+          </p:nvPr>
+        </p:nvSpPr>
+        <p:spPr>
+          <a:xfrm>
+            <a:off x="5403850" y="3492179"/>
+            <a:ext cx="6180582" cy="400110"/>
+          </a:xfrm>
+        </p:spPr>
+        <p:txBody>
+          <a:bodyPr/>
+          <a:lstStyle/>
+          <a:p>
+            <a:pPr algn="l"/>
+            <a:r>
+              <a:rPr lang="en-GB" sz="2000" b="0" i="0" spc="300" dirty="0">
+                <a:effectLst/>
+                <a:latin typeface="fkGroteskNeue"/>
+              </a:rPr>
+              <a:t>Questions and feedback are welcome</a:t>
+            </a:r>
+          </a:p>
+        </p:txBody>
+      </p:sp>
+      <p:grpSp>
+        <p:nvGrpSpPr>
+          <p:cNvPr id="12" name="Group 11">
+            <a:extLst>
+              <a:ext uri="{FF2B5EF4-FFF2-40B4-BE49-F238E27FC236}">
+                <a16:creationId xmlns:a16="http://schemas.microsoft.com/office/drawing/2014/main" id="{4EF125B3-8F8D-F8B9-E721-65042457E702}"/>
+              </a:ext>
+            </a:extLst>
+          </p:cNvPr>
+          <p:cNvGrpSpPr/>
+          <p:nvPr/>
+        </p:nvGrpSpPr>
+        <p:grpSpPr>
+          <a:xfrm>
+            <a:off x="4802632" y="4499673"/>
+            <a:ext cx="5027168" cy="401321"/>
+            <a:chOff x="4802632" y="4585911"/>
+            <a:chExt cx="5027168" cy="401321"/>
+          </a:xfrm>
+        </p:grpSpPr>
+        <p:pic>
+          <p:nvPicPr>
+            <p:cNvPr id="5" name="Graphic 4" descr="Envelope with solid fill">
+              <a:extLst>
+                <a:ext uri="{FF2B5EF4-FFF2-40B4-BE49-F238E27FC236}">
+                  <a16:creationId xmlns:a16="http://schemas.microsoft.com/office/drawing/2014/main" id="{63A8405F-615A-B423-5EF4-7B80645EF3A6}"/>
+                </a:ext>
+              </a:extLst>
+            </p:cNvPr>
+            <p:cNvPicPr>
+              <a:picLocks noChangeAspect="1"/>
+            </p:cNvPicPr>
+            <p:nvPr/>
+          </p:nvPicPr>
+          <p:blipFill>
+            <a:blip r:embed="rId2">
+              <a:extLst>
+                <a:ext uri="{96DAC541-7B7A-43D3-8B79-37D633B846F1}">
+                  <asvg:svgBlip xmlns:asvg="http://schemas.microsoft.com/office/drawing/2016/SVG/main" r:embed="rId3"/>
+                </a:ext>
+              </a:extLst>
+            </a:blip>
+            <a:stretch>
+              <a:fillRect/>
+            </a:stretch>
+          </p:blipFill>
+          <p:spPr>
+            <a:xfrm>
+              <a:off x="4802632" y="4618932"/>
+              <a:ext cx="569468" cy="368300"/>
+            </a:xfrm>
+            <a:prstGeom prst="rect">
+              <a:avLst/>
+            </a:prstGeom>
+          </p:spPr>
+        </p:pic>
+        <p:sp>
+          <p:nvSpPr>
+            <p:cNvPr id="6" name="TextBox 5">
+              <a:extLst>
+                <a:ext uri="{FF2B5EF4-FFF2-40B4-BE49-F238E27FC236}">
+                  <a16:creationId xmlns:a16="http://schemas.microsoft.com/office/drawing/2014/main" id="{A1ADEE9F-339A-8737-7DD7-51DE830F974E}"/>
+                </a:ext>
+              </a:extLst>
+            </p:cNvPr>
+            <p:cNvSpPr txBox="1"/>
+            <p:nvPr/>
+          </p:nvSpPr>
+          <p:spPr>
+            <a:xfrm>
+              <a:off x="5372100" y="4585911"/>
+              <a:ext cx="4457700" cy="400110"/>
+            </a:xfrm>
+            <a:prstGeom prst="rect">
+              <a:avLst/>
+            </a:prstGeom>
+            <a:noFill/>
+          </p:spPr>
+          <p:txBody>
+            <a:bodyPr wrap="square" rtlCol="0">
+              <a:spAutoFit/>
+            </a:bodyPr>
+            <a:lstStyle/>
+            <a:p>
+              <a:r>
+                <a:rPr lang="en-GB" sz="2000" b="0" i="0" spc="300" dirty="0">
+                  <a:solidFill>
+                    <a:schemeClr val="bg1"/>
+                  </a:solidFill>
+                  <a:effectLst/>
+                  <a:latin typeface="fkGroteskNeue"/>
+                </a:rPr>
+                <a:t>Kunnuyadav18@gmail.com</a:t>
+              </a:r>
+            </a:p>
+          </p:txBody>
+        </p:sp>
+      </p:grpSp>
+      <p:pic>
+        <p:nvPicPr>
+          <p:cNvPr id="8" name="Graphic 7" descr="Handshake with solid fill">
+            <a:extLst>
+              <a:ext uri="{FF2B5EF4-FFF2-40B4-BE49-F238E27FC236}">
+                <a16:creationId xmlns:a16="http://schemas.microsoft.com/office/drawing/2014/main" id="{C348B9BB-01FD-7159-58A5-EF067A3AE0B3}"/>
+              </a:ext>
+            </a:extLst>
+          </p:cNvPr>
+          <p:cNvPicPr>
+            <a:picLocks noChangeAspect="1"/>
+          </p:cNvPicPr>
+          <p:nvPr/>
+        </p:nvPicPr>
+        <p:blipFill>
+          <a:blip r:embed="rId4">
+            <a:extLst>
+              <a:ext uri="{96DAC541-7B7A-43D3-8B79-37D633B846F1}">
+                <asvg:svgBlip xmlns:asvg="http://schemas.microsoft.com/office/drawing/2016/SVG/main" r:embed="rId5"/>
+              </a:ext>
+            </a:extLst>
+          </a:blip>
+          <a:stretch>
+            <a:fillRect/>
+          </a:stretch>
+        </p:blipFill>
+        <p:spPr>
+          <a:xfrm>
+            <a:off x="4802632" y="3417190"/>
+            <a:ext cx="569468" cy="569468"/>
+          </a:xfrm>
+          <a:prstGeom prst="rect">
+            <a:avLst/>
+          </a:prstGeom>
+        </p:spPr>
+      </p:pic>
+      <p:grpSp>
+        <p:nvGrpSpPr>
+          <p:cNvPr id="13" name="Group 12">
+            <a:extLst>
+              <a:ext uri="{FF2B5EF4-FFF2-40B4-BE49-F238E27FC236}">
+                <a16:creationId xmlns:a16="http://schemas.microsoft.com/office/drawing/2014/main" id="{BB5D144B-CAFF-66D1-950E-33B2920A40E1}"/>
+              </a:ext>
+            </a:extLst>
+          </p:cNvPr>
+          <p:cNvGrpSpPr/>
+          <p:nvPr/>
+        </p:nvGrpSpPr>
+        <p:grpSpPr>
+          <a:xfrm>
+            <a:off x="4882515" y="3987869"/>
+            <a:ext cx="4782185" cy="409702"/>
+            <a:chOff x="4882515" y="3987869"/>
+            <a:chExt cx="4782185" cy="409702"/>
+          </a:xfrm>
+        </p:grpSpPr>
+        <p:pic>
+          <p:nvPicPr>
+            <p:cNvPr id="10" name="Graphic 9" descr="Employee badge with solid fill">
+              <a:extLst>
+                <a:ext uri="{FF2B5EF4-FFF2-40B4-BE49-F238E27FC236}">
+                  <a16:creationId xmlns:a16="http://schemas.microsoft.com/office/drawing/2014/main" id="{F115321A-E0D3-49C6-78BD-6308BD605A4D}"/>
+                </a:ext>
+              </a:extLst>
+            </p:cNvPr>
+            <p:cNvPicPr>
+              <a:picLocks noChangeAspect="1"/>
+            </p:cNvPicPr>
+            <p:nvPr/>
+          </p:nvPicPr>
+          <p:blipFill>
+            <a:blip r:embed="rId6">
+              <a:extLst>
+                <a:ext uri="{96DAC541-7B7A-43D3-8B79-37D633B846F1}">
+                  <asvg:svgBlip xmlns:asvg="http://schemas.microsoft.com/office/drawing/2016/SVG/main" r:embed="rId7"/>
+                </a:ext>
+              </a:extLst>
+            </a:blip>
+            <a:stretch>
+              <a:fillRect/>
+            </a:stretch>
+          </p:blipFill>
+          <p:spPr>
+            <a:xfrm>
+              <a:off x="4882515" y="3987869"/>
+              <a:ext cx="409702" cy="409702"/>
+            </a:xfrm>
+            <a:prstGeom prst="rect">
+              <a:avLst/>
+            </a:prstGeom>
+          </p:spPr>
+        </p:pic>
+        <p:sp>
+          <p:nvSpPr>
+            <p:cNvPr id="11" name="TextBox 10">
+              <a:extLst>
+                <a:ext uri="{FF2B5EF4-FFF2-40B4-BE49-F238E27FC236}">
+                  <a16:creationId xmlns:a16="http://schemas.microsoft.com/office/drawing/2014/main" id="{038B4201-3366-B7FC-C29C-D517DB238465}"/>
+                </a:ext>
+              </a:extLst>
+            </p:cNvPr>
+            <p:cNvSpPr txBox="1"/>
+            <p:nvPr/>
+          </p:nvSpPr>
+          <p:spPr>
+            <a:xfrm>
+              <a:off x="5403850" y="4011315"/>
+              <a:ext cx="4260850" cy="369332"/>
+            </a:xfrm>
+            <a:prstGeom prst="rect">
+              <a:avLst/>
+            </a:prstGeom>
+            <a:noFill/>
+          </p:spPr>
+          <p:txBody>
+            <a:bodyPr wrap="square" rtlCol="0">
+              <a:spAutoFit/>
+            </a:bodyPr>
+            <a:lstStyle/>
+            <a:p>
+              <a:r>
+                <a:rPr lang="en-GB" spc="300" dirty="0">
+                  <a:solidFill>
+                    <a:schemeClr val="bg1"/>
+                  </a:solidFill>
+                  <a:latin typeface="fkGroteskNeue"/>
+                </a:rPr>
+                <a:t>Kunal Yadav</a:t>
+              </a:r>
+            </a:p>
+          </p:txBody>
+        </p:sp>
+      </p:grpSp>
+    </p:spTree>
+    <p:extLst>
+      <p:ext uri="{BB962C8B-B14F-4D97-AF65-F5344CB8AC3E}">
+        <p14:creationId xmlns:p14="http://schemas.microsoft.com/office/powerpoint/2010/main" val="1877701230"/>
+      </p:ext>
+    </p:extLst>
+  </p:cSld>
+  <p:clrMapOvr>
+    <a:masterClrMapping/>
+  </p:clrMapOvr>
+</p:sld>
+</file>
+
+<file path=ppt/slides/slide3.xml><?xml version="1.0" encoding="utf-8"?>
+<p:sld xmlns:a="http://schemas.openxmlformats.org/drawingml/2006/main" xmlns:r="http://schemas.openxmlformats.org/officeDocument/2006/relationships" xmlns:p="http://schemas.openxmlformats.org/presentationml/2006/main">
+  <p:cSld>
+    <p:spTree>
+      <p:nvGrpSpPr>
+        <p:cNvPr id="1" name=""/>
+        <p:cNvGrpSpPr/>
+        <p:nvPr/>
+      </p:nvGrpSpPr>
+      <p:grpSpPr>
+        <a:xfrm>
+          <a:off x="0" y="0"/>
+          <a:ext cx="0" cy="0"/>
+          <a:chOff x="0" y="0"/>
+          <a:chExt cx="0" cy="0"/>
+        </a:xfrm>
+      </p:grpSpPr>
+      <p:sp>
+        <p:nvSpPr>
+          <p:cNvPr id="2" name="Title 1">
+            <a:extLst>
+              <a:ext uri="{FF2B5EF4-FFF2-40B4-BE49-F238E27FC236}">
+                <a16:creationId xmlns:a16="http://schemas.microsoft.com/office/drawing/2014/main" id="{F41F0E99-07CC-9576-AFD7-C52151AD0EA3}"/>
+              </a:ext>
+            </a:extLst>
+          </p:cNvPr>
+          <p:cNvSpPr>
+            <a:spLocks noGrp="1"/>
+          </p:cNvSpPr>
+          <p:nvPr>
+            <p:ph type="ctrTitle"/>
+          </p:nvPr>
+        </p:nvSpPr>
+        <p:spPr/>
+        <p:txBody>
+          <a:bodyPr/>
+          <a:lstStyle/>
+          <a:p>
+            <a:r>
+              <a:rPr lang="en-US" i="0" dirty="0">
+                <a:effectLst/>
+                <a:latin typeface="fkGrotesk"/>
+              </a:rPr>
+              <a:t>Dataset Overview</a:t>
+            </a:r>
+            <a:endParaRPr lang="en-US" dirty="0"/>
+          </a:p>
+        </p:txBody>
+      </p:sp>
+      <p:sp>
+        <p:nvSpPr>
+          <p:cNvPr id="3" name="Subtitle 2">
+            <a:extLst>
+              <a:ext uri="{FF2B5EF4-FFF2-40B4-BE49-F238E27FC236}">
+                <a16:creationId xmlns:a16="http://schemas.microsoft.com/office/drawing/2014/main" id="{5A82A8B0-333F-633E-3FA7-D38DBFB10971}"/>
+              </a:ext>
+            </a:extLst>
+          </p:cNvPr>
+          <p:cNvSpPr>
+            <a:spLocks noGrp="1"/>
+          </p:cNvSpPr>
+          <p:nvPr>
+            <p:ph type="subTitle" idx="1"/>
+          </p:nvPr>
+        </p:nvSpPr>
+        <p:spPr/>
+        <p:txBody>
+          <a:bodyPr/>
+          <a:lstStyle/>
+          <a:p>
+            <a:pPr algn="l"/>
+            <a:r>
+              <a:rPr lang="en-GB" b="0" i="0" dirty="0">
+                <a:effectLst/>
+                <a:latin typeface="fkGroteskNeue"/>
+              </a:rPr>
+              <a:t>Source : Kaggle E-Commerce Data</a:t>
+            </a:r>
+          </a:p>
+          <a:p>
+            <a:pPr algn="l"/>
+            <a:r>
+              <a:rPr lang="en-GB" b="0" i="0" dirty="0">
+                <a:effectLst/>
+                <a:latin typeface="fkGroteskNeue"/>
+              </a:rPr>
+              <a:t>Records : ~500,000 transactions</a:t>
+            </a:r>
+          </a:p>
+          <a:p>
+            <a:pPr algn="l"/>
+            <a:r>
+              <a:rPr lang="en-GB" b="0" i="0" dirty="0">
+                <a:effectLst/>
+                <a:latin typeface="fkGroteskNeue"/>
+              </a:rPr>
+              <a:t>Fields : Order, Product, Customer, Country, Amount, Date</a:t>
+            </a:r>
+          </a:p>
+        </p:txBody>
+      </p:sp>
+    </p:spTree>
+    <p:extLst>
+      <p:ext uri="{BB962C8B-B14F-4D97-AF65-F5344CB8AC3E}">
+        <p14:creationId xmlns:p14="http://schemas.microsoft.com/office/powerpoint/2010/main" val="3380759881"/>
+      </p:ext>
+    </p:extLst>
+  </p:cSld>
+  <p:clrMapOvr>
+    <a:masterClrMapping/>
+  </p:clrMapOvr>
+</p:sld>
+</file>
+
+<file path=ppt/slides/slide4.xml><?xml version="1.0" encoding="utf-8"?>
+<p:sld xmlns:a="http://schemas.openxmlformats.org/drawingml/2006/main" xmlns:r="http://schemas.openxmlformats.org/officeDocument/2006/relationships" xmlns:p="http://schemas.openxmlformats.org/presentationml/2006/main">
+  <p:cSld>
+    <p:spTree>
+      <p:nvGrpSpPr>
+        <p:cNvPr id="1" name=""/>
+        <p:cNvGrpSpPr/>
+        <p:nvPr/>
+      </p:nvGrpSpPr>
+      <p:grpSpPr>
+        <a:xfrm>
+          <a:off x="0" y="0"/>
+          <a:ext cx="0" cy="0"/>
+          <a:chOff x="0" y="0"/>
+          <a:chExt cx="0" cy="0"/>
+        </a:xfrm>
+      </p:grpSpPr>
+      <p:sp>
+        <p:nvSpPr>
+          <p:cNvPr id="2" name="Title 1">
+            <a:extLst>
+              <a:ext uri="{FF2B5EF4-FFF2-40B4-BE49-F238E27FC236}">
+                <a16:creationId xmlns:a16="http://schemas.microsoft.com/office/drawing/2014/main" id="{797310B5-D907-A977-7A9C-69F8BEB7BB3F}"/>
+              </a:ext>
+            </a:extLst>
+          </p:cNvPr>
+          <p:cNvSpPr>
+            <a:spLocks noGrp="1"/>
+          </p:cNvSpPr>
+          <p:nvPr>
+            <p:ph type="ctrTitle"/>
+          </p:nvPr>
+        </p:nvSpPr>
+        <p:spPr/>
+        <p:txBody>
+          <a:bodyPr/>
+          <a:lstStyle/>
+          <a:p>
+            <a:r>
+              <a:rPr lang="en-US" dirty="0"/>
+              <a:t>Methodology</a:t>
+            </a:r>
+          </a:p>
+        </p:txBody>
+      </p:sp>
+      <p:sp>
+        <p:nvSpPr>
+          <p:cNvPr id="3" name="Subtitle 2">
+            <a:extLst>
+              <a:ext uri="{FF2B5EF4-FFF2-40B4-BE49-F238E27FC236}">
+                <a16:creationId xmlns:a16="http://schemas.microsoft.com/office/drawing/2014/main" id="{C05FF0B8-5B51-7376-0271-8D849CA3F8A8}"/>
+              </a:ext>
+            </a:extLst>
+          </p:cNvPr>
+          <p:cNvSpPr>
+            <a:spLocks noGrp="1"/>
+          </p:cNvSpPr>
+          <p:nvPr>
+            <p:ph type="subTitle" idx="1"/>
+          </p:nvPr>
+        </p:nvSpPr>
+        <p:spPr>
+          <a:xfrm>
+            <a:off x="2560320" y="3803904"/>
+            <a:ext cx="7068312" cy="2190496"/>
+          </a:xfrm>
+        </p:spPr>
+        <p:txBody>
+          <a:bodyPr/>
+          <a:lstStyle/>
+          <a:p>
+            <a:pPr marL="342900" indent="-342900">
+              <a:buFont typeface="Arial" panose="020B0604020202020204" pitchFamily="34" charset="0"/>
+              <a:buChar char="•"/>
+            </a:pPr>
+            <a:endParaRPr lang="en-GB" dirty="0"/>
+          </a:p>
+          <a:p>
+            <a:pPr marL="342900" indent="-342900">
+              <a:buFont typeface="Arial" panose="020B0604020202020204" pitchFamily="34" charset="0"/>
+              <a:buChar char="•"/>
+            </a:pPr>
+            <a:r>
+              <a:rPr lang="en-GB" dirty="0"/>
+              <a:t>Data cleaning/engineering in Python</a:t>
+            </a:r>
+          </a:p>
+          <a:p>
+            <a:pPr marL="342900" indent="-342900">
+              <a:buFont typeface="Arial" panose="020B0604020202020204" pitchFamily="34" charset="0"/>
+              <a:buChar char="•"/>
+            </a:pPr>
+            <a:r>
+              <a:rPr lang="en-GB" dirty="0"/>
+              <a:t>Exploratory &amp; advanced analytics</a:t>
+            </a:r>
+          </a:p>
+          <a:p>
+            <a:pPr marL="342900" indent="-342900">
+              <a:buFont typeface="Arial" panose="020B0604020202020204" pitchFamily="34" charset="0"/>
+              <a:buChar char="•"/>
+            </a:pPr>
+            <a:r>
+              <a:rPr lang="en-GB" dirty="0"/>
+              <a:t>Export &amp; dashboard in Excel</a:t>
+            </a:r>
+            <a:endParaRPr lang="en-US" dirty="0"/>
+          </a:p>
+        </p:txBody>
+      </p:sp>
+    </p:spTree>
+    <p:extLst>
+      <p:ext uri="{BB962C8B-B14F-4D97-AF65-F5344CB8AC3E}">
+        <p14:creationId xmlns:p14="http://schemas.microsoft.com/office/powerpoint/2010/main" val="548476299"/>
+      </p:ext>
+    </p:extLst>
+  </p:cSld>
+  <p:clrMapOvr>
+    <a:masterClrMapping/>
+  </p:clrMapOvr>
+</p:sld>
+</file>
+
+<file path=ppt/slides/slide5.xml><?xml version="1.0" encoding="utf-8"?>
+<p:sld xmlns:a="http://schemas.openxmlformats.org/drawingml/2006/main" xmlns:r="http://schemas.openxmlformats.org/officeDocument/2006/relationships" xmlns:p="http://schemas.openxmlformats.org/presentationml/2006/main">
+  <p:cSld>
+    <p:spTree>
+      <p:nvGrpSpPr>
+        <p:cNvPr id="1" name=""/>
+        <p:cNvGrpSpPr/>
+        <p:nvPr/>
+      </p:nvGrpSpPr>
+      <p:grpSpPr>
+        <a:xfrm>
+          <a:off x="0" y="0"/>
+          <a:ext cx="0" cy="0"/>
+          <a:chOff x="0" y="0"/>
+          <a:chExt cx="0" cy="0"/>
+        </a:xfrm>
+      </p:grpSpPr>
+      <p:sp>
+        <p:nvSpPr>
+          <p:cNvPr id="2" name="Title 1">
+            <a:extLst>
+              <a:ext uri="{FF2B5EF4-FFF2-40B4-BE49-F238E27FC236}">
+                <a16:creationId xmlns:a16="http://schemas.microsoft.com/office/drawing/2014/main" id="{F1A12747-86FE-5E70-4183-E43EE5497376}"/>
+              </a:ext>
+            </a:extLst>
+          </p:cNvPr>
+          <p:cNvSpPr>
+            <a:spLocks noGrp="1"/>
+          </p:cNvSpPr>
+          <p:nvPr>
+            <p:ph type="title"/>
+          </p:nvPr>
+        </p:nvSpPr>
+        <p:spPr>
+          <a:xfrm>
+            <a:off x="850392" y="362204"/>
+            <a:ext cx="10881360" cy="1069848"/>
+          </a:xfrm>
+        </p:spPr>
+        <p:txBody>
+          <a:bodyPr/>
+          <a:lstStyle/>
+          <a:p>
+            <a:pPr algn="ctr"/>
+            <a:r>
+              <a:rPr lang="en-US" sz="4400" dirty="0"/>
+              <a:t>Reading The file </a:t>
+            </a:r>
+          </a:p>
+        </p:txBody>
+      </p:sp>
+      <p:pic>
+        <p:nvPicPr>
+          <p:cNvPr id="6" name="Picture 5">
+            <a:extLst>
+              <a:ext uri="{FF2B5EF4-FFF2-40B4-BE49-F238E27FC236}">
+                <a16:creationId xmlns:a16="http://schemas.microsoft.com/office/drawing/2014/main" id="{0E043879-41DA-0D92-6A73-96F7BFC43E12}"/>
+              </a:ext>
+            </a:extLst>
+          </p:cNvPr>
+          <p:cNvPicPr>
+            <a:picLocks noChangeAspect="1"/>
+          </p:cNvPicPr>
+          <p:nvPr/>
+        </p:nvPicPr>
+        <p:blipFill>
+          <a:blip r:embed="rId2"/>
+          <a:stretch>
+            <a:fillRect/>
+          </a:stretch>
+        </p:blipFill>
+        <p:spPr>
+          <a:xfrm>
+            <a:off x="7081404" y="1648463"/>
+            <a:ext cx="3134162" cy="1267002"/>
+          </a:xfrm>
+          <a:prstGeom prst="rect">
+            <a:avLst/>
+          </a:prstGeom>
+        </p:spPr>
+      </p:pic>
+      <p:pic>
+        <p:nvPicPr>
+          <p:cNvPr id="8" name="Picture 7">
+            <a:extLst>
+              <a:ext uri="{FF2B5EF4-FFF2-40B4-BE49-F238E27FC236}">
+                <a16:creationId xmlns:a16="http://schemas.microsoft.com/office/drawing/2014/main" id="{98817CF5-B4E6-AFDA-4F9A-CF24900AE28E}"/>
+              </a:ext>
+            </a:extLst>
+          </p:cNvPr>
+          <p:cNvPicPr>
+            <a:picLocks noChangeAspect="1"/>
+          </p:cNvPicPr>
+          <p:nvPr/>
+        </p:nvPicPr>
+        <p:blipFill>
+          <a:blip r:embed="rId3"/>
+          <a:stretch>
+            <a:fillRect/>
+          </a:stretch>
+        </p:blipFill>
+        <p:spPr>
+          <a:xfrm>
+            <a:off x="5319033" y="3392056"/>
+            <a:ext cx="4896533" cy="695422"/>
+          </a:xfrm>
+          <a:prstGeom prst="rect">
+            <a:avLst/>
+          </a:prstGeom>
+        </p:spPr>
+      </p:pic>
+      <p:pic>
+        <p:nvPicPr>
+          <p:cNvPr id="10" name="Picture 9">
+            <a:extLst>
+              <a:ext uri="{FF2B5EF4-FFF2-40B4-BE49-F238E27FC236}">
+                <a16:creationId xmlns:a16="http://schemas.microsoft.com/office/drawing/2014/main" id="{641F5FB7-3A01-9E10-7D21-F6639AEDE072}"/>
+              </a:ext>
+            </a:extLst>
+          </p:cNvPr>
+          <p:cNvPicPr>
+            <a:picLocks noChangeAspect="1"/>
+          </p:cNvPicPr>
+          <p:nvPr/>
+        </p:nvPicPr>
+        <p:blipFill>
+          <a:blip r:embed="rId4"/>
+          <a:stretch>
+            <a:fillRect/>
+          </a:stretch>
+        </p:blipFill>
+        <p:spPr>
+          <a:xfrm>
+            <a:off x="1312230" y="4555657"/>
+            <a:ext cx="9059539" cy="1533739"/>
+          </a:xfrm>
+          <a:prstGeom prst="rect">
+            <a:avLst/>
+          </a:prstGeom>
+        </p:spPr>
+      </p:pic>
+      <p:sp>
+        <p:nvSpPr>
+          <p:cNvPr id="11" name="TextBox 10">
+            <a:extLst>
+              <a:ext uri="{FF2B5EF4-FFF2-40B4-BE49-F238E27FC236}">
+                <a16:creationId xmlns:a16="http://schemas.microsoft.com/office/drawing/2014/main" id="{8D016BA1-5A59-0A7D-7A52-3B4B14C4B00A}"/>
+              </a:ext>
+            </a:extLst>
+          </p:cNvPr>
+          <p:cNvSpPr txBox="1"/>
+          <p:nvPr/>
+        </p:nvSpPr>
+        <p:spPr>
+          <a:xfrm>
+            <a:off x="1630172" y="1908643"/>
+            <a:ext cx="4660900" cy="646331"/>
+          </a:xfrm>
+          <a:prstGeom prst="rect">
+            <a:avLst/>
+          </a:prstGeom>
+          <a:noFill/>
+        </p:spPr>
+        <p:txBody>
+          <a:bodyPr wrap="square" rtlCol="0">
+            <a:spAutoFit/>
+          </a:bodyPr>
+          <a:lstStyle/>
+          <a:p>
+            <a:pPr algn="ctr"/>
+            <a:r>
+              <a:rPr lang="en-GB" dirty="0">
+                <a:solidFill>
+                  <a:schemeClr val="bg1"/>
+                </a:solidFill>
+              </a:rPr>
+              <a:t>READ AND LOAD THE EXCEL DATA</a:t>
+            </a:r>
+          </a:p>
+          <a:p>
+            <a:pPr algn="ctr"/>
+            <a:r>
+              <a:rPr lang="en-GB" dirty="0">
+                <a:solidFill>
+                  <a:schemeClr val="bg1"/>
+                </a:solidFill>
+              </a:rPr>
+              <a:t>INTO IPYNB FILE</a:t>
+            </a:r>
+          </a:p>
+        </p:txBody>
+      </p:sp>
+    </p:spTree>
+    <p:extLst>
+      <p:ext uri="{BB962C8B-B14F-4D97-AF65-F5344CB8AC3E}">
+        <p14:creationId xmlns:p14="http://schemas.microsoft.com/office/powerpoint/2010/main" val="563186468"/>
+      </p:ext>
+    </p:extLst>
+  </p:cSld>
+  <p:clrMapOvr>
+    <a:masterClrMapping/>
+  </p:clrMapOvr>
+</p:sld>
+</file>
+
+<file path=ppt/slides/slide6.xml><?xml version="1.0" encoding="utf-8"?>
+<p:sld xmlns:a="http://schemas.openxmlformats.org/drawingml/2006/main" xmlns:r="http://schemas.openxmlformats.org/officeDocument/2006/relationships" xmlns:p="http://schemas.openxmlformats.org/presentationml/2006/main">
+  <p:cSld>
+    <p:spTree>
+      <p:nvGrpSpPr>
+        <p:cNvPr id="1" name=""/>
+        <p:cNvGrpSpPr/>
+        <p:nvPr/>
+      </p:nvGrpSpPr>
+      <p:grpSpPr>
+        <a:xfrm>
+          <a:off x="0" y="0"/>
+          <a:ext cx="0" cy="0"/>
+          <a:chOff x="0" y="0"/>
+          <a:chExt cx="0" cy="0"/>
+        </a:xfrm>
+      </p:grpSpPr>
+      <p:sp>
+        <p:nvSpPr>
+          <p:cNvPr id="2" name="Title 1">
+            <a:extLst>
+              <a:ext uri="{FF2B5EF4-FFF2-40B4-BE49-F238E27FC236}">
+                <a16:creationId xmlns:a16="http://schemas.microsoft.com/office/drawing/2014/main" id="{F1A12747-86FE-5E70-4183-E43EE5497376}"/>
+              </a:ext>
+            </a:extLst>
+          </p:cNvPr>
+          <p:cNvSpPr>
+            <a:spLocks noGrp="1"/>
+          </p:cNvSpPr>
+          <p:nvPr>
+            <p:ph type="title"/>
+          </p:nvPr>
+        </p:nvSpPr>
+        <p:spPr>
+          <a:xfrm>
+            <a:off x="850392" y="362204"/>
+            <a:ext cx="10881360" cy="1069848"/>
+          </a:xfrm>
+        </p:spPr>
+        <p:txBody>
+          <a:bodyPr/>
+          <a:lstStyle/>
+          <a:p>
+            <a:pPr algn="ctr"/>
+            <a:r>
+              <a:rPr lang="en-US" sz="4400" dirty="0" err="1"/>
+              <a:t>Dataframe</a:t>
+            </a:r>
+            <a:r>
+              <a:rPr lang="en-US" sz="4400" dirty="0"/>
+              <a:t> structure summary</a:t>
+            </a:r>
+          </a:p>
+        </p:txBody>
+      </p:sp>
+      <p:sp>
+        <p:nvSpPr>
+          <p:cNvPr id="11" name="TextBox 10">
+            <a:extLst>
+              <a:ext uri="{FF2B5EF4-FFF2-40B4-BE49-F238E27FC236}">
+                <a16:creationId xmlns:a16="http://schemas.microsoft.com/office/drawing/2014/main" id="{8D016BA1-5A59-0A7D-7A52-3B4B14C4B00A}"/>
+              </a:ext>
+            </a:extLst>
+          </p:cNvPr>
+          <p:cNvSpPr txBox="1"/>
+          <p:nvPr/>
+        </p:nvSpPr>
+        <p:spPr>
+          <a:xfrm>
+            <a:off x="1066800" y="2315043"/>
+            <a:ext cx="5924340" cy="2862322"/>
+          </a:xfrm>
+          <a:prstGeom prst="rect">
+            <a:avLst/>
+          </a:prstGeom>
+          <a:noFill/>
+        </p:spPr>
+        <p:txBody>
+          <a:bodyPr wrap="square" rtlCol="0">
+            <a:spAutoFit/>
+          </a:bodyPr>
+          <a:lstStyle/>
+          <a:p>
+            <a:pPr algn="ctr"/>
+            <a:r>
+              <a:rPr lang="en-GB" spc="300" dirty="0">
+                <a:solidFill>
+                  <a:schemeClr val="bg1"/>
+                </a:solidFill>
+              </a:rPr>
+              <a:t>THE DF.INFO() OUTPUT SHOWS THE DATAFRAME’S STRUCTURE: IT HAS 541,909 ROWS AND 8 COLUMNS, LISTING EACH COLUMN’S NAME, NUMBER OF NON-NULL VALUES, AND DATA TYPE. THIS HELPS IDENTIFY COLUMNS WITH MISSING DATA (LIKE ‘DESCRIPTION’ AND ‘CUSTOMERID’), AND GIVES A QUICK OVERVIEW OF MEMORY USAGE AND DATA TYPES FOR FURTHER CLEANING OR ANALYSIS.</a:t>
+            </a:r>
+          </a:p>
+        </p:txBody>
+      </p:sp>
+      <p:pic>
+        <p:nvPicPr>
+          <p:cNvPr id="4" name="Picture 3">
+            <a:extLst>
+              <a:ext uri="{FF2B5EF4-FFF2-40B4-BE49-F238E27FC236}">
+                <a16:creationId xmlns:a16="http://schemas.microsoft.com/office/drawing/2014/main" id="{954C29AD-2342-53EC-2A87-187522E76CBB}"/>
+              </a:ext>
+            </a:extLst>
+          </p:cNvPr>
+          <p:cNvPicPr>
+            <a:picLocks noChangeAspect="1"/>
+          </p:cNvPicPr>
+          <p:nvPr/>
+        </p:nvPicPr>
+        <p:blipFill>
+          <a:blip r:embed="rId2"/>
+          <a:stretch>
+            <a:fillRect/>
+          </a:stretch>
+        </p:blipFill>
+        <p:spPr>
+          <a:xfrm>
+            <a:off x="7967052" y="1898934"/>
+            <a:ext cx="2858488" cy="832218"/>
+          </a:xfrm>
+          <a:prstGeom prst="rect">
+            <a:avLst/>
+          </a:prstGeom>
+        </p:spPr>
+      </p:pic>
+      <p:pic>
+        <p:nvPicPr>
+          <p:cNvPr id="12" name="Picture 11">
+            <a:extLst>
+              <a:ext uri="{FF2B5EF4-FFF2-40B4-BE49-F238E27FC236}">
+                <a16:creationId xmlns:a16="http://schemas.microsoft.com/office/drawing/2014/main" id="{750C0A34-24CD-51BD-63E4-446535858FB6}"/>
+              </a:ext>
+            </a:extLst>
+          </p:cNvPr>
+          <p:cNvPicPr>
+            <a:picLocks noChangeAspect="1"/>
+          </p:cNvPicPr>
+          <p:nvPr/>
+        </p:nvPicPr>
+        <p:blipFill>
+          <a:blip r:embed="rId3"/>
+          <a:stretch>
+            <a:fillRect/>
+          </a:stretch>
+        </p:blipFill>
+        <p:spPr>
+          <a:xfrm>
+            <a:off x="7489592" y="3066643"/>
+            <a:ext cx="3813408" cy="3334009"/>
+          </a:xfrm>
+          <a:prstGeom prst="rect">
+            <a:avLst/>
+          </a:prstGeom>
+        </p:spPr>
+      </p:pic>
+    </p:spTree>
+    <p:extLst>
+      <p:ext uri="{BB962C8B-B14F-4D97-AF65-F5344CB8AC3E}">
+        <p14:creationId xmlns:p14="http://schemas.microsoft.com/office/powerpoint/2010/main" val="3218536478"/>
+      </p:ext>
+    </p:extLst>
+  </p:cSld>
+  <p:clrMapOvr>
+    <a:masterClrMapping/>
+  </p:clrMapOvr>
+</p:sld>
+</file>
+
+<file path=ppt/slides/slide7.xml><?xml version="1.0" encoding="utf-8"?>
+<p:sld xmlns:a="http://schemas.openxmlformats.org/drawingml/2006/main" xmlns:r="http://schemas.openxmlformats.org/officeDocument/2006/relationships" xmlns:p="http://schemas.openxmlformats.org/presentationml/2006/main">
+  <p:cSld>
+    <p:spTree>
+      <p:nvGrpSpPr>
+        <p:cNvPr id="1" name=""/>
+        <p:cNvGrpSpPr/>
+        <p:nvPr/>
+      </p:nvGrpSpPr>
+      <p:grpSpPr>
+        <a:xfrm>
+          <a:off x="0" y="0"/>
+          <a:ext cx="0" cy="0"/>
+          <a:chOff x="0" y="0"/>
+          <a:chExt cx="0" cy="0"/>
+        </a:xfrm>
+      </p:grpSpPr>
+      <p:sp>
+        <p:nvSpPr>
+          <p:cNvPr id="2" name="Title 1">
+            <a:extLst>
+              <a:ext uri="{FF2B5EF4-FFF2-40B4-BE49-F238E27FC236}">
+                <a16:creationId xmlns:a16="http://schemas.microsoft.com/office/drawing/2014/main" id="{378CE620-14FD-E704-0177-EB78BFDE2829}"/>
+              </a:ext>
+            </a:extLst>
+          </p:cNvPr>
+          <p:cNvSpPr>
+            <a:spLocks noGrp="1"/>
+          </p:cNvSpPr>
+          <p:nvPr>
+            <p:ph type="title"/>
+          </p:nvPr>
+        </p:nvSpPr>
+        <p:spPr>
+          <a:xfrm>
+            <a:off x="655320" y="367792"/>
+            <a:ext cx="10881360" cy="1069848"/>
+          </a:xfrm>
+        </p:spPr>
+        <p:txBody>
+          <a:bodyPr/>
+          <a:lstStyle/>
+          <a:p>
+            <a:pPr algn="ctr"/>
+            <a:r>
+              <a:rPr lang="en-US" dirty="0"/>
+              <a:t>Cleaning data</a:t>
+            </a:r>
+          </a:p>
+        </p:txBody>
+      </p:sp>
+      <p:pic>
+        <p:nvPicPr>
+          <p:cNvPr id="6" name="Picture 5">
+            <a:extLst>
+              <a:ext uri="{FF2B5EF4-FFF2-40B4-BE49-F238E27FC236}">
+                <a16:creationId xmlns:a16="http://schemas.microsoft.com/office/drawing/2014/main" id="{B944A93E-60E3-259A-5D6B-293C011DEC61}"/>
+              </a:ext>
+            </a:extLst>
+          </p:cNvPr>
+          <p:cNvPicPr>
+            <a:picLocks noChangeAspect="1"/>
+          </p:cNvPicPr>
+          <p:nvPr/>
+        </p:nvPicPr>
+        <p:blipFill>
+          <a:blip r:embed="rId2"/>
+          <a:stretch>
+            <a:fillRect/>
+          </a:stretch>
+        </p:blipFill>
+        <p:spPr>
+          <a:xfrm>
+            <a:off x="5943600" y="1805732"/>
+            <a:ext cx="6055199" cy="3756937"/>
+          </a:xfrm>
+          <a:prstGeom prst="rect">
+            <a:avLst/>
+          </a:prstGeom>
+        </p:spPr>
+      </p:pic>
+      <p:sp>
+        <p:nvSpPr>
+          <p:cNvPr id="7" name="TextBox 6">
+            <a:extLst>
+              <a:ext uri="{FF2B5EF4-FFF2-40B4-BE49-F238E27FC236}">
+                <a16:creationId xmlns:a16="http://schemas.microsoft.com/office/drawing/2014/main" id="{FDEDE79B-A2A6-6DAB-3BE0-899CDF235B81}"/>
+              </a:ext>
+            </a:extLst>
+          </p:cNvPr>
+          <p:cNvSpPr txBox="1"/>
+          <p:nvPr/>
+        </p:nvSpPr>
+        <p:spPr>
+          <a:xfrm>
+            <a:off x="1028700" y="2120900"/>
+            <a:ext cx="4419600" cy="2862322"/>
+          </a:xfrm>
+          <a:prstGeom prst="rect">
+            <a:avLst/>
+          </a:prstGeom>
+          <a:noFill/>
+        </p:spPr>
+        <p:txBody>
+          <a:bodyPr wrap="square" rtlCol="0">
+            <a:spAutoFit/>
+          </a:bodyPr>
+          <a:lstStyle/>
+          <a:p>
+            <a:r>
+              <a:rPr lang="en-GB" b="0" i="0" spc="300" dirty="0">
+                <a:solidFill>
+                  <a:schemeClr val="bg1"/>
+                </a:solidFill>
+                <a:effectLst/>
+                <a:latin typeface="fkGroteskNeue"/>
+              </a:rPr>
+              <a:t>THIS CODE CLEANS AND PREPROCESSES A DATASET BY REMOVING DUPLICATE, NULL, AND INVALID ENTRIES, CONVERTING DATA TYPES, AND ENSURING ALL QUANTITIES ARE POSITIVE. IT PREPARES THE DATAFRAME FOR ACCURATE ANALYSIS BY KEEPING ONLY VALID, CONSISTENT RECORDS.</a:t>
+            </a:r>
+            <a:endParaRPr lang="en-US" spc="300" dirty="0">
+              <a:solidFill>
+                <a:schemeClr val="bg1"/>
+              </a:solidFill>
+            </a:endParaRPr>
+          </a:p>
+        </p:txBody>
+      </p:sp>
+    </p:spTree>
+    <p:extLst>
+      <p:ext uri="{BB962C8B-B14F-4D97-AF65-F5344CB8AC3E}">
+        <p14:creationId xmlns:p14="http://schemas.microsoft.com/office/powerpoint/2010/main" val="528142193"/>
+      </p:ext>
+    </p:extLst>
+  </p:cSld>
+  <p:clrMapOvr>
+    <a:masterClrMapping/>
+  </p:clrMapOvr>
+</p:sld>
+</file>
+
+<file path=ppt/slides/slide8.xml><?xml version="1.0" encoding="utf-8"?>
+<p:sld xmlns:a="http://schemas.openxmlformats.org/drawingml/2006/main" xmlns:r="http://schemas.openxmlformats.org/officeDocument/2006/relationships" xmlns:p="http://schemas.openxmlformats.org/presentationml/2006/main">
+  <p:cSld>
+    <p:spTree>
+      <p:nvGrpSpPr>
+        <p:cNvPr id="1" name=""/>
+        <p:cNvGrpSpPr/>
+        <p:nvPr/>
+      </p:nvGrpSpPr>
+      <p:grpSpPr>
+        <a:xfrm>
+          <a:off x="0" y="0"/>
+          <a:ext cx="0" cy="0"/>
+          <a:chOff x="0" y="0"/>
+          <a:chExt cx="0" cy="0"/>
+        </a:xfrm>
+      </p:grpSpPr>
+      <p:sp>
+        <p:nvSpPr>
+          <p:cNvPr id="2" name="Title 1">
+            <a:extLst>
+              <a:ext uri="{FF2B5EF4-FFF2-40B4-BE49-F238E27FC236}">
+                <a16:creationId xmlns:a16="http://schemas.microsoft.com/office/drawing/2014/main" id="{378CE620-14FD-E704-0177-EB78BFDE2829}"/>
+              </a:ext>
+            </a:extLst>
+          </p:cNvPr>
+          <p:cNvSpPr>
+            <a:spLocks noGrp="1"/>
+          </p:cNvSpPr>
+          <p:nvPr>
+            <p:ph type="title"/>
+          </p:nvPr>
+        </p:nvSpPr>
+        <p:spPr>
+          <a:xfrm>
+            <a:off x="655320" y="367792"/>
+            <a:ext cx="10881360" cy="1069848"/>
+          </a:xfrm>
+        </p:spPr>
+        <p:txBody>
+          <a:bodyPr/>
+          <a:lstStyle/>
+          <a:p>
+            <a:pPr algn="ctr"/>
+            <a:r>
+              <a:rPr lang="en-US" dirty="0"/>
+              <a:t>Adding columns</a:t>
+            </a:r>
+          </a:p>
+        </p:txBody>
+      </p:sp>
+      <p:sp>
+        <p:nvSpPr>
+          <p:cNvPr id="7" name="TextBox 6">
+            <a:extLst>
+              <a:ext uri="{FF2B5EF4-FFF2-40B4-BE49-F238E27FC236}">
+                <a16:creationId xmlns:a16="http://schemas.microsoft.com/office/drawing/2014/main" id="{FDEDE79B-A2A6-6DAB-3BE0-899CDF235B81}"/>
+              </a:ext>
+            </a:extLst>
+          </p:cNvPr>
+          <p:cNvSpPr txBox="1"/>
+          <p:nvPr/>
+        </p:nvSpPr>
+        <p:spPr>
+          <a:xfrm>
+            <a:off x="1041400" y="2413336"/>
+            <a:ext cx="4419600" cy="2031325"/>
+          </a:xfrm>
+          <a:prstGeom prst="rect">
+            <a:avLst/>
+          </a:prstGeom>
+          <a:noFill/>
+        </p:spPr>
+        <p:txBody>
+          <a:bodyPr wrap="square" rtlCol="0">
+            <a:spAutoFit/>
+          </a:bodyPr>
+          <a:lstStyle/>
+          <a:p>
+            <a:r>
+              <a:rPr lang="en-GB" b="0" i="0" spc="300" dirty="0">
+                <a:solidFill>
+                  <a:schemeClr val="bg1"/>
+                </a:solidFill>
+                <a:effectLst/>
+                <a:latin typeface="fkGroteskNeue"/>
+              </a:rPr>
+              <a:t>This code calculates total sales for each transaction, extracts year and month details from the invoice date, and then filters the dataset to include only records with positive sales values.</a:t>
+            </a:r>
+            <a:endParaRPr lang="en-US" spc="300" dirty="0">
+              <a:solidFill>
+                <a:schemeClr val="bg1"/>
+              </a:solidFill>
+            </a:endParaRPr>
+          </a:p>
+        </p:txBody>
+      </p:sp>
+      <p:pic>
+        <p:nvPicPr>
+          <p:cNvPr id="12" name="Picture 11">
+            <a:extLst>
+              <a:ext uri="{FF2B5EF4-FFF2-40B4-BE49-F238E27FC236}">
+                <a16:creationId xmlns:a16="http://schemas.microsoft.com/office/drawing/2014/main" id="{737A954E-C32C-7B12-1F3B-E9D80B687123}"/>
+              </a:ext>
+            </a:extLst>
+          </p:cNvPr>
+          <p:cNvPicPr>
+            <a:picLocks noChangeAspect="1"/>
+          </p:cNvPicPr>
+          <p:nvPr/>
+        </p:nvPicPr>
+        <p:blipFill>
+          <a:blip r:embed="rId2"/>
+          <a:stretch>
+            <a:fillRect/>
+          </a:stretch>
+        </p:blipFill>
+        <p:spPr>
+          <a:xfrm>
+            <a:off x="5905500" y="2141713"/>
+            <a:ext cx="5872480" cy="2574573"/>
+          </a:xfrm>
+          <a:prstGeom prst="rect">
+            <a:avLst/>
+          </a:prstGeom>
+        </p:spPr>
+      </p:pic>
+    </p:spTree>
+    <p:extLst>
+      <p:ext uri="{BB962C8B-B14F-4D97-AF65-F5344CB8AC3E}">
+        <p14:creationId xmlns:p14="http://schemas.microsoft.com/office/powerpoint/2010/main" val="1279418367"/>
+      </p:ext>
+    </p:extLst>
+  </p:cSld>
+  <p:clrMapOvr>
+    <a:masterClrMapping/>
+  </p:clrMapOvr>
+</p:sld>
+</file>
+
 <file path=ppt/slides/slide9.xml><?xml version="1.0" encoding="utf-8"?>
 <p:sld xmlns:a="http://schemas.openxmlformats.org/drawingml/2006/main" xmlns:r="http://schemas.openxmlformats.org/officeDocument/2006/relationships" xmlns:p="http://schemas.openxmlformats.org/presentationml/2006/main">
   <p:cSld>
@@ -21754,7 +22643,7 @@
           <p:cNvPr id="2" name="Title 1">
             <a:extLst>
               <a:ext uri="{FF2B5EF4-FFF2-40B4-BE49-F238E27FC236}">
-                <a16:creationId xmlns:a16="http://schemas.microsoft.com/office/drawing/2014/main" id="{B753EE81-32BD-FCE5-65D6-33C955BB29F9}"/>
+                <a16:creationId xmlns:a16="http://schemas.microsoft.com/office/drawing/2014/main" id="{378CE620-14FD-E704-0177-EB78BFDE2829}"/>
               </a:ext>
             </a:extLst>
           </p:cNvPr>
@@ -21765,64 +22654,76 @@
             <p:ph type="title"/>
           </p:nvPr>
         </p:nvSpPr>
-        <p:spPr/>
+        <p:spPr>
+          <a:xfrm>
+            <a:off x="655320" y="367792"/>
+            <a:ext cx="10881360" cy="1069848"/>
+          </a:xfrm>
+        </p:spPr>
         <p:txBody>
           <a:bodyPr/>
           <a:lstStyle/>
           <a:p>
             <a:pPr algn="ctr"/>
             <a:r>
-              <a:rPr lang="en-US" b="0" i="0" dirty="0">
+              <a:rPr lang="en-US" dirty="0"/>
+              <a:t>Adding columns</a:t>
+            </a:r>
+          </a:p>
+        </p:txBody>
+      </p:sp>
+      <p:sp>
+        <p:nvSpPr>
+          <p:cNvPr id="7" name="TextBox 6">
+            <a:extLst>
+              <a:ext uri="{FF2B5EF4-FFF2-40B4-BE49-F238E27FC236}">
+                <a16:creationId xmlns:a16="http://schemas.microsoft.com/office/drawing/2014/main" id="{FDEDE79B-A2A6-6DAB-3BE0-899CDF235B81}"/>
+              </a:ext>
+            </a:extLst>
+          </p:cNvPr>
+          <p:cNvSpPr txBox="1"/>
+          <p:nvPr/>
+        </p:nvSpPr>
+        <p:spPr>
+          <a:xfrm>
+            <a:off x="2463800" y="3642359"/>
+            <a:ext cx="7256490" cy="2031325"/>
+          </a:xfrm>
+          <a:prstGeom prst="rect">
+            <a:avLst/>
+          </a:prstGeom>
+          <a:noFill/>
+        </p:spPr>
+        <p:txBody>
+          <a:bodyPr wrap="square" rtlCol="0">
+            <a:spAutoFit/>
+          </a:bodyPr>
+          <a:lstStyle/>
+          <a:p>
+            <a:r>
+              <a:rPr lang="en-GB" b="0" i="0" spc="300" dirty="0">
+                <a:solidFill>
+                  <a:schemeClr val="bg1"/>
+                </a:solidFill>
                 <a:effectLst/>
                 <a:latin typeface="fkGroteskNeue"/>
               </a:rPr>
-              <a:t>Correlation Matrix (Heatmap)</a:t>
-            </a:r>
-            <a:br>
-              <a:rPr lang="en-US" b="0" i="0" dirty="0">
-                <a:effectLst/>
-                <a:latin typeface="fkGroteskNeue"/>
-              </a:rPr>
-            </a:br>
-            <a:endParaRPr lang="en-US" dirty="0"/>
-          </a:p>
-        </p:txBody>
-      </p:sp>
-      <p:sp>
-        <p:nvSpPr>
-          <p:cNvPr id="4" name="Slide Number Placeholder 3">
-            <a:extLst>
-              <a:ext uri="{FF2B5EF4-FFF2-40B4-BE49-F238E27FC236}">
-                <a16:creationId xmlns:a16="http://schemas.microsoft.com/office/drawing/2014/main" id="{523591FF-6721-96E6-CE48-253DAE521798}"/>
-              </a:ext>
-            </a:extLst>
-          </p:cNvPr>
-          <p:cNvSpPr>
-            <a:spLocks noGrp="1"/>
-          </p:cNvSpPr>
-          <p:nvPr>
-            <p:ph type="sldNum" sz="quarter" idx="12"/>
-          </p:nvPr>
-        </p:nvSpPr>
-        <p:spPr/>
-        <p:txBody>
-          <a:bodyPr/>
-          <a:lstStyle/>
-          <a:p>
-            <a:fld id="{294A09A9-5501-47C1-A89A-A340965A2BE2}" type="slidenum">
-              <a:rPr lang="en-US" smtClean="0"/>
-              <a:t>9</a:t>
-            </a:fld>
-            <a:endParaRPr lang="en-US" dirty="0"/>
+              <a:t>THIS CODE SAVES THE CLEANED DATA, MONTHLY SALES SUMMARY, AND TOP SALES RECORDS TO SEPARATE SHEETS IN A SINGLE EXCEL FILE NAMED SUMMARYREPORT.XLSX USING THE OPENPYXL ENGINE. EACH DATAFRAME IS WRITTEN TO ITS RELEVANT SHEET, MAKING IT EASY TO ORGANIZE AND ACCESS THE PROCESSED RESULTS IN ONE REPORT.</a:t>
+            </a:r>
+            <a:endParaRPr lang="en-US" spc="300" dirty="0">
+              <a:solidFill>
+                <a:schemeClr val="bg1"/>
+              </a:solidFill>
+            </a:endParaRPr>
           </a:p>
         </p:txBody>
       </p:sp>
       <p:pic>
         <p:nvPicPr>
-          <p:cNvPr id="12" name="Picture 11" descr="A graph of sales and sales&#10;&#10;AI-generated content may be incorrect.">
-            <a:extLst>
-              <a:ext uri="{FF2B5EF4-FFF2-40B4-BE49-F238E27FC236}">
-                <a16:creationId xmlns:a16="http://schemas.microsoft.com/office/drawing/2014/main" id="{F976295E-3EFF-6F8B-A0D9-B25E25AA73E4}"/>
+          <p:cNvPr id="4" name="Picture 3">
+            <a:extLst>
+              <a:ext uri="{FF2B5EF4-FFF2-40B4-BE49-F238E27FC236}">
+                <a16:creationId xmlns:a16="http://schemas.microsoft.com/office/drawing/2014/main" id="{07E19E89-8A39-8504-5D4C-17CEB661D500}"/>
               </a:ext>
             </a:extLst>
           </p:cNvPr>
@@ -21832,128 +22733,25 @@
           <p:nvPr/>
         </p:nvPicPr>
         <p:blipFill>
-          <a:blip r:embed="rId2">
-            <a:extLst>
-              <a:ext uri="{BEBA8EAE-BF5A-486C-A8C5-ECC9F3942E4B}">
-                <a14:imgProps xmlns:a14="http://schemas.microsoft.com/office/drawing/2010/main">
-                  <a14:imgLayer r:embed="rId3">
-                    <a14:imgEffect>
-                      <a14:brightnessContrast bright="20000" contrast="-20000"/>
-                    </a14:imgEffect>
-                  </a14:imgLayer>
-                </a14:imgProps>
-              </a:ext>
-            </a:extLst>
-          </a:blip>
+          <a:blip r:embed="rId2"/>
           <a:stretch>
             <a:fillRect/>
           </a:stretch>
         </p:blipFill>
         <p:spPr>
           <a:xfrm>
-            <a:off x="685292" y="2025391"/>
-            <a:ext cx="5511808" cy="4000505"/>
+            <a:off x="1814122" y="1673352"/>
+            <a:ext cx="8555846" cy="1355975"/>
           </a:xfrm>
           <a:prstGeom prst="rect">
             <a:avLst/>
           </a:prstGeom>
         </p:spPr>
       </p:pic>
-      <p:pic>
-        <p:nvPicPr>
-          <p:cNvPr id="14" name="Picture 13">
-            <a:extLst>
-              <a:ext uri="{FF2B5EF4-FFF2-40B4-BE49-F238E27FC236}">
-                <a16:creationId xmlns:a16="http://schemas.microsoft.com/office/drawing/2014/main" id="{ACD5805F-2590-E66A-FBB9-A66919A78808}"/>
-              </a:ext>
-            </a:extLst>
-          </p:cNvPr>
-          <p:cNvPicPr>
-            <a:picLocks noChangeAspect="1"/>
-          </p:cNvPicPr>
-          <p:nvPr/>
-        </p:nvPicPr>
-        <p:blipFill>
-          <a:blip r:embed="rId4"/>
-          <a:stretch>
-            <a:fillRect/>
-          </a:stretch>
-        </p:blipFill>
-        <p:spPr>
-          <a:xfrm>
-            <a:off x="6388100" y="2642871"/>
-            <a:ext cx="5715000" cy="1825744"/>
-          </a:xfrm>
-          <a:prstGeom prst="rect">
-            <a:avLst/>
-          </a:prstGeom>
-        </p:spPr>
-      </p:pic>
-      <p:sp>
-        <p:nvSpPr>
-          <p:cNvPr id="3" name="Callout: Bent Line with No Border 2">
-            <a:extLst>
-              <a:ext uri="{FF2B5EF4-FFF2-40B4-BE49-F238E27FC236}">
-                <a16:creationId xmlns:a16="http://schemas.microsoft.com/office/drawing/2014/main" id="{4A07308F-078E-5077-1FF7-BF6870BFF872}"/>
-              </a:ext>
-            </a:extLst>
-          </p:cNvPr>
-          <p:cNvSpPr/>
-          <p:nvPr/>
-        </p:nvSpPr>
-        <p:spPr>
-          <a:xfrm>
-            <a:off x="7315200" y="5108449"/>
-            <a:ext cx="4546600" cy="1406651"/>
-          </a:xfrm>
-          <a:prstGeom prst="callout2">
-            <a:avLst>
-              <a:gd name="adj1" fmla="val 41321"/>
-              <a:gd name="adj2" fmla="val 7030"/>
-              <a:gd name="adj3" fmla="val 50350"/>
-              <a:gd name="adj4" fmla="val -8007"/>
-              <a:gd name="adj5" fmla="val 8672"/>
-              <a:gd name="adj6" fmla="val -24041"/>
-            </a:avLst>
-          </a:prstGeom>
-          <a:noFill/>
-        </p:spPr>
-        <p:style>
-          <a:lnRef idx="2">
-            <a:schemeClr val="accent1">
-              <a:shade val="15000"/>
-            </a:schemeClr>
-          </a:lnRef>
-          <a:fillRef idx="1">
-            <a:schemeClr val="accent1"/>
-          </a:fillRef>
-          <a:effectRef idx="0">
-            <a:schemeClr val="accent1"/>
-          </a:effectRef>
-          <a:fontRef idx="minor">
-            <a:schemeClr val="lt1"/>
-          </a:fontRef>
-        </p:style>
-        <p:txBody>
-          <a:bodyPr rtlCol="0" anchor="ctr"/>
-          <a:lstStyle/>
-          <a:p>
-            <a:pPr algn="ctr"/>
-            <a:r>
-              <a:rPr lang="en-GB" b="0" i="0" spc="300" dirty="0">
-                <a:effectLst/>
-                <a:latin typeface="fkGroteskNeue"/>
-              </a:rPr>
-              <a:t>Visualizes relationships between quantity, price, and sales for analytical insights</a:t>
-            </a:r>
-            <a:endParaRPr lang="en-US" spc="300" dirty="0"/>
-          </a:p>
-        </p:txBody>
-      </p:sp>
     </p:spTree>
     <p:extLst>
       <p:ext uri="{BB962C8B-B14F-4D97-AF65-F5344CB8AC3E}">
-        <p14:creationId xmlns:p14="http://schemas.microsoft.com/office/powerpoint/2010/main" val="3923763133"/>
+        <p14:creationId xmlns:p14="http://schemas.microsoft.com/office/powerpoint/2010/main" val="2527604013"/>
       </p:ext>
     </p:extLst>
   </p:cSld>
@@ -22480,6 +23278,15 @@
 </file>
 
 <file path=customXml/item2.xml><?xml version="1.0" encoding="utf-8"?>
+<?mso-contentType ?>
+<FormTemplates xmlns="http://schemas.microsoft.com/sharepoint/v3/contenttype/forms">
+  <Display>DocumentLibraryForm</Display>
+  <Edit>DocumentLibraryForm</Edit>
+  <New>DocumentLibraryForm</New>
+</FormTemplates>
+</file>
+
+<file path=customXml/item3.xml><?xml version="1.0" encoding="utf-8"?>
 <ct:contentTypeSchema xmlns:ct="http://schemas.microsoft.com/office/2006/metadata/contentType" xmlns:ma="http://schemas.microsoft.com/office/2006/metadata/properties/metaAttributes" ct:_="" ma:_="" ma:contentTypeName="Document" ma:contentTypeID="0x01010079F111ED35F8CC479449609E8A0923A6" ma:contentTypeVersion="25" ma:contentTypeDescription="Create a new document." ma:contentTypeScope="" ma:versionID="e02306daf00165b375dc6a58966960be">
   <xsd:schema xmlns:xsd="http://www.w3.org/2001/XMLSchema" xmlns:xs="http://www.w3.org/2001/XMLSchema" xmlns:p="http://schemas.microsoft.com/office/2006/metadata/properties" xmlns:ns1="http://schemas.microsoft.com/sharepoint/v3" xmlns:ns2="71af3243-3dd4-4a8d-8c0d-dd76da1f02a5" xmlns:ns3="16c05727-aa75-4e4a-9b5f-8a80a1165891" xmlns:ns4="230e9df3-be65-4c73-a93b-d1236ebd677e" targetNamespace="http://schemas.microsoft.com/office/2006/metadata/properties" ma:root="true" ma:fieldsID="df88fb76bf5f555224557953949c1ec9" ns1:_="" ns2:_="" ns3:_="" ns4:_="">
     <xsd:import namespace="http://schemas.microsoft.com/sharepoint/v3"/>
@@ -22773,15 +23580,6 @@
 </ct:contentTypeSchema>
 </file>
 
-<file path=customXml/item3.xml><?xml version="1.0" encoding="utf-8"?>
-<?mso-contentType ?>
-<FormTemplates xmlns="http://schemas.microsoft.com/sharepoint/v3/contenttype/forms">
-  <Display>DocumentLibraryForm</Display>
-  <Edit>DocumentLibraryForm</Edit>
-  <New>DocumentLibraryForm</New>
-</FormTemplates>
-</file>
-
 <file path=customXml/itemProps1.xml><?xml version="1.0" encoding="utf-8"?>
 <ds:datastoreItem xmlns:ds="http://schemas.openxmlformats.org/officeDocument/2006/customXml" ds:itemID="{F8B8ECF1-2A9D-464C-AFE8-2B3295D0BF97}">
   <ds:schemaRefs>
@@ -22795,6 +23593,14 @@
 </file>
 
 <file path=customXml/itemProps2.xml><?xml version="1.0" encoding="utf-8"?>
+<ds:datastoreItem xmlns:ds="http://schemas.openxmlformats.org/officeDocument/2006/customXml" ds:itemID="{4F1F1912-3146-44AF-A389-9E8B77BB3688}">
+  <ds:schemaRefs>
+    <ds:schemaRef ds:uri="http://schemas.microsoft.com/sharepoint/v3/contenttype/forms"/>
+  </ds:schemaRefs>
+</ds:datastoreItem>
+</file>
+
+<file path=customXml/itemProps3.xml><?xml version="1.0" encoding="utf-8"?>
 <ds:datastoreItem xmlns:ds="http://schemas.openxmlformats.org/officeDocument/2006/customXml" ds:itemID="{176493A3-2B83-4E58-86AD-56A2F2A20F12}">
   <ds:schemaRefs>
     <ds:schemaRef ds:uri="http://schemas.microsoft.com/office/2006/metadata/contentType"/>
@@ -22815,14 +23621,6 @@
 </ds:datastoreItem>
 </file>
 
-<file path=customXml/itemProps3.xml><?xml version="1.0" encoding="utf-8"?>
-<ds:datastoreItem xmlns:ds="http://schemas.openxmlformats.org/officeDocument/2006/customXml" ds:itemID="{4F1F1912-3146-44AF-A389-9E8B77BB3688}">
-  <ds:schemaRefs>
-    <ds:schemaRef ds:uri="http://schemas.microsoft.com/sharepoint/v3/contenttype/forms"/>
-  </ds:schemaRefs>
-</ds:datastoreItem>
-</file>
-
 <file path=docMetadata/LabelInfo.xml><?xml version="1.0" encoding="utf-8"?>
 <clbl:labelList xmlns:clbl="http://schemas.microsoft.com/office/2020/mipLabelMetadata"/>
 </file>
--- a/Ecommerce_Analysis_Project_IBM/Documentations/E-Commerce Sales Performance Analysis and Visualization using Python.pptx
+++ b/Ecommerce_Analysis_Project_IBM/Documentations/E-Commerce Sales Performance Analysis and Visualization using Python.pptx
@@ -22667,8 +22667,13 @@
             <a:pPr algn="ctr"/>
             <a:r>
               <a:rPr lang="en-US" dirty="0"/>
-              <a:t>Adding columns</a:t>
-            </a:r>
+              <a:t>Exporting </a:t>
+            </a:r>
+            <a:r>
+              <a:rPr lang="en-US"/>
+              <a:t>dataframes</a:t>
+            </a:r>
+            <a:endParaRPr lang="en-US" dirty="0"/>
           </a:p>
         </p:txBody>
       </p:sp>
@@ -23258,6 +23263,15 @@
 </file>
 
 <file path=customXml/item1.xml><?xml version="1.0" encoding="utf-8"?>
+<?mso-contentType ?>
+<FormTemplates xmlns="http://schemas.microsoft.com/sharepoint/v3/contenttype/forms">
+  <Display>DocumentLibraryForm</Display>
+  <Edit>DocumentLibraryForm</Edit>
+  <New>DocumentLibraryForm</New>
+</FormTemplates>
+</file>
+
+<file path=customXml/item2.xml><?xml version="1.0" encoding="utf-8"?>
 <p:properties xmlns:p="http://schemas.microsoft.com/office/2006/metadata/properties" xmlns:xsi="http://www.w3.org/2001/XMLSchema-instance" xmlns:pc="http://schemas.microsoft.com/office/infopath/2007/PartnerControls">
   <documentManagement>
     <_ip_UnifiedCompliancePolicyUIAction xmlns="http://schemas.microsoft.com/sharepoint/v3" xsi:nil="true"/>
@@ -23275,15 +23289,6 @@
     <MediaServiceKeyPoints xmlns="71af3243-3dd4-4a8d-8c0d-dd76da1f02a5" xsi:nil="true"/>
   </documentManagement>
 </p:properties>
-</file>
-
-<file path=customXml/item2.xml><?xml version="1.0" encoding="utf-8"?>
-<?mso-contentType ?>
-<FormTemplates xmlns="http://schemas.microsoft.com/sharepoint/v3/contenttype/forms">
-  <Display>DocumentLibraryForm</Display>
-  <Edit>DocumentLibraryForm</Edit>
-  <New>DocumentLibraryForm</New>
-</FormTemplates>
 </file>
 
 <file path=customXml/item3.xml><?xml version="1.0" encoding="utf-8"?>
@@ -23581,6 +23586,14 @@
 </file>
 
 <file path=customXml/itemProps1.xml><?xml version="1.0" encoding="utf-8"?>
+<ds:datastoreItem xmlns:ds="http://schemas.openxmlformats.org/officeDocument/2006/customXml" ds:itemID="{4F1F1912-3146-44AF-A389-9E8B77BB3688}">
+  <ds:schemaRefs>
+    <ds:schemaRef ds:uri="http://schemas.microsoft.com/sharepoint/v3/contenttype/forms"/>
+  </ds:schemaRefs>
+</ds:datastoreItem>
+</file>
+
+<file path=customXml/itemProps2.xml><?xml version="1.0" encoding="utf-8"?>
 <ds:datastoreItem xmlns:ds="http://schemas.openxmlformats.org/officeDocument/2006/customXml" ds:itemID="{F8B8ECF1-2A9D-464C-AFE8-2B3295D0BF97}">
   <ds:schemaRefs>
     <ds:schemaRef ds:uri="http://schemas.microsoft.com/office/2006/metadata/properties"/>
@@ -23588,14 +23601,6 @@
     <ds:schemaRef ds:uri="http://schemas.microsoft.com/sharepoint/v3"/>
     <ds:schemaRef ds:uri="71af3243-3dd4-4a8d-8c0d-dd76da1f02a5"/>
     <ds:schemaRef ds:uri="230e9df3-be65-4c73-a93b-d1236ebd677e"/>
-  </ds:schemaRefs>
-</ds:datastoreItem>
-</file>
-
-<file path=customXml/itemProps2.xml><?xml version="1.0" encoding="utf-8"?>
-<ds:datastoreItem xmlns:ds="http://schemas.openxmlformats.org/officeDocument/2006/customXml" ds:itemID="{4F1F1912-3146-44AF-A389-9E8B77BB3688}">
-  <ds:schemaRefs>
-    <ds:schemaRef ds:uri="http://schemas.microsoft.com/sharepoint/v3/contenttype/forms"/>
   </ds:schemaRefs>
 </ds:datastoreItem>
 </file>

--- a/Ecommerce_Analysis_Project_IBM/Documentations/E-Commerce Sales Performance Analysis and Visualization using Python.pptx
+++ b/Ecommerce_Analysis_Project_IBM/Documentations/E-Commerce Sales Performance Analysis and Visualization using Python.pptx
@@ -230,7 +230,7 @@
           <a:p>
             <a:fld id="{3F00BCFC-AFFD-334C-A183-6116BAFDF92B}" type="datetimeFigureOut">
               <a:rPr lang="en-US" smtClean="0"/>
-              <a:t>11/21/2025</a:t>
+              <a:t>11/22/2025</a:t>
             </a:fld>
             <a:endParaRPr lang="en-US" dirty="0"/>
           </a:p>
@@ -17505,7 +17505,7 @@
         </p:blipFill>
         <p:spPr>
           <a:xfrm>
-            <a:off x="900421" y="2110735"/>
+            <a:off x="786120" y="1717035"/>
             <a:ext cx="4966979" cy="4389129"/>
           </a:xfrm>
           <a:prstGeom prst="rect">
@@ -17535,7 +17535,7 @@
         </p:blipFill>
         <p:spPr>
           <a:xfrm>
-            <a:off x="6096000" y="2809235"/>
+            <a:off x="6096000" y="2377948"/>
             <a:ext cx="5941072" cy="3485896"/>
           </a:xfrm>
           <a:prstGeom prst="rect">
@@ -17607,6 +17607,52 @@
           <a:p>
             <a:pPr algn="ctr"/>
             <a:endParaRPr lang="en-US" sz="1600" spc="300" dirty="0">
+              <a:solidFill>
+                <a:schemeClr val="bg1"/>
+              </a:solidFill>
+            </a:endParaRPr>
+          </a:p>
+        </p:txBody>
+      </p:sp>
+      <p:sp>
+        <p:nvSpPr>
+          <p:cNvPr id="3" name="TextBox 2">
+            <a:extLst>
+              <a:ext uri="{FF2B5EF4-FFF2-40B4-BE49-F238E27FC236}">
+                <a16:creationId xmlns:a16="http://schemas.microsoft.com/office/drawing/2014/main" id="{1849A2B3-EA95-2B07-3E6A-623CCDD6EDD8}"/>
+              </a:ext>
+            </a:extLst>
+          </p:cNvPr>
+          <p:cNvSpPr txBox="1"/>
+          <p:nvPr/>
+        </p:nvSpPr>
+        <p:spPr>
+          <a:xfrm>
+            <a:off x="773420" y="6315198"/>
+            <a:ext cx="6032500" cy="369332"/>
+          </a:xfrm>
+          <a:prstGeom prst="rect">
+            <a:avLst/>
+          </a:prstGeom>
+          <a:noFill/>
+        </p:spPr>
+        <p:txBody>
+          <a:bodyPr wrap="square" rtlCol="0">
+            <a:spAutoFit/>
+          </a:bodyPr>
+          <a:lstStyle/>
+          <a:p>
+            <a:r>
+              <a:rPr lang="en-GB" b="0" i="1" dirty="0">
+                <a:solidFill>
+                  <a:schemeClr val="bg1"/>
+                </a:solidFill>
+                <a:effectLst/>
+                <a:latin typeface="fkGroteskNeue"/>
+              </a:rPr>
+              <a:t>Stock high-demand products heavily before peak months.</a:t>
+            </a:r>
+            <a:endParaRPr lang="en-US" dirty="0">
               <a:solidFill>
                 <a:schemeClr val="bg1"/>
               </a:solidFill>
@@ -17846,6 +17892,52 @@
           <a:p>
             <a:pPr algn="ctr"/>
             <a:endParaRPr lang="en-US" spc="300" dirty="0"/>
+          </a:p>
+        </p:txBody>
+      </p:sp>
+      <p:sp>
+        <p:nvSpPr>
+          <p:cNvPr id="3" name="TextBox 2">
+            <a:extLst>
+              <a:ext uri="{FF2B5EF4-FFF2-40B4-BE49-F238E27FC236}">
+                <a16:creationId xmlns:a16="http://schemas.microsoft.com/office/drawing/2014/main" id="{6EA1B54E-F5DA-D79D-B538-A555BAAD059F}"/>
+              </a:ext>
+            </a:extLst>
+          </p:cNvPr>
+          <p:cNvSpPr txBox="1"/>
+          <p:nvPr/>
+        </p:nvSpPr>
+        <p:spPr>
+          <a:xfrm>
+            <a:off x="5600700" y="6007100"/>
+            <a:ext cx="6375400" cy="369332"/>
+          </a:xfrm>
+          <a:prstGeom prst="rect">
+            <a:avLst/>
+          </a:prstGeom>
+          <a:noFill/>
+        </p:spPr>
+        <p:txBody>
+          <a:bodyPr wrap="square" rtlCol="0">
+            <a:spAutoFit/>
+          </a:bodyPr>
+          <a:lstStyle/>
+          <a:p>
+            <a:r>
+              <a:rPr lang="en-GB" b="0" i="1" dirty="0">
+                <a:solidFill>
+                  <a:schemeClr val="bg1"/>
+                </a:solidFill>
+                <a:effectLst/>
+                <a:latin typeface="fkGroteskNeue"/>
+              </a:rPr>
+              <a:t>Allocate warehouse space and stock levels accordingly.</a:t>
+            </a:r>
+            <a:endParaRPr lang="en-US" dirty="0">
+              <a:solidFill>
+                <a:schemeClr val="bg1"/>
+              </a:solidFill>
+            </a:endParaRPr>
           </a:p>
         </p:txBody>
       </p:sp>
@@ -18565,7 +18657,12 @@
             <p:ph type="title"/>
           </p:nvPr>
         </p:nvSpPr>
-        <p:spPr/>
+        <p:spPr>
+          <a:xfrm>
+            <a:off x="863092" y="560071"/>
+            <a:ext cx="10881360" cy="1069848"/>
+          </a:xfrm>
+        </p:spPr>
         <p:txBody>
           <a:bodyPr/>
           <a:lstStyle/>
@@ -18604,7 +18701,7 @@
         </p:blipFill>
         <p:spPr>
           <a:xfrm>
-            <a:off x="742895" y="2258896"/>
+            <a:off x="742894" y="1901952"/>
             <a:ext cx="5245608" cy="3771329"/>
           </a:xfrm>
           <a:prstGeom prst="rect">
@@ -18698,6 +18795,52 @@
               </a:rPr>
               <a:t>Shows how transaction amounts are spread, revealing skewness and outlier sales.</a:t>
             </a:r>
+          </a:p>
+        </p:txBody>
+      </p:sp>
+      <p:sp>
+        <p:nvSpPr>
+          <p:cNvPr id="3" name="TextBox 2">
+            <a:extLst>
+              <a:ext uri="{FF2B5EF4-FFF2-40B4-BE49-F238E27FC236}">
+                <a16:creationId xmlns:a16="http://schemas.microsoft.com/office/drawing/2014/main" id="{FF7DCE5D-3159-C26F-6113-9E887D34E231}"/>
+              </a:ext>
+            </a:extLst>
+          </p:cNvPr>
+          <p:cNvSpPr txBox="1"/>
+          <p:nvPr/>
+        </p:nvSpPr>
+        <p:spPr>
+          <a:xfrm>
+            <a:off x="691922" y="5992435"/>
+            <a:ext cx="6235700" cy="646331"/>
+          </a:xfrm>
+          <a:prstGeom prst="rect">
+            <a:avLst/>
+          </a:prstGeom>
+          <a:noFill/>
+        </p:spPr>
+        <p:txBody>
+          <a:bodyPr wrap="square" rtlCol="0">
+            <a:spAutoFit/>
+          </a:bodyPr>
+          <a:lstStyle/>
+          <a:p>
+            <a:r>
+              <a:rPr lang="en-GB" b="0" i="1" dirty="0">
+                <a:solidFill>
+                  <a:schemeClr val="bg1"/>
+                </a:solidFill>
+                <a:effectLst/>
+                <a:latin typeface="fkGroteskNeue"/>
+              </a:rPr>
+              <a:t>Create attractive bundles to move customers from small to medium purchases.</a:t>
+            </a:r>
+            <a:endParaRPr lang="en-US" dirty="0">
+              <a:solidFill>
+                <a:schemeClr val="bg1"/>
+              </a:solidFill>
+            </a:endParaRPr>
           </a:p>
         </p:txBody>
       </p:sp>
@@ -18827,14 +18970,13 @@
               </a:ext>
             </a:extLst>
           </a:blip>
-          <a:stretch>
-            <a:fillRect/>
-          </a:stretch>
+          <a:srcRect l="6461" b="3327"/>
+          <a:stretch/>
         </p:blipFill>
         <p:spPr>
           <a:xfrm>
-            <a:off x="685292" y="2025391"/>
-            <a:ext cx="5511808" cy="4000505"/>
+            <a:off x="1041400" y="2025391"/>
+            <a:ext cx="5155700" cy="3867409"/>
           </a:xfrm>
           <a:prstGeom prst="rect">
             <a:avLst/>
@@ -18929,6 +19071,52 @@
               <a:t>Visualizes relationships between quantity, price, and sales for analytical insights</a:t>
             </a:r>
             <a:endParaRPr lang="en-US" spc="300" dirty="0"/>
+          </a:p>
+        </p:txBody>
+      </p:sp>
+      <p:sp>
+        <p:nvSpPr>
+          <p:cNvPr id="5" name="TextBox 4">
+            <a:extLst>
+              <a:ext uri="{FF2B5EF4-FFF2-40B4-BE49-F238E27FC236}">
+                <a16:creationId xmlns:a16="http://schemas.microsoft.com/office/drawing/2014/main" id="{005A046F-4F05-6282-320F-B2CA60DDA20C}"/>
+              </a:ext>
+            </a:extLst>
+          </p:cNvPr>
+          <p:cNvSpPr txBox="1"/>
+          <p:nvPr/>
+        </p:nvSpPr>
+        <p:spPr>
+          <a:xfrm>
+            <a:off x="850392" y="6123354"/>
+            <a:ext cx="5804408" cy="646331"/>
+          </a:xfrm>
+          <a:prstGeom prst="rect">
+            <a:avLst/>
+          </a:prstGeom>
+          <a:noFill/>
+        </p:spPr>
+        <p:txBody>
+          <a:bodyPr wrap="square" rtlCol="0">
+            <a:spAutoFit/>
+          </a:bodyPr>
+          <a:lstStyle/>
+          <a:p>
+            <a:r>
+              <a:rPr lang="en-GB" b="0" i="1" dirty="0">
+                <a:solidFill>
+                  <a:schemeClr val="bg1"/>
+                </a:solidFill>
+                <a:effectLst/>
+                <a:latin typeface="fkGroteskNeue"/>
+              </a:rPr>
+              <a:t>Sales are primarily driven by quantity sold, not premium pricing.</a:t>
+            </a:r>
+            <a:endParaRPr lang="en-US" dirty="0">
+              <a:solidFill>
+                <a:schemeClr val="bg1"/>
+              </a:solidFill>
+            </a:endParaRPr>
           </a:p>
         </p:txBody>
       </p:sp>
@@ -18978,7 +19166,12 @@
             <p:ph type="title"/>
           </p:nvPr>
         </p:nvSpPr>
-        <p:spPr/>
+        <p:spPr>
+          <a:xfrm>
+            <a:off x="850392" y="411480"/>
+            <a:ext cx="10881360" cy="1069848"/>
+          </a:xfrm>
+        </p:spPr>
         <p:txBody>
           <a:bodyPr/>
           <a:lstStyle/>
@@ -18992,35 +19185,6 @@
               <a:t>Boxplot (spread by product/country)</a:t>
             </a:r>
             <a:endParaRPr lang="en-US" sz="3600" dirty="0"/>
-          </a:p>
-        </p:txBody>
-      </p:sp>
-      <p:sp>
-        <p:nvSpPr>
-          <p:cNvPr id="4" name="Slide Number Placeholder 3">
-            <a:extLst>
-              <a:ext uri="{FF2B5EF4-FFF2-40B4-BE49-F238E27FC236}">
-                <a16:creationId xmlns:a16="http://schemas.microsoft.com/office/drawing/2014/main" id="{28E9B418-7A8B-8A30-2437-C15D0EDCD6E5}"/>
-              </a:ext>
-            </a:extLst>
-          </p:cNvPr>
-          <p:cNvSpPr>
-            <a:spLocks noGrp="1"/>
-          </p:cNvSpPr>
-          <p:nvPr>
-            <p:ph type="sldNum" sz="quarter" idx="12"/>
-          </p:nvPr>
-        </p:nvSpPr>
-        <p:spPr/>
-        <p:txBody>
-          <a:bodyPr/>
-          <a:lstStyle/>
-          <a:p>
-            <a:fld id="{294A09A9-5501-47C1-A89A-A340965A2BE2}" type="slidenum">
-              <a:rPr lang="en-US" smtClean="0"/>
-              <a:t>15</a:t>
-            </a:fld>
-            <a:endParaRPr lang="en-US" dirty="0"/>
           </a:p>
         </p:txBody>
       </p:sp>
@@ -19046,7 +19210,7 @@
         </p:blipFill>
         <p:spPr>
           <a:xfrm>
-            <a:off x="965193" y="2120900"/>
+            <a:off x="850392" y="1707890"/>
             <a:ext cx="5461007" cy="4343406"/>
           </a:xfrm>
           <a:prstGeom prst="rect">
@@ -19076,7 +19240,7 @@
         </p:blipFill>
         <p:spPr>
           <a:xfrm>
-            <a:off x="6565900" y="3827179"/>
+            <a:off x="6578600" y="3560479"/>
             <a:ext cx="5461006" cy="2257740"/>
           </a:xfrm>
           <a:prstGeom prst="rect">
@@ -19142,6 +19306,52 @@
               <a:t>Illustrates the spread and variability of sales in each product or region group</a:t>
             </a:r>
             <a:endParaRPr lang="en-US" spc="300" dirty="0"/>
+          </a:p>
+        </p:txBody>
+      </p:sp>
+      <p:sp>
+        <p:nvSpPr>
+          <p:cNvPr id="5" name="TextBox 4">
+            <a:extLst>
+              <a:ext uri="{FF2B5EF4-FFF2-40B4-BE49-F238E27FC236}">
+                <a16:creationId xmlns:a16="http://schemas.microsoft.com/office/drawing/2014/main" id="{95926A57-9F5D-F99F-946D-EFC2C31010A0}"/>
+              </a:ext>
+            </a:extLst>
+          </p:cNvPr>
+          <p:cNvSpPr txBox="1"/>
+          <p:nvPr/>
+        </p:nvSpPr>
+        <p:spPr>
+          <a:xfrm>
+            <a:off x="6680200" y="6038596"/>
+            <a:ext cx="5372100" cy="646331"/>
+          </a:xfrm>
+          <a:prstGeom prst="rect">
+            <a:avLst/>
+          </a:prstGeom>
+          <a:noFill/>
+        </p:spPr>
+        <p:txBody>
+          <a:bodyPr wrap="square" rtlCol="0">
+            <a:spAutoFit/>
+          </a:bodyPr>
+          <a:lstStyle/>
+          <a:p>
+            <a:r>
+              <a:rPr lang="en-GB" b="0" i="1" dirty="0">
+                <a:solidFill>
+                  <a:schemeClr val="bg1"/>
+                </a:solidFill>
+                <a:effectLst/>
+                <a:latin typeface="fkGroteskNeue"/>
+              </a:rPr>
+              <a:t>Stable categories (short boxes) are easier to forecast; plan inventory confidently.</a:t>
+            </a:r>
+            <a:endParaRPr lang="en-US" dirty="0">
+              <a:solidFill>
+                <a:schemeClr val="bg1"/>
+              </a:solidFill>
+            </a:endParaRPr>
           </a:p>
         </p:txBody>
       </p:sp>
@@ -19191,7 +19401,12 @@
             <p:ph type="title"/>
           </p:nvPr>
         </p:nvSpPr>
-        <p:spPr/>
+        <p:spPr>
+          <a:xfrm>
+            <a:off x="926591" y="406149"/>
+            <a:ext cx="10881360" cy="1069848"/>
+          </a:xfrm>
+        </p:spPr>
         <p:txBody>
           <a:bodyPr/>
           <a:lstStyle/>
@@ -19255,7 +19470,7 @@
         </p:blipFill>
         <p:spPr>
           <a:xfrm>
-            <a:off x="850392" y="2644135"/>
+            <a:off x="926591" y="1901952"/>
             <a:ext cx="5339086" cy="3591565"/>
           </a:xfrm>
           <a:prstGeom prst="rect">
@@ -19285,7 +19500,7 @@
         </p:blipFill>
         <p:spPr>
           <a:xfrm>
-            <a:off x="6367271" y="3984504"/>
+            <a:off x="6456171" y="3578104"/>
             <a:ext cx="5630061" cy="1733792"/>
           </a:xfrm>
           <a:prstGeom prst="rect">
@@ -19354,6 +19569,52 @@
           <a:p>
             <a:pPr algn="ctr"/>
             <a:endParaRPr lang="en-US" spc="300" dirty="0"/>
+          </a:p>
+        </p:txBody>
+      </p:sp>
+      <p:sp>
+        <p:nvSpPr>
+          <p:cNvPr id="3" name="TextBox 2">
+            <a:extLst>
+              <a:ext uri="{FF2B5EF4-FFF2-40B4-BE49-F238E27FC236}">
+                <a16:creationId xmlns:a16="http://schemas.microsoft.com/office/drawing/2014/main" id="{F0784BB9-8E63-2701-DCEF-84F6F6D1E52C}"/>
+              </a:ext>
+            </a:extLst>
+          </p:cNvPr>
+          <p:cNvSpPr txBox="1"/>
+          <p:nvPr/>
+        </p:nvSpPr>
+        <p:spPr>
+          <a:xfrm>
+            <a:off x="926591" y="6082519"/>
+            <a:ext cx="7327900" cy="369332"/>
+          </a:xfrm>
+          <a:prstGeom prst="rect">
+            <a:avLst/>
+          </a:prstGeom>
+          <a:noFill/>
+        </p:spPr>
+        <p:txBody>
+          <a:bodyPr wrap="square" rtlCol="0">
+            <a:spAutoFit/>
+          </a:bodyPr>
+          <a:lstStyle/>
+          <a:p>
+            <a:r>
+              <a:rPr lang="en-GB" b="0" i="1" dirty="0">
+                <a:solidFill>
+                  <a:schemeClr val="bg1"/>
+                </a:solidFill>
+                <a:effectLst/>
+                <a:latin typeface="fkGroteskNeue"/>
+              </a:rPr>
+              <a:t>Plan inventory and staffing around the identified trend and seasonality.</a:t>
+            </a:r>
+            <a:endParaRPr lang="en-US" dirty="0">
+              <a:solidFill>
+                <a:schemeClr val="bg1"/>
+              </a:solidFill>
+            </a:endParaRPr>
           </a:p>
         </p:txBody>
       </p:sp>
@@ -21468,7 +21729,7 @@
         </p:nvSpPr>
         <p:spPr>
           <a:xfrm>
-            <a:off x="5403850" y="3492179"/>
+            <a:off x="5391150" y="3492179"/>
             <a:ext cx="6180582" cy="400110"/>
           </a:xfrm>
         </p:spPr>
@@ -21501,7 +21762,7 @@
         </p:nvGrpSpPr>
         <p:grpSpPr>
           <a:xfrm>
-            <a:off x="4802632" y="4499673"/>
+            <a:off x="4802632" y="4887395"/>
             <a:ext cx="5027168" cy="401321"/>
             <a:chOff x="4802632" y="4585911"/>
             <a:chExt cx="5027168" cy="401321"/>
@@ -21572,6 +21833,16 @@
             <a:lstStyle/>
             <a:p>
               <a:r>
+                <a:rPr lang="en-GB" sz="2000" b="0" i="0" spc="300">
+                  <a:solidFill>
+                    <a:schemeClr val="bg1"/>
+                  </a:solidFill>
+                  <a:effectLst/>
+                  <a:latin typeface="fkGroteskNeue"/>
+                </a:rPr>
+                <a:t>Kunalyadav18</a:t>
+              </a:r>
+              <a:r>
                 <a:rPr lang="en-GB" sz="2000" b="0" i="0" spc="300" dirty="0">
                   <a:solidFill>
                     <a:schemeClr val="bg1"/>
@@ -21579,7 +21850,7 @@
                   <a:effectLst/>
                   <a:latin typeface="fkGroteskNeue"/>
                 </a:rPr>
-                <a:t>Kunnuyadav18@gmail.com</a:t>
+                <a:t>@gmail.com</a:t>
               </a:r>
             </a:p>
           </p:txBody>
@@ -21713,6 +21984,201 @@
                   <a:latin typeface="fkGroteskNeue"/>
                 </a:rPr>
                 <a:t>Kunal Yadav</a:t>
+              </a:r>
+            </a:p>
+          </p:txBody>
+        </p:sp>
+      </p:grpSp>
+      <p:grpSp>
+        <p:nvGrpSpPr>
+          <p:cNvPr id="4" name="Group 3">
+            <a:extLst>
+              <a:ext uri="{FF2B5EF4-FFF2-40B4-BE49-F238E27FC236}">
+                <a16:creationId xmlns:a16="http://schemas.microsoft.com/office/drawing/2014/main" id="{D85BC414-F2F2-02E3-8E01-11922EACEBDF}"/>
+              </a:ext>
+            </a:extLst>
+          </p:cNvPr>
+          <p:cNvGrpSpPr/>
+          <p:nvPr/>
+        </p:nvGrpSpPr>
+        <p:grpSpPr>
+          <a:xfrm>
+            <a:off x="4882515" y="4364865"/>
+            <a:ext cx="4782185" cy="409702"/>
+            <a:chOff x="4882515" y="3987869"/>
+            <a:chExt cx="4782185" cy="409702"/>
+          </a:xfrm>
+        </p:grpSpPr>
+        <p:pic>
+          <p:nvPicPr>
+            <p:cNvPr id="7" name="Graphic 6" descr="Employee badge with solid fill">
+              <a:extLst>
+                <a:ext uri="{FF2B5EF4-FFF2-40B4-BE49-F238E27FC236}">
+                  <a16:creationId xmlns:a16="http://schemas.microsoft.com/office/drawing/2014/main" id="{AE0DB70B-3D73-CF7D-3CB6-769981BF0B78}"/>
+                </a:ext>
+              </a:extLst>
+            </p:cNvPr>
+            <p:cNvPicPr>
+              <a:picLocks noChangeAspect="1"/>
+            </p:cNvPicPr>
+            <p:nvPr/>
+          </p:nvPicPr>
+          <p:blipFill>
+            <a:blip r:embed="rId6">
+              <a:extLst>
+                <a:ext uri="{96DAC541-7B7A-43D3-8B79-37D633B846F1}">
+                  <asvg:svgBlip xmlns:asvg="http://schemas.microsoft.com/office/drawing/2016/SVG/main" r:embed="rId7"/>
+                </a:ext>
+              </a:extLst>
+            </a:blip>
+            <a:stretch>
+              <a:fillRect/>
+            </a:stretch>
+          </p:blipFill>
+          <p:spPr>
+            <a:xfrm>
+              <a:off x="4882515" y="3987869"/>
+              <a:ext cx="409702" cy="409702"/>
+            </a:xfrm>
+            <a:prstGeom prst="rect">
+              <a:avLst/>
+            </a:prstGeom>
+          </p:spPr>
+        </p:pic>
+        <p:sp>
+          <p:nvSpPr>
+            <p:cNvPr id="9" name="TextBox 8">
+              <a:extLst>
+                <a:ext uri="{FF2B5EF4-FFF2-40B4-BE49-F238E27FC236}">
+                  <a16:creationId xmlns:a16="http://schemas.microsoft.com/office/drawing/2014/main" id="{008F568E-612B-0215-061E-C918A6D8056B}"/>
+                </a:ext>
+              </a:extLst>
+            </p:cNvPr>
+            <p:cNvSpPr txBox="1"/>
+            <p:nvPr/>
+          </p:nvSpPr>
+          <p:spPr>
+            <a:xfrm>
+              <a:off x="5403850" y="4011315"/>
+              <a:ext cx="4260850" cy="369332"/>
+            </a:xfrm>
+            <a:prstGeom prst="rect">
+              <a:avLst/>
+            </a:prstGeom>
+            <a:noFill/>
+          </p:spPr>
+          <p:txBody>
+            <a:bodyPr wrap="square" rtlCol="0">
+              <a:spAutoFit/>
+            </a:bodyPr>
+            <a:lstStyle/>
+            <a:p>
+              <a:r>
+                <a:rPr lang="en-GB" spc="300" dirty="0">
+                  <a:solidFill>
+                    <a:schemeClr val="bg1"/>
+                  </a:solidFill>
+                  <a:latin typeface="fkGroteskNeue"/>
+                </a:rPr>
+                <a:t>Divyansh Srivastava</a:t>
+              </a:r>
+            </a:p>
+          </p:txBody>
+        </p:sp>
+      </p:grpSp>
+      <p:grpSp>
+        <p:nvGrpSpPr>
+          <p:cNvPr id="14" name="Group 13">
+            <a:extLst>
+              <a:ext uri="{FF2B5EF4-FFF2-40B4-BE49-F238E27FC236}">
+                <a16:creationId xmlns:a16="http://schemas.microsoft.com/office/drawing/2014/main" id="{18F97651-BA79-274C-609E-6E560382D23C}"/>
+              </a:ext>
+            </a:extLst>
+          </p:cNvPr>
+          <p:cNvGrpSpPr/>
+          <p:nvPr/>
+        </p:nvGrpSpPr>
+        <p:grpSpPr>
+          <a:xfrm>
+            <a:off x="4802632" y="5229688"/>
+            <a:ext cx="5027168" cy="401321"/>
+            <a:chOff x="4802632" y="4585911"/>
+            <a:chExt cx="5027168" cy="401321"/>
+          </a:xfrm>
+        </p:grpSpPr>
+        <p:pic>
+          <p:nvPicPr>
+            <p:cNvPr id="15" name="Graphic 14" descr="Envelope with solid fill">
+              <a:extLst>
+                <a:ext uri="{FF2B5EF4-FFF2-40B4-BE49-F238E27FC236}">
+                  <a16:creationId xmlns:a16="http://schemas.microsoft.com/office/drawing/2014/main" id="{A1D488AC-AD51-7578-9942-1EEAE06520AC}"/>
+                </a:ext>
+              </a:extLst>
+            </p:cNvPr>
+            <p:cNvPicPr>
+              <a:picLocks noChangeAspect="1"/>
+            </p:cNvPicPr>
+            <p:nvPr/>
+          </p:nvPicPr>
+          <p:blipFill>
+            <a:blip r:embed="rId2">
+              <a:extLst>
+                <a:ext uri="{96DAC541-7B7A-43D3-8B79-37D633B846F1}">
+                  <asvg:svgBlip xmlns:asvg="http://schemas.microsoft.com/office/drawing/2016/SVG/main" r:embed="rId3"/>
+                </a:ext>
+              </a:extLst>
+            </a:blip>
+            <a:stretch>
+              <a:fillRect/>
+            </a:stretch>
+          </p:blipFill>
+          <p:spPr>
+            <a:xfrm>
+              <a:off x="4802632" y="4618932"/>
+              <a:ext cx="569468" cy="368300"/>
+            </a:xfrm>
+            <a:prstGeom prst="rect">
+              <a:avLst/>
+            </a:prstGeom>
+          </p:spPr>
+        </p:pic>
+        <p:sp>
+          <p:nvSpPr>
+            <p:cNvPr id="16" name="TextBox 15">
+              <a:extLst>
+                <a:ext uri="{FF2B5EF4-FFF2-40B4-BE49-F238E27FC236}">
+                  <a16:creationId xmlns:a16="http://schemas.microsoft.com/office/drawing/2014/main" id="{622CD0A5-651B-7A60-AD4D-D1FB7ED0F5D5}"/>
+                </a:ext>
+              </a:extLst>
+            </p:cNvPr>
+            <p:cNvSpPr txBox="1"/>
+            <p:nvPr/>
+          </p:nvSpPr>
+          <p:spPr>
+            <a:xfrm>
+              <a:off x="5372100" y="4585911"/>
+              <a:ext cx="4457700" cy="400110"/>
+            </a:xfrm>
+            <a:prstGeom prst="rect">
+              <a:avLst/>
+            </a:prstGeom>
+            <a:noFill/>
+          </p:spPr>
+          <p:txBody>
+            <a:bodyPr wrap="square" rtlCol="0">
+              <a:spAutoFit/>
+            </a:bodyPr>
+            <a:lstStyle/>
+            <a:p>
+              <a:r>
+                <a:rPr lang="en-GB" sz="2000" b="0" i="0" spc="300" dirty="0">
+                  <a:solidFill>
+                    <a:schemeClr val="bg1"/>
+                  </a:solidFill>
+                  <a:effectLst/>
+                  <a:latin typeface="fkGroteskNeue"/>
+                </a:rPr>
+                <a:t>Divsri.0104@gmail.com</a:t>
               </a:r>
             </a:p>
           </p:txBody>
@@ -23263,15 +23729,6 @@
 </file>
 
 <file path=customXml/item1.xml><?xml version="1.0" encoding="utf-8"?>
-<?mso-contentType ?>
-<FormTemplates xmlns="http://schemas.microsoft.com/sharepoint/v3/contenttype/forms">
-  <Display>DocumentLibraryForm</Display>
-  <Edit>DocumentLibraryForm</Edit>
-  <New>DocumentLibraryForm</New>
-</FormTemplates>
-</file>
-
-<file path=customXml/item2.xml><?xml version="1.0" encoding="utf-8"?>
 <p:properties xmlns:p="http://schemas.microsoft.com/office/2006/metadata/properties" xmlns:xsi="http://www.w3.org/2001/XMLSchema-instance" xmlns:pc="http://schemas.microsoft.com/office/infopath/2007/PartnerControls">
   <documentManagement>
     <_ip_UnifiedCompliancePolicyUIAction xmlns="http://schemas.microsoft.com/sharepoint/v3" xsi:nil="true"/>
@@ -23289,6 +23746,15 @@
     <MediaServiceKeyPoints xmlns="71af3243-3dd4-4a8d-8c0d-dd76da1f02a5" xsi:nil="true"/>
   </documentManagement>
 </p:properties>
+</file>
+
+<file path=customXml/item2.xml><?xml version="1.0" encoding="utf-8"?>
+<?mso-contentType ?>
+<FormTemplates xmlns="http://schemas.microsoft.com/sharepoint/v3/contenttype/forms">
+  <Display>DocumentLibraryForm</Display>
+  <Edit>DocumentLibraryForm</Edit>
+  <New>DocumentLibraryForm</New>
+</FormTemplates>
 </file>
 
 <file path=customXml/item3.xml><?xml version="1.0" encoding="utf-8"?>
@@ -23586,14 +24052,6 @@
 </file>
 
 <file path=customXml/itemProps1.xml><?xml version="1.0" encoding="utf-8"?>
-<ds:datastoreItem xmlns:ds="http://schemas.openxmlformats.org/officeDocument/2006/customXml" ds:itemID="{4F1F1912-3146-44AF-A389-9E8B77BB3688}">
-  <ds:schemaRefs>
-    <ds:schemaRef ds:uri="http://schemas.microsoft.com/sharepoint/v3/contenttype/forms"/>
-  </ds:schemaRefs>
-</ds:datastoreItem>
-</file>
-
-<file path=customXml/itemProps2.xml><?xml version="1.0" encoding="utf-8"?>
 <ds:datastoreItem xmlns:ds="http://schemas.openxmlformats.org/officeDocument/2006/customXml" ds:itemID="{F8B8ECF1-2A9D-464C-AFE8-2B3295D0BF97}">
   <ds:schemaRefs>
     <ds:schemaRef ds:uri="http://schemas.microsoft.com/office/2006/metadata/properties"/>
@@ -23601,6 +24059,14 @@
     <ds:schemaRef ds:uri="http://schemas.microsoft.com/sharepoint/v3"/>
     <ds:schemaRef ds:uri="71af3243-3dd4-4a8d-8c0d-dd76da1f02a5"/>
     <ds:schemaRef ds:uri="230e9df3-be65-4c73-a93b-d1236ebd677e"/>
+  </ds:schemaRefs>
+</ds:datastoreItem>
+</file>
+
+<file path=customXml/itemProps2.xml><?xml version="1.0" encoding="utf-8"?>
+<ds:datastoreItem xmlns:ds="http://schemas.openxmlformats.org/officeDocument/2006/customXml" ds:itemID="{4F1F1912-3146-44AF-A389-9E8B77BB3688}">
+  <ds:schemaRefs>
+    <ds:schemaRef ds:uri="http://schemas.microsoft.com/sharepoint/v3/contenttype/forms"/>
   </ds:schemaRefs>
 </ds:datastoreItem>
 </file>
